--- a/client/public/fichiers/ANNEXE 21 - MODELE DE RAPPORT ADAPTE.pptx
+++ b/client/public/fichiers/ANNEXE 21 - MODELE DE RAPPORT ADAPTE.pptx
@@ -136,17 +136,1739 @@
 <file path=ppt/changesInfos/changesInfo1.xml><?xml version="1.0" encoding="utf-8"?>
 <pc:chgInfo xmlns:a="http://schemas.openxmlformats.org/drawingml/2006/main" xmlns:r="http://schemas.openxmlformats.org/officeDocument/2006/relationships" xmlns:ac="http://schemas.microsoft.com/office/drawing/2013/main/command" xmlns:pc="http://schemas.microsoft.com/office/powerpoint/2013/main/command">
   <pc:docChgLst>
-    <pc:chgData clId="Web-{7F47BDAB-011E-5D79-3290-E5E115CA5DED}"/>
-    <pc:docChg chg="modSld">
-      <pc:chgData name="" userId="" providerId="" clId="Web-{7F47BDAB-011E-5D79-3290-E5E115CA5DED}" dt="2025-08-19T11:02:27.249" v="0" actId="20577"/>
+    <pc:chgData name="laura-gombaud@laposte.net" userId="S::urn:spo:guest#laura-gombaud@laposte.net::" providerId="AD" clId="Web-{7F47BDAB-011E-5D79-3290-E5E115CA5DED}"/>
+    <pc:docChg chg="addSld delSld modSld addMainMaster delMainMaster">
+      <pc:chgData name="laura-gombaud@laposte.net" userId="S::urn:spo:guest#laura-gombaud@laposte.net::" providerId="AD" clId="Web-{7F47BDAB-011E-5D79-3290-E5E115CA5DED}" dt="2025-08-19T11:14:21.944" v="312"/>
+      <pc:docMkLst>
+        <pc:docMk/>
+      </pc:docMkLst>
+      <pc:sldChg chg="modSp mod modClrScheme chgLayout">
+        <pc:chgData name="laura-gombaud@laposte.net" userId="S::urn:spo:guest#laura-gombaud@laposte.net::" providerId="AD" clId="Web-{7F47BDAB-011E-5D79-3290-E5E115CA5DED}" dt="2025-08-19T11:04:11.206" v="63"/>
+        <pc:sldMkLst>
+          <pc:docMk/>
+          <pc:sldMk cId="3147147755" sldId="267"/>
+        </pc:sldMkLst>
+      </pc:sldChg>
+      <pc:sldChg chg="modSp mod modClrScheme chgLayout">
+        <pc:chgData name="laura-gombaud@laposte.net" userId="S::urn:spo:guest#laura-gombaud@laposte.net::" providerId="AD" clId="Web-{7F47BDAB-011E-5D79-3290-E5E115CA5DED}" dt="2025-08-19T11:04:11.206" v="63"/>
+        <pc:sldMkLst>
+          <pc:docMk/>
+          <pc:sldMk cId="1377381188" sldId="268"/>
+        </pc:sldMkLst>
+      </pc:sldChg>
+      <pc:sldChg chg="modSp mod modClrScheme chgLayout">
+        <pc:chgData name="laura-gombaud@laposte.net" userId="S::urn:spo:guest#laura-gombaud@laposte.net::" providerId="AD" clId="Web-{7F47BDAB-011E-5D79-3290-E5E115CA5DED}" dt="2025-08-19T11:04:11.206" v="63"/>
+        <pc:sldMkLst>
+          <pc:docMk/>
+          <pc:sldMk cId="1920496561" sldId="269"/>
+        </pc:sldMkLst>
+      </pc:sldChg>
+      <pc:sldChg chg="addSp delSp modSp mod modClrScheme chgLayout">
+        <pc:chgData name="laura-gombaud@laposte.net" userId="S::urn:spo:guest#laura-gombaud@laposte.net::" providerId="AD" clId="Web-{7F47BDAB-011E-5D79-3290-E5E115CA5DED}" dt="2025-08-19T11:14:21.944" v="312"/>
+        <pc:sldMkLst>
+          <pc:docMk/>
+          <pc:sldMk cId="1923760963" sldId="270"/>
+        </pc:sldMkLst>
+      </pc:sldChg>
+      <pc:sldChg chg="modSp mod modClrScheme chgLayout">
+        <pc:chgData name="laura-gombaud@laposte.net" userId="S::urn:spo:guest#laura-gombaud@laposte.net::" providerId="AD" clId="Web-{7F47BDAB-011E-5D79-3290-E5E115CA5DED}" dt="2025-08-19T11:12:07.018" v="307" actId="20577"/>
+        <pc:sldMkLst>
+          <pc:docMk/>
+          <pc:sldMk cId="541879771" sldId="271"/>
+        </pc:sldMkLst>
+      </pc:sldChg>
+      <pc:sldChg chg="modSp mod modClrScheme chgLayout">
+        <pc:chgData name="laura-gombaud@laposte.net" userId="S::urn:spo:guest#laura-gombaud@laposte.net::" providerId="AD" clId="Web-{7F47BDAB-011E-5D79-3290-E5E115CA5DED}" dt="2025-08-19T11:09:03.246" v="232" actId="20577"/>
+        <pc:sldMkLst>
+          <pc:docMk/>
+          <pc:sldMk cId="2733612999" sldId="272"/>
+        </pc:sldMkLst>
+      </pc:sldChg>
+      <pc:sldChg chg="modSp mod modClrScheme chgLayout">
+        <pc:chgData name="laura-gombaud@laposte.net" userId="S::urn:spo:guest#laura-gombaud@laposte.net::" providerId="AD" clId="Web-{7F47BDAB-011E-5D79-3290-E5E115CA5DED}" dt="2025-08-19T11:04:11.206" v="63"/>
+        <pc:sldMkLst>
+          <pc:docMk/>
+          <pc:sldMk cId="2599946661" sldId="273"/>
+        </pc:sldMkLst>
+        <pc:spChg chg="mod ord">
+          <ac:chgData name="laura-gombaud@laposte.net" userId="S::urn:spo:guest#laura-gombaud@laposte.net::" providerId="AD" clId="Web-{7F47BDAB-011E-5D79-3290-E5E115CA5DED}" dt="2025-08-19T11:04:11.206" v="63"/>
+          <ac:spMkLst>
+            <pc:docMk/>
+            <pc:sldMk cId="2599946661" sldId="273"/>
+            <ac:spMk id="2" creationId="{DC1DF8FD-9FF0-61DB-77A9-2F32CA22D0D4}"/>
+          </ac:spMkLst>
+        </pc:spChg>
+        <pc:spChg chg="mod ord">
+          <ac:chgData name="laura-gombaud@laposte.net" userId="S::urn:spo:guest#laura-gombaud@laposte.net::" providerId="AD" clId="Web-{7F47BDAB-011E-5D79-3290-E5E115CA5DED}" dt="2025-08-19T11:04:11.206" v="63"/>
+          <ac:spMkLst>
+            <pc:docMk/>
+            <pc:sldMk cId="2599946661" sldId="273"/>
+            <ac:spMk id="3" creationId="{CB90D3A8-56AE-B719-6344-49E017294879}"/>
+          </ac:spMkLst>
+        </pc:spChg>
+      </pc:sldChg>
+      <pc:sldChg chg="modSp mod modClrScheme chgLayout">
+        <pc:chgData name="laura-gombaud@laposte.net" userId="S::urn:spo:guest#laura-gombaud@laposte.net::" providerId="AD" clId="Web-{7F47BDAB-011E-5D79-3290-E5E115CA5DED}" dt="2025-08-19T11:04:11.206" v="63"/>
+        <pc:sldMkLst>
+          <pc:docMk/>
+          <pc:sldMk cId="1019502620" sldId="274"/>
+        </pc:sldMkLst>
+      </pc:sldChg>
+      <pc:sldChg chg="modSp mod modClrScheme chgLayout">
+        <pc:chgData name="laura-gombaud@laposte.net" userId="S::urn:spo:guest#laura-gombaud@laposte.net::" providerId="AD" clId="Web-{7F47BDAB-011E-5D79-3290-E5E115CA5DED}" dt="2025-08-19T11:04:11.206" v="63"/>
+        <pc:sldMkLst>
+          <pc:docMk/>
+          <pc:sldMk cId="914568548" sldId="275"/>
+        </pc:sldMkLst>
+      </pc:sldChg>
+      <pc:sldChg chg="addSp delSp modSp del mod modClrScheme delDesignElem chgLayout">
+        <pc:chgData name="laura-gombaud@laposte.net" userId="S::urn:spo:guest#laura-gombaud@laposte.net::" providerId="AD" clId="Web-{7F47BDAB-011E-5D79-3290-E5E115CA5DED}" dt="2025-08-19T11:05:31.865" v="85"/>
+        <pc:sldMkLst>
+          <pc:docMk/>
+          <pc:sldMk cId="619538879" sldId="277"/>
+        </pc:sldMkLst>
+      </pc:sldChg>
+      <pc:sldChg chg="addSp delSp modSp new">
+        <pc:chgData name="laura-gombaud@laposte.net" userId="S::urn:spo:guest#laura-gombaud@laposte.net::" providerId="AD" clId="Web-{7F47BDAB-011E-5D79-3290-E5E115CA5DED}" dt="2025-08-19T11:06:27.960" v="108"/>
+        <pc:sldMkLst>
+          <pc:docMk/>
+          <pc:sldMk cId="3107800595" sldId="278"/>
+        </pc:sldMkLst>
+      </pc:sldChg>
+      <pc:sldMasterChg chg="del delSldLayout">
+        <pc:chgData name="laura-gombaud@laposte.net" userId="S::urn:spo:guest#laura-gombaud@laposte.net::" providerId="AD" clId="Web-{7F47BDAB-011E-5D79-3290-E5E115CA5DED}" dt="2025-08-19T11:04:08.596" v="62"/>
+        <pc:sldMasterMkLst>
+          <pc:docMk/>
+          <pc:sldMasterMk cId="474013707" sldId="2147483660"/>
+        </pc:sldMasterMkLst>
+        <pc:sldLayoutChg chg="del">
+          <pc:chgData name="laura-gombaud@laposte.net" userId="S::urn:spo:guest#laura-gombaud@laposte.net::" providerId="AD" clId="Web-{7F47BDAB-011E-5D79-3290-E5E115CA5DED}" dt="2025-08-19T11:04:08.596" v="62"/>
+          <pc:sldLayoutMkLst>
+            <pc:docMk/>
+            <pc:sldMasterMk cId="474013707" sldId="2147483660"/>
+            <pc:sldLayoutMk cId="1052586614" sldId="2147483661"/>
+          </pc:sldLayoutMkLst>
+        </pc:sldLayoutChg>
+        <pc:sldLayoutChg chg="del">
+          <pc:chgData name="laura-gombaud@laposte.net" userId="S::urn:spo:guest#laura-gombaud@laposte.net::" providerId="AD" clId="Web-{7F47BDAB-011E-5D79-3290-E5E115CA5DED}" dt="2025-08-19T11:04:08.596" v="62"/>
+          <pc:sldLayoutMkLst>
+            <pc:docMk/>
+            <pc:sldMasterMk cId="474013707" sldId="2147483660"/>
+            <pc:sldLayoutMk cId="1689560760" sldId="2147483662"/>
+          </pc:sldLayoutMkLst>
+        </pc:sldLayoutChg>
+        <pc:sldLayoutChg chg="del">
+          <pc:chgData name="laura-gombaud@laposte.net" userId="S::urn:spo:guest#laura-gombaud@laposte.net::" providerId="AD" clId="Web-{7F47BDAB-011E-5D79-3290-E5E115CA5DED}" dt="2025-08-19T11:04:08.596" v="62"/>
+          <pc:sldLayoutMkLst>
+            <pc:docMk/>
+            <pc:sldMasterMk cId="474013707" sldId="2147483660"/>
+            <pc:sldLayoutMk cId="1654917337" sldId="2147483663"/>
+          </pc:sldLayoutMkLst>
+        </pc:sldLayoutChg>
+        <pc:sldLayoutChg chg="del">
+          <pc:chgData name="laura-gombaud@laposte.net" userId="S::urn:spo:guest#laura-gombaud@laposte.net::" providerId="AD" clId="Web-{7F47BDAB-011E-5D79-3290-E5E115CA5DED}" dt="2025-08-19T11:04:08.596" v="62"/>
+          <pc:sldLayoutMkLst>
+            <pc:docMk/>
+            <pc:sldMasterMk cId="474013707" sldId="2147483660"/>
+            <pc:sldLayoutMk cId="843323884" sldId="2147483664"/>
+          </pc:sldLayoutMkLst>
+        </pc:sldLayoutChg>
+        <pc:sldLayoutChg chg="del">
+          <pc:chgData name="laura-gombaud@laposte.net" userId="S::urn:spo:guest#laura-gombaud@laposte.net::" providerId="AD" clId="Web-{7F47BDAB-011E-5D79-3290-E5E115CA5DED}" dt="2025-08-19T11:04:08.596" v="62"/>
+          <pc:sldLayoutMkLst>
+            <pc:docMk/>
+            <pc:sldMasterMk cId="474013707" sldId="2147483660"/>
+            <pc:sldLayoutMk cId="2827557155" sldId="2147483665"/>
+          </pc:sldLayoutMkLst>
+        </pc:sldLayoutChg>
+        <pc:sldLayoutChg chg="del">
+          <pc:chgData name="laura-gombaud@laposte.net" userId="S::urn:spo:guest#laura-gombaud@laposte.net::" providerId="AD" clId="Web-{7F47BDAB-011E-5D79-3290-E5E115CA5DED}" dt="2025-08-19T11:04:08.596" v="62"/>
+          <pc:sldLayoutMkLst>
+            <pc:docMk/>
+            <pc:sldMasterMk cId="474013707" sldId="2147483660"/>
+            <pc:sldLayoutMk cId="2626983362" sldId="2147483666"/>
+          </pc:sldLayoutMkLst>
+        </pc:sldLayoutChg>
+        <pc:sldLayoutChg chg="del">
+          <pc:chgData name="laura-gombaud@laposte.net" userId="S::urn:spo:guest#laura-gombaud@laposte.net::" providerId="AD" clId="Web-{7F47BDAB-011E-5D79-3290-E5E115CA5DED}" dt="2025-08-19T11:04:08.596" v="62"/>
+          <pc:sldLayoutMkLst>
+            <pc:docMk/>
+            <pc:sldMasterMk cId="474013707" sldId="2147483660"/>
+            <pc:sldLayoutMk cId="920100566" sldId="2147483667"/>
+          </pc:sldLayoutMkLst>
+        </pc:sldLayoutChg>
+        <pc:sldLayoutChg chg="del">
+          <pc:chgData name="laura-gombaud@laposte.net" userId="S::urn:spo:guest#laura-gombaud@laposte.net::" providerId="AD" clId="Web-{7F47BDAB-011E-5D79-3290-E5E115CA5DED}" dt="2025-08-19T11:04:08.596" v="62"/>
+          <pc:sldLayoutMkLst>
+            <pc:docMk/>
+            <pc:sldMasterMk cId="474013707" sldId="2147483660"/>
+            <pc:sldLayoutMk cId="3555684344" sldId="2147483668"/>
+          </pc:sldLayoutMkLst>
+        </pc:sldLayoutChg>
+        <pc:sldLayoutChg chg="del">
+          <pc:chgData name="laura-gombaud@laposte.net" userId="S::urn:spo:guest#laura-gombaud@laposte.net::" providerId="AD" clId="Web-{7F47BDAB-011E-5D79-3290-E5E115CA5DED}" dt="2025-08-19T11:04:08.596" v="62"/>
+          <pc:sldLayoutMkLst>
+            <pc:docMk/>
+            <pc:sldMasterMk cId="474013707" sldId="2147483660"/>
+            <pc:sldLayoutMk cId="4058517375" sldId="2147483669"/>
+          </pc:sldLayoutMkLst>
+        </pc:sldLayoutChg>
+        <pc:sldLayoutChg chg="del">
+          <pc:chgData name="laura-gombaud@laposte.net" userId="S::urn:spo:guest#laura-gombaud@laposte.net::" providerId="AD" clId="Web-{7F47BDAB-011E-5D79-3290-E5E115CA5DED}" dt="2025-08-19T11:04:08.596" v="62"/>
+          <pc:sldLayoutMkLst>
+            <pc:docMk/>
+            <pc:sldMasterMk cId="474013707" sldId="2147483660"/>
+            <pc:sldLayoutMk cId="1834758841" sldId="2147483670"/>
+          </pc:sldLayoutMkLst>
+        </pc:sldLayoutChg>
+        <pc:sldLayoutChg chg="del">
+          <pc:chgData name="laura-gombaud@laposte.net" userId="S::urn:spo:guest#laura-gombaud@laposte.net::" providerId="AD" clId="Web-{7F47BDAB-011E-5D79-3290-E5E115CA5DED}" dt="2025-08-19T11:04:08.596" v="62"/>
+          <pc:sldLayoutMkLst>
+            <pc:docMk/>
+            <pc:sldMasterMk cId="474013707" sldId="2147483660"/>
+            <pc:sldLayoutMk cId="4175619599" sldId="2147483671"/>
+          </pc:sldLayoutMkLst>
+        </pc:sldLayoutChg>
+      </pc:sldMasterChg>
+      <pc:sldMasterChg chg="add del addSldLayout delSldLayout modSldLayout">
+        <pc:chgData name="laura-gombaud@laposte.net" userId="S::urn:spo:guest#laura-gombaud@laposte.net::" providerId="AD" clId="Web-{7F47BDAB-011E-5D79-3290-E5E115CA5DED}" dt="2025-08-19T11:04:11.206" v="63"/>
+        <pc:sldMasterMkLst>
+          <pc:docMk/>
+          <pc:sldMasterMk cId="3773155301" sldId="2147483672"/>
+        </pc:sldMasterMkLst>
+        <pc:sldLayoutChg chg="add del mod replId">
+          <pc:chgData name="laura-gombaud@laposte.net" userId="S::urn:spo:guest#laura-gombaud@laposte.net::" providerId="AD" clId="Web-{7F47BDAB-011E-5D79-3290-E5E115CA5DED}" dt="2025-08-19T11:04:11.206" v="63"/>
+          <pc:sldLayoutMkLst>
+            <pc:docMk/>
+            <pc:sldMasterMk cId="3773155301" sldId="2147483672"/>
+            <pc:sldLayoutMk cId="1763883658" sldId="2147483673"/>
+          </pc:sldLayoutMkLst>
+        </pc:sldLayoutChg>
+        <pc:sldLayoutChg chg="add del mod replId">
+          <pc:chgData name="laura-gombaud@laposte.net" userId="S::urn:spo:guest#laura-gombaud@laposte.net::" providerId="AD" clId="Web-{7F47BDAB-011E-5D79-3290-E5E115CA5DED}" dt="2025-08-19T11:04:11.206" v="63"/>
+          <pc:sldLayoutMkLst>
+            <pc:docMk/>
+            <pc:sldMasterMk cId="3773155301" sldId="2147483672"/>
+            <pc:sldLayoutMk cId="2202918692" sldId="2147483674"/>
+          </pc:sldLayoutMkLst>
+        </pc:sldLayoutChg>
+        <pc:sldLayoutChg chg="add del mod replId">
+          <pc:chgData name="laura-gombaud@laposte.net" userId="S::urn:spo:guest#laura-gombaud@laposte.net::" providerId="AD" clId="Web-{7F47BDAB-011E-5D79-3290-E5E115CA5DED}" dt="2025-08-19T11:04:11.206" v="63"/>
+          <pc:sldLayoutMkLst>
+            <pc:docMk/>
+            <pc:sldMasterMk cId="3773155301" sldId="2147483672"/>
+            <pc:sldLayoutMk cId="1430894656" sldId="2147483675"/>
+          </pc:sldLayoutMkLst>
+        </pc:sldLayoutChg>
+        <pc:sldLayoutChg chg="add del mod replId">
+          <pc:chgData name="laura-gombaud@laposte.net" userId="S::urn:spo:guest#laura-gombaud@laposte.net::" providerId="AD" clId="Web-{7F47BDAB-011E-5D79-3290-E5E115CA5DED}" dt="2025-08-19T11:04:11.206" v="63"/>
+          <pc:sldLayoutMkLst>
+            <pc:docMk/>
+            <pc:sldMasterMk cId="3773155301" sldId="2147483672"/>
+            <pc:sldLayoutMk cId="597991087" sldId="2147483676"/>
+          </pc:sldLayoutMkLst>
+        </pc:sldLayoutChg>
+        <pc:sldLayoutChg chg="add del mod replId">
+          <pc:chgData name="laura-gombaud@laposte.net" userId="S::urn:spo:guest#laura-gombaud@laposte.net::" providerId="AD" clId="Web-{7F47BDAB-011E-5D79-3290-E5E115CA5DED}" dt="2025-08-19T11:04:11.206" v="63"/>
+          <pc:sldLayoutMkLst>
+            <pc:docMk/>
+            <pc:sldMasterMk cId="3773155301" sldId="2147483672"/>
+            <pc:sldLayoutMk cId="2726229127" sldId="2147483677"/>
+          </pc:sldLayoutMkLst>
+        </pc:sldLayoutChg>
+        <pc:sldLayoutChg chg="add del mod replId">
+          <pc:chgData name="laura-gombaud@laposte.net" userId="S::urn:spo:guest#laura-gombaud@laposte.net::" providerId="AD" clId="Web-{7F47BDAB-011E-5D79-3290-E5E115CA5DED}" dt="2025-08-19T11:04:11.206" v="63"/>
+          <pc:sldLayoutMkLst>
+            <pc:docMk/>
+            <pc:sldMasterMk cId="3773155301" sldId="2147483672"/>
+            <pc:sldLayoutMk cId="3881688595" sldId="2147483678"/>
+          </pc:sldLayoutMkLst>
+        </pc:sldLayoutChg>
+        <pc:sldLayoutChg chg="add del mod replId">
+          <pc:chgData name="laura-gombaud@laposte.net" userId="S::urn:spo:guest#laura-gombaud@laposte.net::" providerId="AD" clId="Web-{7F47BDAB-011E-5D79-3290-E5E115CA5DED}" dt="2025-08-19T11:04:11.206" v="63"/>
+          <pc:sldLayoutMkLst>
+            <pc:docMk/>
+            <pc:sldMasterMk cId="3773155301" sldId="2147483672"/>
+            <pc:sldLayoutMk cId="2943244586" sldId="2147483679"/>
+          </pc:sldLayoutMkLst>
+        </pc:sldLayoutChg>
+        <pc:sldLayoutChg chg="add del mod replId">
+          <pc:chgData name="laura-gombaud@laposte.net" userId="S::urn:spo:guest#laura-gombaud@laposte.net::" providerId="AD" clId="Web-{7F47BDAB-011E-5D79-3290-E5E115CA5DED}" dt="2025-08-19T11:04:11.206" v="63"/>
+          <pc:sldLayoutMkLst>
+            <pc:docMk/>
+            <pc:sldMasterMk cId="3773155301" sldId="2147483672"/>
+            <pc:sldLayoutMk cId="3725803445" sldId="2147483680"/>
+          </pc:sldLayoutMkLst>
+        </pc:sldLayoutChg>
+        <pc:sldLayoutChg chg="add del mod replId">
+          <pc:chgData name="laura-gombaud@laposte.net" userId="S::urn:spo:guest#laura-gombaud@laposte.net::" providerId="AD" clId="Web-{7F47BDAB-011E-5D79-3290-E5E115CA5DED}" dt="2025-08-19T11:04:11.206" v="63"/>
+          <pc:sldLayoutMkLst>
+            <pc:docMk/>
+            <pc:sldMasterMk cId="3773155301" sldId="2147483672"/>
+            <pc:sldLayoutMk cId="1544053724" sldId="2147483681"/>
+          </pc:sldLayoutMkLst>
+        </pc:sldLayoutChg>
+        <pc:sldLayoutChg chg="add del mod replId">
+          <pc:chgData name="laura-gombaud@laposte.net" userId="S::urn:spo:guest#laura-gombaud@laposte.net::" providerId="AD" clId="Web-{7F47BDAB-011E-5D79-3290-E5E115CA5DED}" dt="2025-08-19T11:04:11.206" v="63"/>
+          <pc:sldLayoutMkLst>
+            <pc:docMk/>
+            <pc:sldMasterMk cId="3773155301" sldId="2147483672"/>
+            <pc:sldLayoutMk cId="4170312196" sldId="2147483682"/>
+          </pc:sldLayoutMkLst>
+        </pc:sldLayoutChg>
+        <pc:sldLayoutChg chg="add del mod replId">
+          <pc:chgData name="laura-gombaud@laposte.net" userId="S::urn:spo:guest#laura-gombaud@laposte.net::" providerId="AD" clId="Web-{7F47BDAB-011E-5D79-3290-E5E115CA5DED}" dt="2025-08-19T11:04:11.206" v="63"/>
+          <pc:sldLayoutMkLst>
+            <pc:docMk/>
+            <pc:sldMasterMk cId="3773155301" sldId="2147483672"/>
+            <pc:sldLayoutMk cId="1028813439" sldId="2147483683"/>
+          </pc:sldLayoutMkLst>
+        </pc:sldLayoutChg>
+      </pc:sldMasterChg>
+      <pc:sldMasterChg chg="add addSldLayout modSldLayout">
+        <pc:chgData name="laura-gombaud@laposte.net" userId="S::urn:spo:guest#laura-gombaud@laposte.net::" providerId="AD" clId="Web-{7F47BDAB-011E-5D79-3290-E5E115CA5DED}" dt="2025-08-19T11:04:11.206" v="63"/>
+        <pc:sldMasterMkLst>
+          <pc:docMk/>
+          <pc:sldMasterMk cId="1071176179" sldId="2147483684"/>
+        </pc:sldMasterMkLst>
+        <pc:sldLayoutChg chg="add mod replId">
+          <pc:chgData name="laura-gombaud@laposte.net" userId="S::urn:spo:guest#laura-gombaud@laposte.net::" providerId="AD" clId="Web-{7F47BDAB-011E-5D79-3290-E5E115CA5DED}" dt="2025-08-19T11:04:11.206" v="63"/>
+          <pc:sldLayoutMkLst>
+            <pc:docMk/>
+            <pc:sldMasterMk cId="1071176179" sldId="2147483684"/>
+            <pc:sldLayoutMk cId="2223560165" sldId="2147483685"/>
+          </pc:sldLayoutMkLst>
+        </pc:sldLayoutChg>
+        <pc:sldLayoutChg chg="add mod replId">
+          <pc:chgData name="laura-gombaud@laposte.net" userId="S::urn:spo:guest#laura-gombaud@laposte.net::" providerId="AD" clId="Web-{7F47BDAB-011E-5D79-3290-E5E115CA5DED}" dt="2025-08-19T11:04:11.206" v="63"/>
+          <pc:sldLayoutMkLst>
+            <pc:docMk/>
+            <pc:sldMasterMk cId="1071176179" sldId="2147483684"/>
+            <pc:sldLayoutMk cId="4241953847" sldId="2147483686"/>
+          </pc:sldLayoutMkLst>
+        </pc:sldLayoutChg>
+        <pc:sldLayoutChg chg="add mod replId">
+          <pc:chgData name="laura-gombaud@laposte.net" userId="S::urn:spo:guest#laura-gombaud@laposte.net::" providerId="AD" clId="Web-{7F47BDAB-011E-5D79-3290-E5E115CA5DED}" dt="2025-08-19T11:04:11.206" v="63"/>
+          <pc:sldLayoutMkLst>
+            <pc:docMk/>
+            <pc:sldMasterMk cId="1071176179" sldId="2147483684"/>
+            <pc:sldLayoutMk cId="745167963" sldId="2147483687"/>
+          </pc:sldLayoutMkLst>
+        </pc:sldLayoutChg>
+        <pc:sldLayoutChg chg="add mod replId">
+          <pc:chgData name="laura-gombaud@laposte.net" userId="S::urn:spo:guest#laura-gombaud@laposte.net::" providerId="AD" clId="Web-{7F47BDAB-011E-5D79-3290-E5E115CA5DED}" dt="2025-08-19T11:04:11.206" v="63"/>
+          <pc:sldLayoutMkLst>
+            <pc:docMk/>
+            <pc:sldMasterMk cId="1071176179" sldId="2147483684"/>
+            <pc:sldLayoutMk cId="655063213" sldId="2147483688"/>
+          </pc:sldLayoutMkLst>
+        </pc:sldLayoutChg>
+        <pc:sldLayoutChg chg="add mod replId">
+          <pc:chgData name="laura-gombaud@laposte.net" userId="S::urn:spo:guest#laura-gombaud@laposte.net::" providerId="AD" clId="Web-{7F47BDAB-011E-5D79-3290-E5E115CA5DED}" dt="2025-08-19T11:04:11.206" v="63"/>
+          <pc:sldLayoutMkLst>
+            <pc:docMk/>
+            <pc:sldMasterMk cId="1071176179" sldId="2147483684"/>
+            <pc:sldLayoutMk cId="1665030633" sldId="2147483689"/>
+          </pc:sldLayoutMkLst>
+        </pc:sldLayoutChg>
+        <pc:sldLayoutChg chg="add mod replId">
+          <pc:chgData name="laura-gombaud@laposte.net" userId="S::urn:spo:guest#laura-gombaud@laposte.net::" providerId="AD" clId="Web-{7F47BDAB-011E-5D79-3290-E5E115CA5DED}" dt="2025-08-19T11:04:11.206" v="63"/>
+          <pc:sldLayoutMkLst>
+            <pc:docMk/>
+            <pc:sldMasterMk cId="1071176179" sldId="2147483684"/>
+            <pc:sldLayoutMk cId="3429243626" sldId="2147483690"/>
+          </pc:sldLayoutMkLst>
+        </pc:sldLayoutChg>
+        <pc:sldLayoutChg chg="add mod replId">
+          <pc:chgData name="laura-gombaud@laposte.net" userId="S::urn:spo:guest#laura-gombaud@laposte.net::" providerId="AD" clId="Web-{7F47BDAB-011E-5D79-3290-E5E115CA5DED}" dt="2025-08-19T11:04:11.206" v="63"/>
+          <pc:sldLayoutMkLst>
+            <pc:docMk/>
+            <pc:sldMasterMk cId="1071176179" sldId="2147483684"/>
+            <pc:sldLayoutMk cId="2315154600" sldId="2147483691"/>
+          </pc:sldLayoutMkLst>
+        </pc:sldLayoutChg>
+        <pc:sldLayoutChg chg="add mod replId">
+          <pc:chgData name="laura-gombaud@laposte.net" userId="S::urn:spo:guest#laura-gombaud@laposte.net::" providerId="AD" clId="Web-{7F47BDAB-011E-5D79-3290-E5E115CA5DED}" dt="2025-08-19T11:04:11.206" v="63"/>
+          <pc:sldLayoutMkLst>
+            <pc:docMk/>
+            <pc:sldMasterMk cId="1071176179" sldId="2147483684"/>
+            <pc:sldLayoutMk cId="3951693969" sldId="2147483692"/>
+          </pc:sldLayoutMkLst>
+        </pc:sldLayoutChg>
+        <pc:sldLayoutChg chg="add mod replId">
+          <pc:chgData name="laura-gombaud@laposte.net" userId="S::urn:spo:guest#laura-gombaud@laposte.net::" providerId="AD" clId="Web-{7F47BDAB-011E-5D79-3290-E5E115CA5DED}" dt="2025-08-19T11:04:11.206" v="63"/>
+          <pc:sldLayoutMkLst>
+            <pc:docMk/>
+            <pc:sldMasterMk cId="1071176179" sldId="2147483684"/>
+            <pc:sldLayoutMk cId="3333904225" sldId="2147483693"/>
+          </pc:sldLayoutMkLst>
+        </pc:sldLayoutChg>
+        <pc:sldLayoutChg chg="add mod replId">
+          <pc:chgData name="laura-gombaud@laposte.net" userId="S::urn:spo:guest#laura-gombaud@laposte.net::" providerId="AD" clId="Web-{7F47BDAB-011E-5D79-3290-E5E115CA5DED}" dt="2025-08-19T11:04:11.206" v="63"/>
+          <pc:sldLayoutMkLst>
+            <pc:docMk/>
+            <pc:sldMasterMk cId="1071176179" sldId="2147483684"/>
+            <pc:sldLayoutMk cId="2697030116" sldId="2147483694"/>
+          </pc:sldLayoutMkLst>
+        </pc:sldLayoutChg>
+        <pc:sldLayoutChg chg="add mod replId">
+          <pc:chgData name="laura-gombaud@laposte.net" userId="S::urn:spo:guest#laura-gombaud@laposte.net::" providerId="AD" clId="Web-{7F47BDAB-011E-5D79-3290-E5E115CA5DED}" dt="2025-08-19T11:04:11.206" v="63"/>
+          <pc:sldLayoutMkLst>
+            <pc:docMk/>
+            <pc:sldMasterMk cId="1071176179" sldId="2147483684"/>
+            <pc:sldLayoutMk cId="2346030186" sldId="2147483695"/>
+          </pc:sldLayoutMkLst>
+        </pc:sldLayoutChg>
+      </pc:sldMasterChg>
+    </pc:docChg>
+  </pc:docChgLst>
+  <pc:docChgLst>
+    <pc:chgData name="laura-gombaud@laposte.net" userId="S::urn:spo:guest#laura-gombaud@laposte.net::" providerId="AD" clId="Web-{25F9C9B1-D2F4-3B0B-70D2-5D1C961DBDAC}"/>
+    <pc:docChg chg="addSld modSld sldOrd modMainMaster">
+      <pc:chgData name="laura-gombaud@laposte.net" userId="S::urn:spo:guest#laura-gombaud@laposte.net::" providerId="AD" clId="Web-{25F9C9B1-D2F4-3B0B-70D2-5D1C961DBDAC}" dt="2025-08-11T09:28:56.765" v="1296"/>
+      <pc:docMkLst>
+        <pc:docMk/>
+      </pc:docMkLst>
+      <pc:sldChg chg="addSp delSp modSp mod setBg">
+        <pc:chgData name="laura-gombaud@laposte.net" userId="S::urn:spo:guest#laura-gombaud@laposte.net::" providerId="AD" clId="Web-{25F9C9B1-D2F4-3B0B-70D2-5D1C961DBDAC}" dt="2025-08-11T09:28:54.594" v="1295"/>
+        <pc:sldMkLst>
+          <pc:docMk/>
+          <pc:sldMk cId="2928013113" sldId="256"/>
+        </pc:sldMkLst>
+      </pc:sldChg>
+      <pc:sldChg chg="addSp modSp new">
+        <pc:chgData name="laura-gombaud@laposte.net" userId="S::urn:spo:guest#laura-gombaud@laposte.net::" providerId="AD" clId="Web-{25F9C9B1-D2F4-3B0B-70D2-5D1C961DBDAC}" dt="2025-08-11T09:28:56.765" v="1296"/>
+        <pc:sldMkLst>
+          <pc:docMk/>
+          <pc:sldMk cId="734883131" sldId="257"/>
+        </pc:sldMkLst>
+      </pc:sldChg>
+      <pc:sldChg chg="addSp delSp modSp new">
+        <pc:chgData name="laura-gombaud@laposte.net" userId="S::urn:spo:guest#laura-gombaud@laposte.net::" providerId="AD" clId="Web-{25F9C9B1-D2F4-3B0B-70D2-5D1C961DBDAC}" dt="2025-08-11T09:28:54.594" v="1295"/>
+        <pc:sldMkLst>
+          <pc:docMk/>
+          <pc:sldMk cId="1498634148" sldId="258"/>
+        </pc:sldMkLst>
+      </pc:sldChg>
+      <pc:sldChg chg="addSp delSp modSp new">
+        <pc:chgData name="laura-gombaud@laposte.net" userId="S::urn:spo:guest#laura-gombaud@laposte.net::" providerId="AD" clId="Web-{25F9C9B1-D2F4-3B0B-70D2-5D1C961DBDAC}" dt="2025-08-11T09:28:54.594" v="1295"/>
+        <pc:sldMkLst>
+          <pc:docMk/>
+          <pc:sldMk cId="1333340679" sldId="259"/>
+        </pc:sldMkLst>
+      </pc:sldChg>
+      <pc:sldChg chg="addSp delSp modSp add replId">
+        <pc:chgData name="laura-gombaud@laposte.net" userId="S::urn:spo:guest#laura-gombaud@laposte.net::" providerId="AD" clId="Web-{25F9C9B1-D2F4-3B0B-70D2-5D1C961DBDAC}" dt="2025-08-11T09:28:54.594" v="1295"/>
+        <pc:sldMkLst>
+          <pc:docMk/>
+          <pc:sldMk cId="3329527172" sldId="260"/>
+        </pc:sldMkLst>
+      </pc:sldChg>
+      <pc:sldChg chg="addSp delSp modSp add replId">
+        <pc:chgData name="laura-gombaud@laposte.net" userId="S::urn:spo:guest#laura-gombaud@laposte.net::" providerId="AD" clId="Web-{25F9C9B1-D2F4-3B0B-70D2-5D1C961DBDAC}" dt="2025-08-11T09:28:54.594" v="1295"/>
+        <pc:sldMkLst>
+          <pc:docMk/>
+          <pc:sldMk cId="3877687722" sldId="261"/>
+        </pc:sldMkLst>
+      </pc:sldChg>
+      <pc:sldChg chg="addSp delSp modSp add replId">
+        <pc:chgData name="laura-gombaud@laposte.net" userId="S::urn:spo:guest#laura-gombaud@laposte.net::" providerId="AD" clId="Web-{25F9C9B1-D2F4-3B0B-70D2-5D1C961DBDAC}" dt="2025-08-11T09:28:54.594" v="1295"/>
+        <pc:sldMkLst>
+          <pc:docMk/>
+          <pc:sldMk cId="2084924560" sldId="262"/>
+        </pc:sldMkLst>
+      </pc:sldChg>
+      <pc:sldChg chg="addSp delSp modSp add ord replId">
+        <pc:chgData name="laura-gombaud@laposte.net" userId="S::urn:spo:guest#laura-gombaud@laposte.net::" providerId="AD" clId="Web-{25F9C9B1-D2F4-3B0B-70D2-5D1C961DBDAC}" dt="2025-08-11T09:28:54.594" v="1295"/>
+        <pc:sldMkLst>
+          <pc:docMk/>
+          <pc:sldMk cId="1336956524" sldId="263"/>
+        </pc:sldMkLst>
+      </pc:sldChg>
+      <pc:sldChg chg="addSp delSp modSp add ord replId">
+        <pc:chgData name="laura-gombaud@laposte.net" userId="S::urn:spo:guest#laura-gombaud@laposte.net::" providerId="AD" clId="Web-{25F9C9B1-D2F4-3B0B-70D2-5D1C961DBDAC}" dt="2025-08-11T09:28:54.594" v="1295"/>
+        <pc:sldMkLst>
+          <pc:docMk/>
+          <pc:sldMk cId="3973580852" sldId="264"/>
+        </pc:sldMkLst>
+      </pc:sldChg>
+      <pc:sldMasterChg chg="modSp mod modSldLayout">
+        <pc:chgData name="laura-gombaud@laposte.net" userId="S::urn:spo:guest#laura-gombaud@laposte.net::" providerId="AD" clId="Web-{25F9C9B1-D2F4-3B0B-70D2-5D1C961DBDAC}" dt="2025-08-11T09:28:54.594" v="1295"/>
+        <pc:sldMasterMkLst>
+          <pc:docMk/>
+          <pc:sldMasterMk cId="474013707" sldId="2147483660"/>
+        </pc:sldMasterMkLst>
+        <pc:sldLayoutChg chg="modSp mod">
+          <pc:chgData name="laura-gombaud@laposte.net" userId="S::urn:spo:guest#laura-gombaud@laposte.net::" providerId="AD" clId="Web-{25F9C9B1-D2F4-3B0B-70D2-5D1C961DBDAC}" dt="2025-08-11T09:28:54.594" v="1295"/>
+          <pc:sldLayoutMkLst>
+            <pc:docMk/>
+            <pc:sldMasterMk cId="474013707" sldId="2147483660"/>
+            <pc:sldLayoutMk cId="1052586614" sldId="2147483661"/>
+          </pc:sldLayoutMkLst>
+        </pc:sldLayoutChg>
+        <pc:sldLayoutChg chg="modSp mod">
+          <pc:chgData name="laura-gombaud@laposte.net" userId="S::urn:spo:guest#laura-gombaud@laposte.net::" providerId="AD" clId="Web-{25F9C9B1-D2F4-3B0B-70D2-5D1C961DBDAC}" dt="2025-08-11T09:28:54.594" v="1295"/>
+          <pc:sldLayoutMkLst>
+            <pc:docMk/>
+            <pc:sldMasterMk cId="474013707" sldId="2147483660"/>
+            <pc:sldLayoutMk cId="1689560760" sldId="2147483662"/>
+          </pc:sldLayoutMkLst>
+        </pc:sldLayoutChg>
+        <pc:sldLayoutChg chg="modSp mod">
+          <pc:chgData name="laura-gombaud@laposte.net" userId="S::urn:spo:guest#laura-gombaud@laposte.net::" providerId="AD" clId="Web-{25F9C9B1-D2F4-3B0B-70D2-5D1C961DBDAC}" dt="2025-08-11T09:28:54.594" v="1295"/>
+          <pc:sldLayoutMkLst>
+            <pc:docMk/>
+            <pc:sldMasterMk cId="474013707" sldId="2147483660"/>
+            <pc:sldLayoutMk cId="1654917337" sldId="2147483663"/>
+          </pc:sldLayoutMkLst>
+        </pc:sldLayoutChg>
+        <pc:sldLayoutChg chg="modSp mod">
+          <pc:chgData name="laura-gombaud@laposte.net" userId="S::urn:spo:guest#laura-gombaud@laposte.net::" providerId="AD" clId="Web-{25F9C9B1-D2F4-3B0B-70D2-5D1C961DBDAC}" dt="2025-08-11T09:28:54.594" v="1295"/>
+          <pc:sldLayoutMkLst>
+            <pc:docMk/>
+            <pc:sldMasterMk cId="474013707" sldId="2147483660"/>
+            <pc:sldLayoutMk cId="843323884" sldId="2147483664"/>
+          </pc:sldLayoutMkLst>
+        </pc:sldLayoutChg>
+        <pc:sldLayoutChg chg="modSp mod">
+          <pc:chgData name="laura-gombaud@laposte.net" userId="S::urn:spo:guest#laura-gombaud@laposte.net::" providerId="AD" clId="Web-{25F9C9B1-D2F4-3B0B-70D2-5D1C961DBDAC}" dt="2025-08-11T09:28:54.594" v="1295"/>
+          <pc:sldLayoutMkLst>
+            <pc:docMk/>
+            <pc:sldMasterMk cId="474013707" sldId="2147483660"/>
+            <pc:sldLayoutMk cId="2827557155" sldId="2147483665"/>
+          </pc:sldLayoutMkLst>
+        </pc:sldLayoutChg>
+        <pc:sldLayoutChg chg="modSp mod">
+          <pc:chgData name="laura-gombaud@laposte.net" userId="S::urn:spo:guest#laura-gombaud@laposte.net::" providerId="AD" clId="Web-{25F9C9B1-D2F4-3B0B-70D2-5D1C961DBDAC}" dt="2025-08-11T09:28:54.594" v="1295"/>
+          <pc:sldLayoutMkLst>
+            <pc:docMk/>
+            <pc:sldMasterMk cId="474013707" sldId="2147483660"/>
+            <pc:sldLayoutMk cId="2626983362" sldId="2147483666"/>
+          </pc:sldLayoutMkLst>
+        </pc:sldLayoutChg>
+        <pc:sldLayoutChg chg="modSp mod">
+          <pc:chgData name="laura-gombaud@laposte.net" userId="S::urn:spo:guest#laura-gombaud@laposte.net::" providerId="AD" clId="Web-{25F9C9B1-D2F4-3B0B-70D2-5D1C961DBDAC}" dt="2025-08-11T09:28:54.594" v="1295"/>
+          <pc:sldLayoutMkLst>
+            <pc:docMk/>
+            <pc:sldMasterMk cId="474013707" sldId="2147483660"/>
+            <pc:sldLayoutMk cId="920100566" sldId="2147483667"/>
+          </pc:sldLayoutMkLst>
+        </pc:sldLayoutChg>
+        <pc:sldLayoutChg chg="modSp mod">
+          <pc:chgData name="laura-gombaud@laposte.net" userId="S::urn:spo:guest#laura-gombaud@laposte.net::" providerId="AD" clId="Web-{25F9C9B1-D2F4-3B0B-70D2-5D1C961DBDAC}" dt="2025-08-11T09:28:54.594" v="1295"/>
+          <pc:sldLayoutMkLst>
+            <pc:docMk/>
+            <pc:sldMasterMk cId="474013707" sldId="2147483660"/>
+            <pc:sldLayoutMk cId="3555684344" sldId="2147483668"/>
+          </pc:sldLayoutMkLst>
+        </pc:sldLayoutChg>
+        <pc:sldLayoutChg chg="modSp mod">
+          <pc:chgData name="laura-gombaud@laposte.net" userId="S::urn:spo:guest#laura-gombaud@laposte.net::" providerId="AD" clId="Web-{25F9C9B1-D2F4-3B0B-70D2-5D1C961DBDAC}" dt="2025-08-11T09:28:54.594" v="1295"/>
+          <pc:sldLayoutMkLst>
+            <pc:docMk/>
+            <pc:sldMasterMk cId="474013707" sldId="2147483660"/>
+            <pc:sldLayoutMk cId="4058517375" sldId="2147483669"/>
+          </pc:sldLayoutMkLst>
+        </pc:sldLayoutChg>
+        <pc:sldLayoutChg chg="modSp mod">
+          <pc:chgData name="laura-gombaud@laposte.net" userId="S::urn:spo:guest#laura-gombaud@laposte.net::" providerId="AD" clId="Web-{25F9C9B1-D2F4-3B0B-70D2-5D1C961DBDAC}" dt="2025-08-11T09:28:54.594" v="1295"/>
+          <pc:sldLayoutMkLst>
+            <pc:docMk/>
+            <pc:sldMasterMk cId="474013707" sldId="2147483660"/>
+            <pc:sldLayoutMk cId="1834758841" sldId="2147483670"/>
+          </pc:sldLayoutMkLst>
+        </pc:sldLayoutChg>
+        <pc:sldLayoutChg chg="modSp mod">
+          <pc:chgData name="laura-gombaud@laposte.net" userId="S::urn:spo:guest#laura-gombaud@laposte.net::" providerId="AD" clId="Web-{25F9C9B1-D2F4-3B0B-70D2-5D1C961DBDAC}" dt="2025-08-11T09:28:54.594" v="1295"/>
+          <pc:sldLayoutMkLst>
+            <pc:docMk/>
+            <pc:sldMasterMk cId="474013707" sldId="2147483660"/>
+            <pc:sldLayoutMk cId="4175619599" sldId="2147483671"/>
+          </pc:sldLayoutMkLst>
+        </pc:sldLayoutChg>
+      </pc:sldMasterChg>
+    </pc:docChg>
+  </pc:docChgLst>
+  <pc:docChgLst>
+    <pc:chgData name="laura-gombaud@laposte.net" userId="S::urn:spo:guest#laura-gombaud@laposte.net::" providerId="AD" clId="Web-{D0A77C77-86A8-9567-AB4B-E5C63D54542C}"/>
+    <pc:docChg chg="addSld modSld sldOrd">
+      <pc:chgData name="laura-gombaud@laposte.net" userId="S::urn:spo:guest#laura-gombaud@laposte.net::" providerId="AD" clId="Web-{D0A77C77-86A8-9567-AB4B-E5C63D54542C}" dt="2025-08-15T13:46:15.741" v="28" actId="20577"/>
       <pc:docMkLst>
         <pc:docMk/>
       </pc:docMkLst>
       <pc:sldChg chg="modSp">
-        <pc:chgData name="" userId="" providerId="" clId="Web-{7F47BDAB-011E-5D79-3290-E5E115CA5DED}" dt="2025-08-19T11:02:27.249" v="0" actId="20577"/>
+        <pc:chgData name="laura-gombaud@laposte.net" userId="S::urn:spo:guest#laura-gombaud@laposte.net::" providerId="AD" clId="Web-{D0A77C77-86A8-9567-AB4B-E5C63D54542C}" dt="2025-08-15T13:36:50.768" v="4"/>
         <pc:sldMkLst>
           <pc:docMk/>
-          <pc:sldMk cId="619538879" sldId="277"/>
+          <pc:sldMk cId="1333340679" sldId="259"/>
+        </pc:sldMkLst>
+      </pc:sldChg>
+      <pc:sldChg chg="modSp">
+        <pc:chgData name="laura-gombaud@laposte.net" userId="S::urn:spo:guest#laura-gombaud@laposte.net::" providerId="AD" clId="Web-{D0A77C77-86A8-9567-AB4B-E5C63D54542C}" dt="2025-08-15T13:37:22.519" v="9"/>
+        <pc:sldMkLst>
+          <pc:docMk/>
+          <pc:sldMk cId="3329527172" sldId="260"/>
+        </pc:sldMkLst>
+      </pc:sldChg>
+      <pc:sldChg chg="modSp">
+        <pc:chgData name="laura-gombaud@laposte.net" userId="S::urn:spo:guest#laura-gombaud@laposte.net::" providerId="AD" clId="Web-{D0A77C77-86A8-9567-AB4B-E5C63D54542C}" dt="2025-08-15T13:37:41.504" v="14"/>
+        <pc:sldMkLst>
+          <pc:docMk/>
+          <pc:sldMk cId="3877687722" sldId="261"/>
+        </pc:sldMkLst>
+      </pc:sldChg>
+      <pc:sldChg chg="modSp">
+        <pc:chgData name="laura-gombaud@laposte.net" userId="S::urn:spo:guest#laura-gombaud@laposte.net::" providerId="AD" clId="Web-{D0A77C77-86A8-9567-AB4B-E5C63D54542C}" dt="2025-08-15T13:38:06.802" v="19"/>
+        <pc:sldMkLst>
+          <pc:docMk/>
+          <pc:sldMk cId="2084924560" sldId="262"/>
+        </pc:sldMkLst>
+      </pc:sldChg>
+      <pc:sldChg chg="modSp new ord">
+        <pc:chgData name="laura-gombaud@laposte.net" userId="S::urn:spo:guest#laura-gombaud@laposte.net::" providerId="AD" clId="Web-{D0A77C77-86A8-9567-AB4B-E5C63D54542C}" dt="2025-08-15T13:46:15.741" v="28" actId="20577"/>
+        <pc:sldMkLst>
+          <pc:docMk/>
+          <pc:sldMk cId="2322155872" sldId="265"/>
+        </pc:sldMkLst>
+      </pc:sldChg>
+    </pc:docChg>
+  </pc:docChgLst>
+  <pc:docChgLst>
+    <pc:chgData name="laura-gombaud@laposte.net" userId="S::urn:spo:guest#laura-gombaud@laposte.net::" providerId="AD" clId="Web-{C217ECBD-03B4-966F-1C23-E6EC3C7CC8FD}"/>
+    <pc:docChg chg="modSld">
+      <pc:chgData name="laura-gombaud@laposte.net" userId="S::urn:spo:guest#laura-gombaud@laposte.net::" providerId="AD" clId="Web-{C217ECBD-03B4-966F-1C23-E6EC3C7CC8FD}" dt="2025-08-11T19:13:15.858" v="0"/>
+      <pc:docMkLst>
+        <pc:docMk/>
+      </pc:docMkLst>
+      <pc:sldChg chg="modSp">
+        <pc:chgData name="laura-gombaud@laposte.net" userId="S::urn:spo:guest#laura-gombaud@laposte.net::" providerId="AD" clId="Web-{C217ECBD-03B4-966F-1C23-E6EC3C7CC8FD}" dt="2025-08-11T19:13:15.858" v="0"/>
+        <pc:sldMkLst>
+          <pc:docMk/>
+          <pc:sldMk cId="1333340679" sldId="259"/>
+        </pc:sldMkLst>
+      </pc:sldChg>
+    </pc:docChg>
+  </pc:docChgLst>
+  <pc:docChgLst>
+    <pc:chgData name="laura-gombaud@laposte.net" userId="S::urn:spo:guest#laura-gombaud@laposte.net::" providerId="AD" clId="Web-{5ACEC877-7D39-7A54-C39B-54ECD281951E}"/>
+    <pc:docChg chg="modSld">
+      <pc:chgData name="laura-gombaud@laposte.net" userId="S::urn:spo:guest#laura-gombaud@laposte.net::" providerId="AD" clId="Web-{5ACEC877-7D39-7A54-C39B-54ECD281951E}" dt="2025-08-15T18:44:35.295" v="88"/>
+      <pc:docMkLst>
+        <pc:docMk/>
+      </pc:docMkLst>
+      <pc:sldChg chg="modSp">
+        <pc:chgData name="laura-gombaud@laposte.net" userId="S::urn:spo:guest#laura-gombaud@laposte.net::" providerId="AD" clId="Web-{5ACEC877-7D39-7A54-C39B-54ECD281951E}" dt="2025-08-15T18:35:05.053" v="0" actId="20577"/>
+        <pc:sldMkLst>
+          <pc:docMk/>
+          <pc:sldMk cId="2928013113" sldId="256"/>
+        </pc:sldMkLst>
+      </pc:sldChg>
+      <pc:sldChg chg="modSp">
+        <pc:chgData name="laura-gombaud@laposte.net" userId="S::urn:spo:guest#laura-gombaud@laposte.net::" providerId="AD" clId="Web-{5ACEC877-7D39-7A54-C39B-54ECD281951E}" dt="2025-08-15T18:44:35.295" v="88"/>
+        <pc:sldMkLst>
+          <pc:docMk/>
+          <pc:sldMk cId="1333340679" sldId="259"/>
+        </pc:sldMkLst>
+      </pc:sldChg>
+    </pc:docChg>
+  </pc:docChgLst>
+  <pc:docChgLst>
+    <pc:chgData name="laura-gombaud@laposte.net" userId="S::urn:spo:guest#laura-gombaud@laposte.net::" providerId="AD" clId="Web-{71BE8BDF-0318-0520-CF79-592274835CEC}"/>
+    <pc:docChg chg="addSld delSld modSld sldOrd">
+      <pc:chgData name="laura-gombaud@laposte.net" userId="S::urn:spo:guest#laura-gombaud@laposte.net::" providerId="AD" clId="Web-{71BE8BDF-0318-0520-CF79-592274835CEC}" dt="2025-08-21T18:46:40.052" v="270" actId="20577"/>
+      <pc:docMkLst>
+        <pc:docMk/>
+      </pc:docMkLst>
+      <pc:sldChg chg="del">
+        <pc:chgData name="laura-gombaud@laposte.net" userId="S::urn:spo:guest#laura-gombaud@laposte.net::" providerId="AD" clId="Web-{71BE8BDF-0318-0520-CF79-592274835CEC}" dt="2025-08-21T18:33:15.133" v="133"/>
+        <pc:sldMkLst>
+          <pc:docMk/>
+          <pc:sldMk cId="3147147755" sldId="267"/>
+        </pc:sldMkLst>
+      </pc:sldChg>
+      <pc:sldChg chg="del">
+        <pc:chgData name="laura-gombaud@laposte.net" userId="S::urn:spo:guest#laura-gombaud@laposte.net::" providerId="AD" clId="Web-{71BE8BDF-0318-0520-CF79-592274835CEC}" dt="2025-08-21T18:33:53.010" v="159"/>
+        <pc:sldMkLst>
+          <pc:docMk/>
+          <pc:sldMk cId="1920496561" sldId="269"/>
+        </pc:sldMkLst>
+      </pc:sldChg>
+      <pc:sldChg chg="del">
+        <pc:chgData name="laura-gombaud@laposte.net" userId="S::urn:spo:guest#laura-gombaud@laposte.net::" providerId="AD" clId="Web-{71BE8BDF-0318-0520-CF79-592274835CEC}" dt="2025-08-21T18:29:37.438" v="60"/>
+        <pc:sldMkLst>
+          <pc:docMk/>
+          <pc:sldMk cId="541879771" sldId="271"/>
+        </pc:sldMkLst>
+      </pc:sldChg>
+      <pc:sldChg chg="del">
+        <pc:chgData name="laura-gombaud@laposte.net" userId="S::urn:spo:guest#laura-gombaud@laposte.net::" providerId="AD" clId="Web-{71BE8BDF-0318-0520-CF79-592274835CEC}" dt="2025-08-21T18:29:03.859" v="47"/>
+        <pc:sldMkLst>
+          <pc:docMk/>
+          <pc:sldMk cId="2733612999" sldId="272"/>
+        </pc:sldMkLst>
+      </pc:sldChg>
+      <pc:sldChg chg="addSp delSp modSp mod setBg">
+        <pc:chgData name="laura-gombaud@laposte.net" userId="S::urn:spo:guest#laura-gombaud@laposte.net::" providerId="AD" clId="Web-{71BE8BDF-0318-0520-CF79-592274835CEC}" dt="2025-08-21T18:46:22.521" v="261" actId="1076"/>
+        <pc:sldMkLst>
+          <pc:docMk/>
+          <pc:sldMk cId="2599946661" sldId="273"/>
+        </pc:sldMkLst>
+        <pc:spChg chg="mod">
+          <ac:chgData name="laura-gombaud@laposte.net" userId="S::urn:spo:guest#laura-gombaud@laposte.net::" providerId="AD" clId="Web-{71BE8BDF-0318-0520-CF79-592274835CEC}" dt="2025-08-21T18:36:45.656" v="243" actId="20577"/>
+          <ac:spMkLst>
+            <pc:docMk/>
+            <pc:sldMk cId="2599946661" sldId="273"/>
+            <ac:spMk id="2" creationId="{DC1DF8FD-9FF0-61DB-77A9-2F32CA22D0D4}"/>
+          </ac:spMkLst>
+        </pc:spChg>
+        <pc:spChg chg="mod ord">
+          <ac:chgData name="laura-gombaud@laposte.net" userId="S::urn:spo:guest#laura-gombaud@laposte.net::" providerId="AD" clId="Web-{71BE8BDF-0318-0520-CF79-592274835CEC}" dt="2025-08-21T18:26:57.339" v="17"/>
+          <ac:spMkLst>
+            <pc:docMk/>
+            <pc:sldMk cId="2599946661" sldId="273"/>
+            <ac:spMk id="3" creationId="{CB90D3A8-56AE-B719-6344-49E017294879}"/>
+          </ac:spMkLst>
+        </pc:spChg>
+        <pc:spChg chg="del mod ord">
+          <ac:chgData name="laura-gombaud@laposte.net" userId="S::urn:spo:guest#laura-gombaud@laposte.net::" providerId="AD" clId="Web-{71BE8BDF-0318-0520-CF79-592274835CEC}" dt="2025-08-21T18:36:53.141" v="244"/>
+          <ac:spMkLst>
+            <pc:docMk/>
+            <pc:sldMk cId="2599946661" sldId="273"/>
+            <ac:spMk id="5" creationId="{CC710BF2-6328-1223-29D6-6BCBFFA0252A}"/>
+          </ac:spMkLst>
+        </pc:spChg>
+        <pc:spChg chg="add del mod">
+          <ac:chgData name="laura-gombaud@laposte.net" userId="S::urn:spo:guest#laura-gombaud@laposte.net::" providerId="AD" clId="Web-{71BE8BDF-0318-0520-CF79-592274835CEC}" dt="2025-08-21T18:36:57.376" v="249"/>
+          <ac:spMkLst>
+            <pc:docMk/>
+            <pc:sldMk cId="2599946661" sldId="273"/>
+            <ac:spMk id="6" creationId="{C6466EDC-5B99-DB44-86F4-E951B2E91AA5}"/>
+          </ac:spMkLst>
+        </pc:spChg>
+        <pc:spChg chg="add mod">
+          <ac:chgData name="laura-gombaud@laposte.net" userId="S::urn:spo:guest#laura-gombaud@laposte.net::" providerId="AD" clId="Web-{71BE8BDF-0318-0520-CF79-592274835CEC}" dt="2025-08-21T18:37:21.970" v="255" actId="1076"/>
+          <ac:spMkLst>
+            <pc:docMk/>
+            <pc:sldMk cId="2599946661" sldId="273"/>
+            <ac:spMk id="8" creationId="{C43C5D05-E1AC-15D5-2C09-7E744950715A}"/>
+          </ac:spMkLst>
+        </pc:spChg>
+        <pc:spChg chg="add del">
+          <ac:chgData name="laura-gombaud@laposte.net" userId="S::urn:spo:guest#laura-gombaud@laposte.net::" providerId="AD" clId="Web-{71BE8BDF-0318-0520-CF79-592274835CEC}" dt="2025-08-21T18:25:53.501" v="11"/>
+          <ac:spMkLst>
+            <pc:docMk/>
+            <pc:sldMk cId="2599946661" sldId="273"/>
+            <ac:spMk id="10" creationId="{081EA652-8C6A-4E69-BEB9-170809474553}"/>
+          </ac:spMkLst>
+        </pc:spChg>
+        <pc:spChg chg="add mod">
+          <ac:chgData name="laura-gombaud@laposte.net" userId="S::urn:spo:guest#laura-gombaud@laposte.net::" providerId="AD" clId="Web-{71BE8BDF-0318-0520-CF79-592274835CEC}" dt="2025-08-21T18:37:16.298" v="254" actId="1076"/>
+          <ac:spMkLst>
+            <pc:docMk/>
+            <pc:sldMk cId="2599946661" sldId="273"/>
+            <ac:spMk id="10" creationId="{9FD4CE7B-1881-7A08-0B05-32220F5B1A27}"/>
+          </ac:spMkLst>
+        </pc:spChg>
+        <pc:spChg chg="add del">
+          <ac:chgData name="laura-gombaud@laposte.net" userId="S::urn:spo:guest#laura-gombaud@laposte.net::" providerId="AD" clId="Web-{71BE8BDF-0318-0520-CF79-592274835CEC}" dt="2025-08-21T18:25:53.501" v="11"/>
+          <ac:spMkLst>
+            <pc:docMk/>
+            <pc:sldMk cId="2599946661" sldId="273"/>
+            <ac:spMk id="12" creationId="{5298780A-33B9-4EA2-8F67-DE68AD62841B}"/>
+          </ac:spMkLst>
+        </pc:spChg>
+        <pc:spChg chg="add mod">
+          <ac:chgData name="laura-gombaud@laposte.net" userId="S::urn:spo:guest#laura-gombaud@laposte.net::" providerId="AD" clId="Web-{71BE8BDF-0318-0520-CF79-592274835CEC}" dt="2025-08-21T18:37:12.454" v="253" actId="1076"/>
+          <ac:spMkLst>
+            <pc:docMk/>
+            <pc:sldMk cId="2599946661" sldId="273"/>
+            <ac:spMk id="12" creationId="{A50DE1B8-4A85-B79A-BFDA-F99426468F68}"/>
+          </ac:spMkLst>
+        </pc:spChg>
+        <pc:spChg chg="add del">
+          <ac:chgData name="laura-gombaud@laposte.net" userId="S::urn:spo:guest#laura-gombaud@laposte.net::" providerId="AD" clId="Web-{71BE8BDF-0318-0520-CF79-592274835CEC}" dt="2025-08-21T18:25:53.501" v="11"/>
+          <ac:spMkLst>
+            <pc:docMk/>
+            <pc:sldMk cId="2599946661" sldId="273"/>
+            <ac:spMk id="14" creationId="{7F488E8B-4E1E-4402-8935-D4E6C02615C7}"/>
+          </ac:spMkLst>
+        </pc:spChg>
+        <pc:spChg chg="add mod">
+          <ac:chgData name="laura-gombaud@laposte.net" userId="S::urn:spo:guest#laura-gombaud@laposte.net::" providerId="AD" clId="Web-{71BE8BDF-0318-0520-CF79-592274835CEC}" dt="2025-08-21T18:46:22.521" v="261" actId="1076"/>
+          <ac:spMkLst>
+            <pc:docMk/>
+            <pc:sldMk cId="2599946661" sldId="273"/>
+            <ac:spMk id="14" creationId="{9F3712CB-C7EC-A9CD-A837-C24BB9560CF8}"/>
+          </ac:spMkLst>
+        </pc:spChg>
+        <pc:spChg chg="add del">
+          <ac:chgData name="laura-gombaud@laposte.net" userId="S::urn:spo:guest#laura-gombaud@laposte.net::" providerId="AD" clId="Web-{71BE8BDF-0318-0520-CF79-592274835CEC}" dt="2025-08-21T18:25:21.640" v="2"/>
+          <ac:spMkLst>
+            <pc:docMk/>
+            <pc:sldMk cId="2599946661" sldId="273"/>
+            <ac:spMk id="19" creationId="{5C8908E2-EE49-44D2-9428-A28D2312A8D5}"/>
+          </ac:spMkLst>
+        </pc:spChg>
+        <pc:spChg chg="add del">
+          <ac:chgData name="laura-gombaud@laposte.net" userId="S::urn:spo:guest#laura-gombaud@laposte.net::" providerId="AD" clId="Web-{71BE8BDF-0318-0520-CF79-592274835CEC}" dt="2025-08-21T18:25:40" v="6"/>
+          <ac:spMkLst>
+            <pc:docMk/>
+            <pc:sldMk cId="2599946661" sldId="273"/>
+            <ac:spMk id="23" creationId="{7F488E8B-4E1E-4402-8935-D4E6C02615C7}"/>
+          </ac:spMkLst>
+        </pc:spChg>
+        <pc:spChg chg="add del">
+          <ac:chgData name="laura-gombaud@laposte.net" userId="S::urn:spo:guest#laura-gombaud@laposte.net::" providerId="AD" clId="Web-{71BE8BDF-0318-0520-CF79-592274835CEC}" dt="2025-08-21T18:25:21.640" v="2"/>
+          <ac:spMkLst>
+            <pc:docMk/>
+            <pc:sldMk cId="2599946661" sldId="273"/>
+            <ac:spMk id="25" creationId="{BD92035A-AA2F-4CD8-A556-1CE8BDEC75BD}"/>
+          </ac:spMkLst>
+        </pc:spChg>
+        <pc:spChg chg="add del">
+          <ac:chgData name="laura-gombaud@laposte.net" userId="S::urn:spo:guest#laura-gombaud@laposte.net::" providerId="AD" clId="Web-{71BE8BDF-0318-0520-CF79-592274835CEC}" dt="2025-08-21T18:25:34" v="4"/>
+          <ac:spMkLst>
+            <pc:docMk/>
+            <pc:sldMk cId="2599946661" sldId="273"/>
+            <ac:spMk id="26" creationId="{D5B0017B-2ECA-49AF-B397-DC140825DF8D}"/>
+          </ac:spMkLst>
+        </pc:spChg>
+        <pc:spChg chg="add del">
+          <ac:chgData name="laura-gombaud@laposte.net" userId="S::urn:spo:guest#laura-gombaud@laposte.net::" providerId="AD" clId="Web-{71BE8BDF-0318-0520-CF79-592274835CEC}" dt="2025-08-21T18:25:21.640" v="2"/>
+          <ac:spMkLst>
+            <pc:docMk/>
+            <pc:sldMk cId="2599946661" sldId="273"/>
+            <ac:spMk id="27" creationId="{ED888B23-07FA-482A-96DF-47E31AF1A603}"/>
+          </ac:spMkLst>
+        </pc:spChg>
+        <pc:spChg chg="add del">
+          <ac:chgData name="laura-gombaud@laposte.net" userId="S::urn:spo:guest#laura-gombaud@laposte.net::" providerId="AD" clId="Web-{71BE8BDF-0318-0520-CF79-592274835CEC}" dt="2025-08-21T18:25:34" v="4"/>
+          <ac:spMkLst>
+            <pc:docMk/>
+            <pc:sldMk cId="2599946661" sldId="273"/>
+            <ac:spMk id="29" creationId="{B6CDA21F-E7AF-4C75-8395-33F58D5B0E45}"/>
+          </ac:spMkLst>
+        </pc:spChg>
+        <pc:spChg chg="add del">
+          <ac:chgData name="laura-gombaud@laposte.net" userId="S::urn:spo:guest#laura-gombaud@laposte.net::" providerId="AD" clId="Web-{71BE8BDF-0318-0520-CF79-592274835CEC}" dt="2025-08-21T18:25:40" v="6"/>
+          <ac:spMkLst>
+            <pc:docMk/>
+            <pc:sldMk cId="2599946661" sldId="273"/>
+            <ac:spMk id="32" creationId="{081EA652-8C6A-4E69-BEB9-170809474553}"/>
+          </ac:spMkLst>
+        </pc:spChg>
+        <pc:spChg chg="add del">
+          <ac:chgData name="laura-gombaud@laposte.net" userId="S::urn:spo:guest#laura-gombaud@laposte.net::" providerId="AD" clId="Web-{71BE8BDF-0318-0520-CF79-592274835CEC}" dt="2025-08-21T18:25:40" v="6"/>
+          <ac:spMkLst>
+            <pc:docMk/>
+            <pc:sldMk cId="2599946661" sldId="273"/>
+            <ac:spMk id="33" creationId="{5298780A-33B9-4EA2-8F67-DE68AD62841B}"/>
+          </ac:spMkLst>
+        </pc:spChg>
+        <pc:spChg chg="add del">
+          <ac:chgData name="laura-gombaud@laposte.net" userId="S::urn:spo:guest#laura-gombaud@laposte.net::" providerId="AD" clId="Web-{71BE8BDF-0318-0520-CF79-592274835CEC}" dt="2025-08-21T18:25:48.219" v="8"/>
+          <ac:spMkLst>
+            <pc:docMk/>
+            <pc:sldMk cId="2599946661" sldId="273"/>
+            <ac:spMk id="35" creationId="{C05CBC3C-2E5A-4839-8B9B-2E5A6ADF0F58}"/>
+          </ac:spMkLst>
+        </pc:spChg>
+        <pc:spChg chg="add del">
+          <ac:chgData name="laura-gombaud@laposte.net" userId="S::urn:spo:guest#laura-gombaud@laposte.net::" providerId="AD" clId="Web-{71BE8BDF-0318-0520-CF79-592274835CEC}" dt="2025-08-21T18:25:48.219" v="8"/>
+          <ac:spMkLst>
+            <pc:docMk/>
+            <pc:sldMk cId="2599946661" sldId="273"/>
+            <ac:spMk id="36" creationId="{827FF362-FC97-4BF5-949B-D4ADFA26E457}"/>
+          </ac:spMkLst>
+        </pc:spChg>
+        <pc:spChg chg="add del">
+          <ac:chgData name="laura-gombaud@laposte.net" userId="S::urn:spo:guest#laura-gombaud@laposte.net::" providerId="AD" clId="Web-{71BE8BDF-0318-0520-CF79-592274835CEC}" dt="2025-08-21T18:25:53.485" v="10"/>
+          <ac:spMkLst>
+            <pc:docMk/>
+            <pc:sldMk cId="2599946661" sldId="273"/>
+            <ac:spMk id="38" creationId="{70DFC902-7D23-471A-B557-B6B6917D7A0D}"/>
+          </ac:spMkLst>
+        </pc:spChg>
+        <pc:spChg chg="add del">
+          <ac:chgData name="laura-gombaud@laposte.net" userId="S::urn:spo:guest#laura-gombaud@laposte.net::" providerId="AD" clId="Web-{71BE8BDF-0318-0520-CF79-592274835CEC}" dt="2025-08-21T18:25:53.485" v="10"/>
+          <ac:spMkLst>
+            <pc:docMk/>
+            <pc:sldMk cId="2599946661" sldId="273"/>
+            <ac:spMk id="39" creationId="{A55D5633-D557-4DCA-982C-FF36EB7A1C00}"/>
+          </ac:spMkLst>
+        </pc:spChg>
+        <pc:spChg chg="add del">
+          <ac:chgData name="laura-gombaud@laposte.net" userId="S::urn:spo:guest#laura-gombaud@laposte.net::" providerId="AD" clId="Web-{71BE8BDF-0318-0520-CF79-592274835CEC}" dt="2025-08-21T18:25:53.485" v="10"/>
+          <ac:spMkLst>
+            <pc:docMk/>
+            <pc:sldMk cId="2599946661" sldId="273"/>
+            <ac:spMk id="40" creationId="{450D3AD2-FA80-415F-A9CE-54D884561CD7}"/>
+          </ac:spMkLst>
+        </pc:spChg>
+        <pc:spChg chg="add del">
+          <ac:chgData name="laura-gombaud@laposte.net" userId="S::urn:spo:guest#laura-gombaud@laposte.net::" providerId="AD" clId="Web-{71BE8BDF-0318-0520-CF79-592274835CEC}" dt="2025-08-21T18:26:37.737" v="16"/>
+          <ac:spMkLst>
+            <pc:docMk/>
+            <pc:sldMk cId="2599946661" sldId="273"/>
+            <ac:spMk id="42" creationId="{081EA652-8C6A-4E69-BEB9-170809474553}"/>
+          </ac:spMkLst>
+        </pc:spChg>
+        <pc:spChg chg="add del">
+          <ac:chgData name="laura-gombaud@laposte.net" userId="S::urn:spo:guest#laura-gombaud@laposte.net::" providerId="AD" clId="Web-{71BE8BDF-0318-0520-CF79-592274835CEC}" dt="2025-08-21T18:26:37.737" v="16"/>
+          <ac:spMkLst>
+            <pc:docMk/>
+            <pc:sldMk cId="2599946661" sldId="273"/>
+            <ac:spMk id="43" creationId="{5298780A-33B9-4EA2-8F67-DE68AD62841B}"/>
+          </ac:spMkLst>
+        </pc:spChg>
+        <pc:spChg chg="add del">
+          <ac:chgData name="laura-gombaud@laposte.net" userId="S::urn:spo:guest#laura-gombaud@laposte.net::" providerId="AD" clId="Web-{71BE8BDF-0318-0520-CF79-592274835CEC}" dt="2025-08-21T18:26:37.737" v="16"/>
+          <ac:spMkLst>
+            <pc:docMk/>
+            <pc:sldMk cId="2599946661" sldId="273"/>
+            <ac:spMk id="44" creationId="{7F488E8B-4E1E-4402-8935-D4E6C02615C7}"/>
+          </ac:spMkLst>
+        </pc:spChg>
+        <pc:spChg chg="add del">
+          <ac:chgData name="laura-gombaud@laposte.net" userId="S::urn:spo:guest#laura-gombaud@laposte.net::" providerId="AD" clId="Web-{71BE8BDF-0318-0520-CF79-592274835CEC}" dt="2025-08-21T18:26:26.580" v="13"/>
+          <ac:spMkLst>
+            <pc:docMk/>
+            <pc:sldMk cId="2599946661" sldId="273"/>
+            <ac:spMk id="50" creationId="{C9A36457-A5F4-4103-A443-02581C09185B}"/>
+          </ac:spMkLst>
+        </pc:spChg>
+        <pc:spChg chg="add del">
+          <ac:chgData name="laura-gombaud@laposte.net" userId="S::urn:spo:guest#laura-gombaud@laposte.net::" providerId="AD" clId="Web-{71BE8BDF-0318-0520-CF79-592274835CEC}" dt="2025-08-21T18:26:26.580" v="13"/>
+          <ac:spMkLst>
+            <pc:docMk/>
+            <pc:sldMk cId="2599946661" sldId="273"/>
+            <ac:spMk id="52" creationId="{DC5FB7E8-B636-40FA-BE8D-48145C0F5C57}"/>
+          </ac:spMkLst>
+        </pc:spChg>
+        <pc:spChg chg="add del">
+          <ac:chgData name="laura-gombaud@laposte.net" userId="S::urn:spo:guest#laura-gombaud@laposte.net::" providerId="AD" clId="Web-{71BE8BDF-0318-0520-CF79-592274835CEC}" dt="2025-08-21T18:26:26.580" v="13"/>
+          <ac:spMkLst>
+            <pc:docMk/>
+            <pc:sldMk cId="2599946661" sldId="273"/>
+            <ac:spMk id="54" creationId="{142DCE2C-2863-46FA-9BE7-24365A24D9BA}"/>
+          </ac:spMkLst>
+        </pc:spChg>
+        <pc:spChg chg="add del">
+          <ac:chgData name="laura-gombaud@laposte.net" userId="S::urn:spo:guest#laura-gombaud@laposte.net::" providerId="AD" clId="Web-{71BE8BDF-0318-0520-CF79-592274835CEC}" dt="2025-08-21T18:26:37.721" v="15"/>
+          <ac:spMkLst>
+            <pc:docMk/>
+            <pc:sldMk cId="2599946661" sldId="273"/>
+            <ac:spMk id="56" creationId="{CBC4F608-B4B8-48C3-9572-C0F061B1CD99}"/>
+          </ac:spMkLst>
+        </pc:spChg>
+        <pc:spChg chg="add del">
+          <ac:chgData name="laura-gombaud@laposte.net" userId="S::urn:spo:guest#laura-gombaud@laposte.net::" providerId="AD" clId="Web-{71BE8BDF-0318-0520-CF79-592274835CEC}" dt="2025-08-21T18:26:37.721" v="15"/>
+          <ac:spMkLst>
+            <pc:docMk/>
+            <pc:sldMk cId="2599946661" sldId="273"/>
+            <ac:spMk id="57" creationId="{4DA718D0-4865-4629-8134-44F68D41D574}"/>
+          </ac:spMkLst>
+        </pc:spChg>
+        <pc:spChg chg="add del">
+          <ac:chgData name="laura-gombaud@laposte.net" userId="S::urn:spo:guest#laura-gombaud@laposte.net::" providerId="AD" clId="Web-{71BE8BDF-0318-0520-CF79-592274835CEC}" dt="2025-08-21T18:26:57.339" v="17"/>
+          <ac:spMkLst>
+            <pc:docMk/>
+            <pc:sldMk cId="2599946661" sldId="273"/>
+            <ac:spMk id="61" creationId="{979E27D9-03C7-44E2-9FF8-15D0C8506AF7}"/>
+          </ac:spMkLst>
+        </pc:spChg>
+        <pc:spChg chg="add del">
+          <ac:chgData name="laura-gombaud@laposte.net" userId="S::urn:spo:guest#laura-gombaud@laposte.net::" providerId="AD" clId="Web-{71BE8BDF-0318-0520-CF79-592274835CEC}" dt="2025-08-21T18:26:57.339" v="17"/>
+          <ac:spMkLst>
+            <pc:docMk/>
+            <pc:sldMk cId="2599946661" sldId="273"/>
+            <ac:spMk id="62" creationId="{EEBF1590-3B36-48EE-A89D-3B6F3CB256AB}"/>
+          </ac:spMkLst>
+        </pc:spChg>
+        <pc:spChg chg="add del">
+          <ac:chgData name="laura-gombaud@laposte.net" userId="S::urn:spo:guest#laura-gombaud@laposte.net::" providerId="AD" clId="Web-{71BE8BDF-0318-0520-CF79-592274835CEC}" dt="2025-08-21T18:26:57.339" v="17"/>
+          <ac:spMkLst>
+            <pc:docMk/>
+            <pc:sldMk cId="2599946661" sldId="273"/>
+            <ac:spMk id="63" creationId="{AC8F6C8C-AB5A-4548-942D-E3FD40ACBC49}"/>
+          </ac:spMkLst>
+        </pc:spChg>
+        <pc:spChg chg="add">
+          <ac:chgData name="laura-gombaud@laposte.net" userId="S::urn:spo:guest#laura-gombaud@laposte.net::" providerId="AD" clId="Web-{71BE8BDF-0318-0520-CF79-592274835CEC}" dt="2025-08-21T18:26:57.339" v="17"/>
+          <ac:spMkLst>
+            <pc:docMk/>
+            <pc:sldMk cId="2599946661" sldId="273"/>
+            <ac:spMk id="68" creationId="{081EA652-8C6A-4E69-BEB9-170809474553}"/>
+          </ac:spMkLst>
+        </pc:spChg>
+        <pc:spChg chg="add mod">
+          <ac:chgData name="laura-gombaud@laposte.net" userId="S::urn:spo:guest#laura-gombaud@laposte.net::" providerId="AD" clId="Web-{71BE8BDF-0318-0520-CF79-592274835CEC}" dt="2025-08-21T18:28:07.013" v="19"/>
+          <ac:spMkLst>
+            <pc:docMk/>
+            <pc:sldMk cId="2599946661" sldId="273"/>
+            <ac:spMk id="70" creationId="{5298780A-33B9-4EA2-8F67-DE68AD62841B}"/>
+          </ac:spMkLst>
+        </pc:spChg>
+        <pc:spChg chg="add">
+          <ac:chgData name="laura-gombaud@laposte.net" userId="S::urn:spo:guest#laura-gombaud@laposte.net::" providerId="AD" clId="Web-{71BE8BDF-0318-0520-CF79-592274835CEC}" dt="2025-08-21T18:26:57.339" v="17"/>
+          <ac:spMkLst>
+            <pc:docMk/>
+            <pc:sldMk cId="2599946661" sldId="273"/>
+            <ac:spMk id="72" creationId="{7F488E8B-4E1E-4402-8935-D4E6C02615C7}"/>
+          </ac:spMkLst>
+        </pc:spChg>
+        <pc:grpChg chg="add del">
+          <ac:chgData name="laura-gombaud@laposte.net" userId="S::urn:spo:guest#laura-gombaud@laposte.net::" providerId="AD" clId="Web-{71BE8BDF-0318-0520-CF79-592274835CEC}" dt="2025-08-21T18:25:21.640" v="2"/>
+          <ac:grpSpMkLst>
+            <pc:docMk/>
+            <pc:sldMk cId="2599946661" sldId="273"/>
+            <ac:grpSpMk id="21" creationId="{5D1A9D8B-3117-4D9D-BDA4-DD81895098B0}"/>
+          </ac:grpSpMkLst>
+        </pc:grpChg>
+        <pc:grpChg chg="add del">
+          <ac:chgData name="laura-gombaud@laposte.net" userId="S::urn:spo:guest#laura-gombaud@laposte.net::" providerId="AD" clId="Web-{71BE8BDF-0318-0520-CF79-592274835CEC}" dt="2025-08-21T18:25:34" v="4"/>
+          <ac:grpSpMkLst>
+            <pc:docMk/>
+            <pc:sldMk cId="2599946661" sldId="273"/>
+            <ac:grpSpMk id="30" creationId="{AE1C45F0-260A-458C-96ED-C1F6D2151219}"/>
+          </ac:grpSpMkLst>
+        </pc:grpChg>
+        <pc:grpChg chg="add del">
+          <ac:chgData name="laura-gombaud@laposte.net" userId="S::urn:spo:guest#laura-gombaud@laposte.net::" providerId="AD" clId="Web-{71BE8BDF-0318-0520-CF79-592274835CEC}" dt="2025-08-21T18:26:37.721" v="15"/>
+          <ac:grpSpMkLst>
+            <pc:docMk/>
+            <pc:sldMk cId="2599946661" sldId="273"/>
+            <ac:grpSpMk id="58" creationId="{65167ED7-6315-43AB-B1B6-C326D5FD8F84}"/>
+          </ac:grpSpMkLst>
+        </pc:grpChg>
+        <pc:cxnChg chg="add del">
+          <ac:chgData name="laura-gombaud@laposte.net" userId="S::urn:spo:guest#laura-gombaud@laposte.net::" providerId="AD" clId="Web-{71BE8BDF-0318-0520-CF79-592274835CEC}" dt="2025-08-21T18:25:34" v="4"/>
+          <ac:cxnSpMkLst>
+            <pc:docMk/>
+            <pc:sldMk cId="2599946661" sldId="273"/>
+            <ac:cxnSpMk id="28" creationId="{6CF1BAF6-AD41-4082-B212-8A1F9A2E8779}"/>
+          </ac:cxnSpMkLst>
+        </pc:cxnChg>
+        <pc:cxnChg chg="add del">
+          <ac:chgData name="laura-gombaud@laposte.net" userId="S::urn:spo:guest#laura-gombaud@laposte.net::" providerId="AD" clId="Web-{71BE8BDF-0318-0520-CF79-592274835CEC}" dt="2025-08-21T18:26:37.737" v="16"/>
+          <ac:cxnSpMkLst>
+            <pc:docMk/>
+            <pc:sldMk cId="2599946661" sldId="273"/>
+            <ac:cxnSpMk id="45" creationId="{23AAC9B5-8015-485C-ACF9-A750390E9A56}"/>
+          </ac:cxnSpMkLst>
+        </pc:cxnChg>
+      </pc:sldChg>
+      <pc:sldChg chg="del">
+        <pc:chgData name="laura-gombaud@laposte.net" userId="S::urn:spo:guest#laura-gombaud@laposte.net::" providerId="AD" clId="Web-{71BE8BDF-0318-0520-CF79-592274835CEC}" dt="2025-08-21T18:36:14.468" v="226"/>
+        <pc:sldMkLst>
+          <pc:docMk/>
+          <pc:sldMk cId="1019502620" sldId="274"/>
+        </pc:sldMkLst>
+      </pc:sldChg>
+      <pc:sldChg chg="del">
+        <pc:chgData name="laura-gombaud@laposte.net" userId="S::urn:spo:guest#laura-gombaud@laposte.net::" providerId="AD" clId="Web-{71BE8BDF-0318-0520-CF79-592274835CEC}" dt="2025-08-21T18:35:45.295" v="211"/>
+        <pc:sldMkLst>
+          <pc:docMk/>
+          <pc:sldMk cId="914568548" sldId="275"/>
+        </pc:sldMkLst>
+      </pc:sldChg>
+      <pc:sldChg chg="del">
+        <pc:chgData name="laura-gombaud@laposte.net" userId="S::urn:spo:guest#laura-gombaud@laposte.net::" providerId="AD" clId="Web-{71BE8BDF-0318-0520-CF79-592274835CEC}" dt="2025-08-21T18:37:30.971" v="256"/>
+        <pc:sldMkLst>
+          <pc:docMk/>
+          <pc:sldMk cId="3107800595" sldId="278"/>
+        </pc:sldMkLst>
+      </pc:sldChg>
+      <pc:sldChg chg="modSp del">
+        <pc:chgData name="laura-gombaud@laposte.net" userId="S::urn:spo:guest#laura-gombaud@laposte.net::" providerId="AD" clId="Web-{71BE8BDF-0318-0520-CF79-592274835CEC}" dt="2025-08-21T18:32:29.210" v="99"/>
+        <pc:sldMkLst>
+          <pc:docMk/>
+          <pc:sldMk cId="2688854622" sldId="279"/>
+        </pc:sldMkLst>
+        <pc:spChg chg="mod">
+          <ac:chgData name="laura-gombaud@laposte.net" userId="S::urn:spo:guest#laura-gombaud@laposte.net::" providerId="AD" clId="Web-{71BE8BDF-0318-0520-CF79-592274835CEC}" dt="2025-08-21T18:30:39.331" v="90" actId="20577"/>
+          <ac:spMkLst>
+            <pc:docMk/>
+            <pc:sldMk cId="2688854622" sldId="279"/>
+            <ac:spMk id="2" creationId="{ECA8A251-B742-E249-EDA2-4A97ACEE0502}"/>
+          </ac:spMkLst>
+        </pc:spChg>
+        <pc:spChg chg="mod">
+          <ac:chgData name="laura-gombaud@laposte.net" userId="S::urn:spo:guest#laura-gombaud@laposte.net::" providerId="AD" clId="Web-{71BE8BDF-0318-0520-CF79-592274835CEC}" dt="2025-08-21T18:27:55.185" v="18"/>
+          <ac:spMkLst>
+            <pc:docMk/>
+            <pc:sldMk cId="2688854622" sldId="279"/>
+            <ac:spMk id="11" creationId="{F341C9E5-EB3F-5008-5B13-3087C57584CA}"/>
+          </ac:spMkLst>
+        </pc:spChg>
+      </pc:sldChg>
+      <pc:sldChg chg="del">
+        <pc:chgData name="laura-gombaud@laposte.net" userId="S::urn:spo:guest#laura-gombaud@laposte.net::" providerId="AD" clId="Web-{71BE8BDF-0318-0520-CF79-592274835CEC}" dt="2025-08-21T18:34:34.230" v="184"/>
+        <pc:sldMkLst>
+          <pc:docMk/>
+          <pc:sldMk cId="844782001" sldId="280"/>
+        </pc:sldMkLst>
+      </pc:sldChg>
+      <pc:sldChg chg="del">
+        <pc:chgData name="laura-gombaud@laposte.net" userId="S::urn:spo:guest#laura-gombaud@laposte.net::" providerId="AD" clId="Web-{71BE8BDF-0318-0520-CF79-592274835CEC}" dt="2025-08-21T18:31:38.864" v="98"/>
+        <pc:sldMkLst>
+          <pc:docMk/>
+          <pc:sldMk cId="2753529739" sldId="281"/>
+        </pc:sldMkLst>
+      </pc:sldChg>
+      <pc:sldChg chg="addSp delSp modSp add replId">
+        <pc:chgData name="laura-gombaud@laposte.net" userId="S::urn:spo:guest#laura-gombaud@laposte.net::" providerId="AD" clId="Web-{71BE8BDF-0318-0520-CF79-592274835CEC}" dt="2025-08-21T18:46:40.052" v="270" actId="20577"/>
+        <pc:sldMkLst>
+          <pc:docMk/>
+          <pc:sldMk cId="1270338277" sldId="282"/>
+        </pc:sldMkLst>
+        <pc:spChg chg="mod">
+          <ac:chgData name="laura-gombaud@laposte.net" userId="S::urn:spo:guest#laura-gombaud@laposte.net::" providerId="AD" clId="Web-{71BE8BDF-0318-0520-CF79-592274835CEC}" dt="2025-08-21T18:31:23.583" v="95"/>
+          <ac:spMkLst>
+            <pc:docMk/>
+            <pc:sldMk cId="1270338277" sldId="282"/>
+            <ac:spMk id="2" creationId="{99CAB4E0-D9B2-5E00-FB03-6446B11D88BF}"/>
+          </ac:spMkLst>
+        </pc:spChg>
+        <pc:spChg chg="mod">
+          <ac:chgData name="laura-gombaud@laposte.net" userId="S::urn:spo:guest#laura-gombaud@laposte.net::" providerId="AD" clId="Web-{71BE8BDF-0318-0520-CF79-592274835CEC}" dt="2025-08-21T18:28:45.702" v="44" actId="20577"/>
+          <ac:spMkLst>
+            <pc:docMk/>
+            <pc:sldMk cId="1270338277" sldId="282"/>
+            <ac:spMk id="5" creationId="{5F0A455D-E830-3F71-AB5D-0C0BFD318FF2}"/>
+          </ac:spMkLst>
+        </pc:spChg>
+        <pc:spChg chg="add del mod">
+          <ac:chgData name="laura-gombaud@laposte.net" userId="S::urn:spo:guest#laura-gombaud@laposte.net::" providerId="AD" clId="Web-{71BE8BDF-0318-0520-CF79-592274835CEC}" dt="2025-08-21T18:46:31.208" v="263"/>
+          <ac:spMkLst>
+            <pc:docMk/>
+            <pc:sldMk cId="1270338277" sldId="282"/>
+            <ac:spMk id="6" creationId="{BEFC08A3-149E-3740-B26F-4B5A7DA3E352}"/>
+          </ac:spMkLst>
+        </pc:spChg>
+        <pc:spChg chg="add mod">
+          <ac:chgData name="laura-gombaud@laposte.net" userId="S::urn:spo:guest#laura-gombaud@laposte.net::" providerId="AD" clId="Web-{71BE8BDF-0318-0520-CF79-592274835CEC}" dt="2025-08-21T18:46:40.052" v="270" actId="20577"/>
+          <ac:spMkLst>
+            <pc:docMk/>
+            <pc:sldMk cId="1270338277" sldId="282"/>
+            <ac:spMk id="8" creationId="{72BE9519-9F87-DAAD-1894-1D2CC953D0A1}"/>
+          </ac:spMkLst>
+        </pc:spChg>
+      </pc:sldChg>
+      <pc:sldChg chg="delSp modSp add replId">
+        <pc:chgData name="laura-gombaud@laposte.net" userId="S::urn:spo:guest#laura-gombaud@laposte.net::" providerId="AD" clId="Web-{71BE8BDF-0318-0520-CF79-592274835CEC}" dt="2025-08-21T18:31:12.020" v="94"/>
+        <pc:sldMkLst>
+          <pc:docMk/>
+          <pc:sldMk cId="4205722467" sldId="283"/>
+        </pc:sldMkLst>
+        <pc:spChg chg="mod">
+          <ac:chgData name="laura-gombaud@laposte.net" userId="S::urn:spo:guest#laura-gombaud@laposte.net::" providerId="AD" clId="Web-{71BE8BDF-0318-0520-CF79-592274835CEC}" dt="2025-08-21T18:31:12.020" v="94"/>
+          <ac:spMkLst>
+            <pc:docMk/>
+            <pc:sldMk cId="4205722467" sldId="283"/>
+            <ac:spMk id="2" creationId="{4B3DE265-588F-AB48-1067-60F9389BC095}"/>
+          </ac:spMkLst>
+        </pc:spChg>
+        <pc:spChg chg="mod">
+          <ac:chgData name="laura-gombaud@laposte.net" userId="S::urn:spo:guest#laura-gombaud@laposte.net::" providerId="AD" clId="Web-{71BE8BDF-0318-0520-CF79-592274835CEC}" dt="2025-08-21T18:29:32.454" v="59" actId="20577"/>
+          <ac:spMkLst>
+            <pc:docMk/>
+            <pc:sldMk cId="4205722467" sldId="283"/>
+            <ac:spMk id="5" creationId="{DA08CD4F-18E8-3358-30CF-EB393B366E77}"/>
+          </ac:spMkLst>
+        </pc:spChg>
+        <pc:spChg chg="del">
+          <ac:chgData name="laura-gombaud@laposte.net" userId="S::urn:spo:guest#laura-gombaud@laposte.net::" providerId="AD" clId="Web-{71BE8BDF-0318-0520-CF79-592274835CEC}" dt="2025-08-21T18:29:25.344" v="58"/>
+          <ac:spMkLst>
+            <pc:docMk/>
+            <pc:sldMk cId="4205722467" sldId="283"/>
+            <ac:spMk id="6" creationId="{9ADD54B9-5614-CB9F-4922-8085A55C9D6D}"/>
+          </ac:spMkLst>
+        </pc:spChg>
+      </pc:sldChg>
+      <pc:sldChg chg="addSp delSp modSp add replId">
+        <pc:chgData name="laura-gombaud@laposte.net" userId="S::urn:spo:guest#laura-gombaud@laposte.net::" providerId="AD" clId="Web-{71BE8BDF-0318-0520-CF79-592274835CEC}" dt="2025-08-21T18:30:58.629" v="93" actId="20577"/>
+        <pc:sldMkLst>
+          <pc:docMk/>
+          <pc:sldMk cId="4027579158" sldId="284"/>
+        </pc:sldMkLst>
+        <pc:spChg chg="mod">
+          <ac:chgData name="laura-gombaud@laposte.net" userId="S::urn:spo:guest#laura-gombaud@laposte.net::" providerId="AD" clId="Web-{71BE8BDF-0318-0520-CF79-592274835CEC}" dt="2025-08-21T18:30:58.629" v="93" actId="20577"/>
+          <ac:spMkLst>
+            <pc:docMk/>
+            <pc:sldMk cId="4027579158" sldId="284"/>
+            <ac:spMk id="2" creationId="{09D3BF78-8874-D72E-BE71-EEC8C47919E6}"/>
+          </ac:spMkLst>
+        </pc:spChg>
+        <pc:spChg chg="del mod">
+          <ac:chgData name="laura-gombaud@laposte.net" userId="S::urn:spo:guest#laura-gombaud@laposte.net::" providerId="AD" clId="Web-{71BE8BDF-0318-0520-CF79-592274835CEC}" dt="2025-08-21T18:29:50.001" v="78"/>
+          <ac:spMkLst>
+            <pc:docMk/>
+            <pc:sldMk cId="4027579158" sldId="284"/>
+            <ac:spMk id="5" creationId="{89D272BC-BB8F-76B8-19DB-F64285AFBD20}"/>
+          </ac:spMkLst>
+        </pc:spChg>
+        <pc:spChg chg="add">
+          <ac:chgData name="laura-gombaud@laposte.net" userId="S::urn:spo:guest#laura-gombaud@laposte.net::" providerId="AD" clId="Web-{71BE8BDF-0318-0520-CF79-592274835CEC}" dt="2025-08-21T18:29:56.330" v="79"/>
+          <ac:spMkLst>
+            <pc:docMk/>
+            <pc:sldMk cId="4027579158" sldId="284"/>
+            <ac:spMk id="6" creationId="{8411189A-A2EE-3CC3-5B2F-93B7498C15E7}"/>
+          </ac:spMkLst>
+        </pc:spChg>
+        <pc:spChg chg="add">
+          <ac:chgData name="laura-gombaud@laposte.net" userId="S::urn:spo:guest#laura-gombaud@laposte.net::" providerId="AD" clId="Web-{71BE8BDF-0318-0520-CF79-592274835CEC}" dt="2025-08-21T18:29:56.345" v="80"/>
+          <ac:spMkLst>
+            <pc:docMk/>
+            <pc:sldMk cId="4027579158" sldId="284"/>
+            <ac:spMk id="8" creationId="{9A357A88-0012-3BEB-5EF8-C4BD7B9F562A}"/>
+          </ac:spMkLst>
+        </pc:spChg>
+        <pc:spChg chg="add">
+          <ac:chgData name="laura-gombaud@laposte.net" userId="S::urn:spo:guest#laura-gombaud@laposte.net::" providerId="AD" clId="Web-{71BE8BDF-0318-0520-CF79-592274835CEC}" dt="2025-08-21T18:29:56.361" v="81"/>
+          <ac:spMkLst>
+            <pc:docMk/>
+            <pc:sldMk cId="4027579158" sldId="284"/>
+            <ac:spMk id="10" creationId="{816B6EB6-ABC7-4BD0-E5B4-4F19BE71E568}"/>
+          </ac:spMkLst>
+        </pc:spChg>
+        <pc:spChg chg="add">
+          <ac:chgData name="laura-gombaud@laposte.net" userId="S::urn:spo:guest#laura-gombaud@laposte.net::" providerId="AD" clId="Web-{71BE8BDF-0318-0520-CF79-592274835CEC}" dt="2025-08-21T18:29:56.361" v="82"/>
+          <ac:spMkLst>
+            <pc:docMk/>
+            <pc:sldMk cId="4027579158" sldId="284"/>
+            <ac:spMk id="12" creationId="{AE8F0E1C-FC5A-45B8-FB63-8CEA970AC32C}"/>
+          </ac:spMkLst>
+        </pc:spChg>
+        <pc:spChg chg="add">
+          <ac:chgData name="laura-gombaud@laposte.net" userId="S::urn:spo:guest#laura-gombaud@laposte.net::" providerId="AD" clId="Web-{71BE8BDF-0318-0520-CF79-592274835CEC}" dt="2025-08-21T18:29:56.376" v="83"/>
+          <ac:spMkLst>
+            <pc:docMk/>
+            <pc:sldMk cId="4027579158" sldId="284"/>
+            <ac:spMk id="14" creationId="{251068BF-D075-D2CE-1A01-9F5F576BCF7C}"/>
+          </ac:spMkLst>
+        </pc:spChg>
+        <pc:spChg chg="add">
+          <ac:chgData name="laura-gombaud@laposte.net" userId="S::urn:spo:guest#laura-gombaud@laposte.net::" providerId="AD" clId="Web-{71BE8BDF-0318-0520-CF79-592274835CEC}" dt="2025-08-21T18:29:56.392" v="84"/>
+          <ac:spMkLst>
+            <pc:docMk/>
+            <pc:sldMk cId="4027579158" sldId="284"/>
+            <ac:spMk id="16" creationId="{36500114-6B75-40B5-C2B1-12C7364F2CFE}"/>
+          </ac:spMkLst>
+        </pc:spChg>
+        <pc:spChg chg="add">
+          <ac:chgData name="laura-gombaud@laposte.net" userId="S::urn:spo:guest#laura-gombaud@laposte.net::" providerId="AD" clId="Web-{71BE8BDF-0318-0520-CF79-592274835CEC}" dt="2025-08-21T18:29:56.408" v="85"/>
+          <ac:spMkLst>
+            <pc:docMk/>
+            <pc:sldMk cId="4027579158" sldId="284"/>
+            <ac:spMk id="18" creationId="{E13F1C31-530A-CEAD-7F40-9DF0A6F8ECAC}"/>
+          </ac:spMkLst>
+        </pc:spChg>
+        <pc:spChg chg="add">
+          <ac:chgData name="laura-gombaud@laposte.net" userId="S::urn:spo:guest#laura-gombaud@laposte.net::" providerId="AD" clId="Web-{71BE8BDF-0318-0520-CF79-592274835CEC}" dt="2025-08-21T18:29:56.423" v="86"/>
+          <ac:spMkLst>
+            <pc:docMk/>
+            <pc:sldMk cId="4027579158" sldId="284"/>
+            <ac:spMk id="20" creationId="{3940D63F-EEE5-D341-5B79-D0446136561F}"/>
+          </ac:spMkLst>
+        </pc:spChg>
+        <pc:spChg chg="add">
+          <ac:chgData name="laura-gombaud@laposte.net" userId="S::urn:spo:guest#laura-gombaud@laposte.net::" providerId="AD" clId="Web-{71BE8BDF-0318-0520-CF79-592274835CEC}" dt="2025-08-21T18:29:56.439" v="87"/>
+          <ac:spMkLst>
+            <pc:docMk/>
+            <pc:sldMk cId="4027579158" sldId="284"/>
+            <ac:spMk id="22" creationId="{33842C9B-F99C-CDCE-7236-1796671DB5F9}"/>
+          </ac:spMkLst>
+        </pc:spChg>
+      </pc:sldChg>
+      <pc:sldChg chg="addSp delSp modSp add replId">
+        <pc:chgData name="laura-gombaud@laposte.net" userId="S::urn:spo:guest#laura-gombaud@laposte.net::" providerId="AD" clId="Web-{71BE8BDF-0318-0520-CF79-592274835CEC}" dt="2025-08-21T18:33:09.743" v="132" actId="20577"/>
+        <pc:sldMkLst>
+          <pc:docMk/>
+          <pc:sldMk cId="3071230549" sldId="285"/>
+        </pc:sldMkLst>
+        <pc:spChg chg="mod">
+          <ac:chgData name="laura-gombaud@laposte.net" userId="S::urn:spo:guest#laura-gombaud@laposte.net::" providerId="AD" clId="Web-{71BE8BDF-0318-0520-CF79-592274835CEC}" dt="2025-08-21T18:33:09.743" v="132" actId="20577"/>
+          <ac:spMkLst>
+            <pc:docMk/>
+            <pc:sldMk cId="3071230549" sldId="285"/>
+            <ac:spMk id="2" creationId="{370CD6FB-7C5D-718B-497A-2E3373CBE928}"/>
+          </ac:spMkLst>
+        </pc:spChg>
+        <pc:spChg chg="add">
+          <ac:chgData name="laura-gombaud@laposte.net" userId="S::urn:spo:guest#laura-gombaud@laposte.net::" providerId="AD" clId="Web-{71BE8BDF-0318-0520-CF79-592274835CEC}" dt="2025-08-21T18:32:54.961" v="112"/>
+          <ac:spMkLst>
+            <pc:docMk/>
+            <pc:sldMk cId="3071230549" sldId="285"/>
+            <ac:spMk id="5" creationId="{276352BC-99AE-4863-D393-6F4506FD7750}"/>
+          </ac:spMkLst>
+        </pc:spChg>
+        <pc:spChg chg="del">
+          <ac:chgData name="laura-gombaud@laposte.net" userId="S::urn:spo:guest#laura-gombaud@laposte.net::" providerId="AD" clId="Web-{71BE8BDF-0318-0520-CF79-592274835CEC}" dt="2025-08-21T18:32:48.195" v="109"/>
+          <ac:spMkLst>
+            <pc:docMk/>
+            <pc:sldMk cId="3071230549" sldId="285"/>
+            <ac:spMk id="6" creationId="{5FBB9218-FE2A-A76E-BC42-908DEB7E7EA0}"/>
+          </ac:spMkLst>
+        </pc:spChg>
+        <pc:spChg chg="del">
+          <ac:chgData name="laura-gombaud@laposte.net" userId="S::urn:spo:guest#laura-gombaud@laposte.net::" providerId="AD" clId="Web-{71BE8BDF-0318-0520-CF79-592274835CEC}" dt="2025-08-21T18:32:48.195" v="108"/>
+          <ac:spMkLst>
+            <pc:docMk/>
+            <pc:sldMk cId="3071230549" sldId="285"/>
+            <ac:spMk id="8" creationId="{87CABD78-D75A-E662-546E-3C0E98D21B19}"/>
+          </ac:spMkLst>
+        </pc:spChg>
+        <pc:spChg chg="add">
+          <ac:chgData name="laura-gombaud@laposte.net" userId="S::urn:spo:guest#laura-gombaud@laposte.net::" providerId="AD" clId="Web-{71BE8BDF-0318-0520-CF79-592274835CEC}" dt="2025-08-21T18:32:54.976" v="113"/>
+          <ac:spMkLst>
+            <pc:docMk/>
+            <pc:sldMk cId="3071230549" sldId="285"/>
+            <ac:spMk id="9" creationId="{5840CB18-2AD6-7341-1D99-88B8F703C3C1}"/>
+          </ac:spMkLst>
+        </pc:spChg>
+        <pc:spChg chg="del">
+          <ac:chgData name="laura-gombaud@laposte.net" userId="S::urn:spo:guest#laura-gombaud@laposte.net::" providerId="AD" clId="Web-{71BE8BDF-0318-0520-CF79-592274835CEC}" dt="2025-08-21T18:32:48.195" v="107"/>
+          <ac:spMkLst>
+            <pc:docMk/>
+            <pc:sldMk cId="3071230549" sldId="285"/>
+            <ac:spMk id="10" creationId="{B2E51186-A305-9007-89C8-461EB25E8A9C}"/>
+          </ac:spMkLst>
+        </pc:spChg>
+        <pc:spChg chg="del">
+          <ac:chgData name="laura-gombaud@laposte.net" userId="S::urn:spo:guest#laura-gombaud@laposte.net::" providerId="AD" clId="Web-{71BE8BDF-0318-0520-CF79-592274835CEC}" dt="2025-08-21T18:32:48.195" v="106"/>
+          <ac:spMkLst>
+            <pc:docMk/>
+            <pc:sldMk cId="3071230549" sldId="285"/>
+            <ac:spMk id="12" creationId="{CB6B0178-D298-D424-461E-3D7A730428A6}"/>
+          </ac:spMkLst>
+        </pc:spChg>
+        <pc:spChg chg="add">
+          <ac:chgData name="laura-gombaud@laposte.net" userId="S::urn:spo:guest#laura-gombaud@laposte.net::" providerId="AD" clId="Web-{71BE8BDF-0318-0520-CF79-592274835CEC}" dt="2025-08-21T18:32:54.992" v="114"/>
+          <ac:spMkLst>
+            <pc:docMk/>
+            <pc:sldMk cId="3071230549" sldId="285"/>
+            <ac:spMk id="13" creationId="{4F79CA9B-A624-9E4F-26CD-A35C79540EA5}"/>
+          </ac:spMkLst>
+        </pc:spChg>
+        <pc:spChg chg="del">
+          <ac:chgData name="laura-gombaud@laposte.net" userId="S::urn:spo:guest#laura-gombaud@laposte.net::" providerId="AD" clId="Web-{71BE8BDF-0318-0520-CF79-592274835CEC}" dt="2025-08-21T18:32:48.195" v="105"/>
+          <ac:spMkLst>
+            <pc:docMk/>
+            <pc:sldMk cId="3071230549" sldId="285"/>
+            <ac:spMk id="14" creationId="{FA506E63-DF04-E265-7BB7-8A3A51F56359}"/>
+          </ac:spMkLst>
+        </pc:spChg>
+        <pc:spChg chg="del">
+          <ac:chgData name="laura-gombaud@laposte.net" userId="S::urn:spo:guest#laura-gombaud@laposte.net::" providerId="AD" clId="Web-{71BE8BDF-0318-0520-CF79-592274835CEC}" dt="2025-08-21T18:32:48.195" v="104"/>
+          <ac:spMkLst>
+            <pc:docMk/>
+            <pc:sldMk cId="3071230549" sldId="285"/>
+            <ac:spMk id="16" creationId="{51B1F185-E52B-ED60-DAC3-B7DF203364B0}"/>
+          </ac:spMkLst>
+        </pc:spChg>
+        <pc:spChg chg="add">
+          <ac:chgData name="laura-gombaud@laposte.net" userId="S::urn:spo:guest#laura-gombaud@laposte.net::" providerId="AD" clId="Web-{71BE8BDF-0318-0520-CF79-592274835CEC}" dt="2025-08-21T18:32:54.992" v="115"/>
+          <ac:spMkLst>
+            <pc:docMk/>
+            <pc:sldMk cId="3071230549" sldId="285"/>
+            <ac:spMk id="17" creationId="{BA0E78D6-791F-24B9-B5C0-68241AD8001D}"/>
+          </ac:spMkLst>
+        </pc:spChg>
+        <pc:spChg chg="del">
+          <ac:chgData name="laura-gombaud@laposte.net" userId="S::urn:spo:guest#laura-gombaud@laposte.net::" providerId="AD" clId="Web-{71BE8BDF-0318-0520-CF79-592274835CEC}" dt="2025-08-21T18:32:48.195" v="103"/>
+          <ac:spMkLst>
+            <pc:docMk/>
+            <pc:sldMk cId="3071230549" sldId="285"/>
+            <ac:spMk id="18" creationId="{39DCA616-CC31-1D89-2597-164664FB643F}"/>
+          </ac:spMkLst>
+        </pc:spChg>
+        <pc:spChg chg="del">
+          <ac:chgData name="laura-gombaud@laposte.net" userId="S::urn:spo:guest#laura-gombaud@laposte.net::" providerId="AD" clId="Web-{71BE8BDF-0318-0520-CF79-592274835CEC}" dt="2025-08-21T18:32:48.195" v="102"/>
+          <ac:spMkLst>
+            <pc:docMk/>
+            <pc:sldMk cId="3071230549" sldId="285"/>
+            <ac:spMk id="20" creationId="{4A533B25-7F21-74C3-251C-5F4C9A38AEE1}"/>
+          </ac:spMkLst>
+        </pc:spChg>
+        <pc:spChg chg="add">
+          <ac:chgData name="laura-gombaud@laposte.net" userId="S::urn:spo:guest#laura-gombaud@laposte.net::" providerId="AD" clId="Web-{71BE8BDF-0318-0520-CF79-592274835CEC}" dt="2025-08-21T18:32:55.008" v="116"/>
+          <ac:spMkLst>
+            <pc:docMk/>
+            <pc:sldMk cId="3071230549" sldId="285"/>
+            <ac:spMk id="21" creationId="{4EBC8FF8-5B81-B538-F8CB-ECDA604415DF}"/>
+          </ac:spMkLst>
+        </pc:spChg>
+        <pc:spChg chg="del">
+          <ac:chgData name="laura-gombaud@laposte.net" userId="S::urn:spo:guest#laura-gombaud@laposte.net::" providerId="AD" clId="Web-{71BE8BDF-0318-0520-CF79-592274835CEC}" dt="2025-08-21T18:32:48.195" v="101"/>
+          <ac:spMkLst>
+            <pc:docMk/>
+            <pc:sldMk cId="3071230549" sldId="285"/>
+            <ac:spMk id="22" creationId="{76176F2F-9D0A-64FA-B102-E3C73C77AACB}"/>
+          </ac:spMkLst>
+        </pc:spChg>
+        <pc:spChg chg="add">
+          <ac:chgData name="laura-gombaud@laposte.net" userId="S::urn:spo:guest#laura-gombaud@laposte.net::" providerId="AD" clId="Web-{71BE8BDF-0318-0520-CF79-592274835CEC}" dt="2025-08-21T18:32:55.023" v="117"/>
+          <ac:spMkLst>
+            <pc:docMk/>
+            <pc:sldMk cId="3071230549" sldId="285"/>
+            <ac:spMk id="24" creationId="{7E7AD5AF-8392-B6FB-CF06-162D6690F07A}"/>
+          </ac:spMkLst>
+        </pc:spChg>
+        <pc:spChg chg="add">
+          <ac:chgData name="laura-gombaud@laposte.net" userId="S::urn:spo:guest#laura-gombaud@laposte.net::" providerId="AD" clId="Web-{71BE8BDF-0318-0520-CF79-592274835CEC}" dt="2025-08-21T18:32:55.039" v="118"/>
+          <ac:spMkLst>
+            <pc:docMk/>
+            <pc:sldMk cId="3071230549" sldId="285"/>
+            <ac:spMk id="26" creationId="{8EFB4E02-B969-CDBC-C421-C8A6496F4CCA}"/>
+          </ac:spMkLst>
+        </pc:spChg>
+        <pc:spChg chg="add">
+          <ac:chgData name="laura-gombaud@laposte.net" userId="S::urn:spo:guest#laura-gombaud@laposte.net::" providerId="AD" clId="Web-{71BE8BDF-0318-0520-CF79-592274835CEC}" dt="2025-08-21T18:32:55.055" v="119"/>
+          <ac:spMkLst>
+            <pc:docMk/>
+            <pc:sldMk cId="3071230549" sldId="285"/>
+            <ac:spMk id="28" creationId="{2EA1005F-6732-3A0E-3A7A-F25240962180}"/>
+          </ac:spMkLst>
+        </pc:spChg>
+        <pc:spChg chg="add">
+          <ac:chgData name="laura-gombaud@laposte.net" userId="S::urn:spo:guest#laura-gombaud@laposte.net::" providerId="AD" clId="Web-{71BE8BDF-0318-0520-CF79-592274835CEC}" dt="2025-08-21T18:33:01.008" v="120"/>
+          <ac:spMkLst>
+            <pc:docMk/>
+            <pc:sldMk cId="3071230549" sldId="285"/>
+            <ac:spMk id="30" creationId="{EFD744C0-0197-D7C3-F10B-FE025BCE5208}"/>
+          </ac:spMkLst>
+        </pc:spChg>
+        <pc:spChg chg="del">
+          <ac:chgData name="laura-gombaud@laposte.net" userId="S::urn:spo:guest#laura-gombaud@laposte.net::" providerId="AD" clId="Web-{71BE8BDF-0318-0520-CF79-592274835CEC}" dt="2025-08-21T18:32:48.195" v="111"/>
+          <ac:spMkLst>
+            <pc:docMk/>
+            <pc:sldMk cId="3071230549" sldId="285"/>
+            <ac:spMk id="68" creationId="{B41C55B4-5DAD-0591-ACCA-68890E493EE6}"/>
+          </ac:spMkLst>
+        </pc:spChg>
+        <pc:spChg chg="del">
+          <ac:chgData name="laura-gombaud@laposte.net" userId="S::urn:spo:guest#laura-gombaud@laposte.net::" providerId="AD" clId="Web-{71BE8BDF-0318-0520-CF79-592274835CEC}" dt="2025-08-21T18:32:48.195" v="110"/>
+          <ac:spMkLst>
+            <pc:docMk/>
+            <pc:sldMk cId="3071230549" sldId="285"/>
+            <ac:spMk id="72" creationId="{C2C4BBD3-DAB4-6E11-6B57-18C62D68311D}"/>
+          </ac:spMkLst>
+        </pc:spChg>
+      </pc:sldChg>
+      <pc:sldChg chg="addSp delSp modSp add replId">
+        <pc:chgData name="laura-gombaud@laposte.net" userId="S::urn:spo:guest#laura-gombaud@laposte.net::" providerId="AD" clId="Web-{71BE8BDF-0318-0520-CF79-592274835CEC}" dt="2025-08-21T18:33:51.682" v="158"/>
+        <pc:sldMkLst>
+          <pc:docMk/>
+          <pc:sldMk cId="1742769017" sldId="286"/>
+        </pc:sldMkLst>
+        <pc:spChg chg="mod">
+          <ac:chgData name="laura-gombaud@laposte.net" userId="S::urn:spo:guest#laura-gombaud@laposte.net::" providerId="AD" clId="Web-{71BE8BDF-0318-0520-CF79-592274835CEC}" dt="2025-08-21T18:33:43.978" v="157" actId="20577"/>
+          <ac:spMkLst>
+            <pc:docMk/>
+            <pc:sldMk cId="1742769017" sldId="286"/>
+            <ac:spMk id="2" creationId="{88D8EE33-E501-92EB-AFE7-10A5A2F063E8}"/>
+          </ac:spMkLst>
+        </pc:spChg>
+        <pc:spChg chg="del">
+          <ac:chgData name="laura-gombaud@laposte.net" userId="S::urn:spo:guest#laura-gombaud@laposte.net::" providerId="AD" clId="Web-{71BE8BDF-0318-0520-CF79-592274835CEC}" dt="2025-08-21T18:33:32.681" v="143"/>
+          <ac:spMkLst>
+            <pc:docMk/>
+            <pc:sldMk cId="1742769017" sldId="286"/>
+            <ac:spMk id="5" creationId="{D99A1C50-4276-8BED-5483-8CE1D637F68F}"/>
+          </ac:spMkLst>
+        </pc:spChg>
+        <pc:spChg chg="add">
+          <ac:chgData name="laura-gombaud@laposte.net" userId="S::urn:spo:guest#laura-gombaud@laposte.net::" providerId="AD" clId="Web-{71BE8BDF-0318-0520-CF79-592274835CEC}" dt="2025-08-21T18:33:39.572" v="144"/>
+          <ac:spMkLst>
+            <pc:docMk/>
+            <pc:sldMk cId="1742769017" sldId="286"/>
+            <ac:spMk id="6" creationId="{EAAE1570-A68F-07DC-79C7-01BC33466FC9}"/>
+          </ac:spMkLst>
+        </pc:spChg>
+        <pc:spChg chg="add">
+          <ac:chgData name="laura-gombaud@laposte.net" userId="S::urn:spo:guest#laura-gombaud@laposte.net::" providerId="AD" clId="Web-{71BE8BDF-0318-0520-CF79-592274835CEC}" dt="2025-08-21T18:33:39.587" v="145"/>
+          <ac:spMkLst>
+            <pc:docMk/>
+            <pc:sldMk cId="1742769017" sldId="286"/>
+            <ac:spMk id="8" creationId="{7E0E1AB7-F056-ABA7-BEB1-A3BC1EB9D22F}"/>
+          </ac:spMkLst>
+        </pc:spChg>
+        <pc:spChg chg="del">
+          <ac:chgData name="laura-gombaud@laposte.net" userId="S::urn:spo:guest#laura-gombaud@laposte.net::" providerId="AD" clId="Web-{71BE8BDF-0318-0520-CF79-592274835CEC}" dt="2025-08-21T18:33:32.681" v="142"/>
+          <ac:spMkLst>
+            <pc:docMk/>
+            <pc:sldMk cId="1742769017" sldId="286"/>
+            <ac:spMk id="9" creationId="{A2A76F8B-5778-0459-C5EC-410E61DFC66B}"/>
+          </ac:spMkLst>
+        </pc:spChg>
+        <pc:spChg chg="add">
+          <ac:chgData name="laura-gombaud@laposte.net" userId="S::urn:spo:guest#laura-gombaud@laposte.net::" providerId="AD" clId="Web-{71BE8BDF-0318-0520-CF79-592274835CEC}" dt="2025-08-21T18:33:39.587" v="146"/>
+          <ac:spMkLst>
+            <pc:docMk/>
+            <pc:sldMk cId="1742769017" sldId="286"/>
+            <ac:spMk id="11" creationId="{748CEEC4-032E-6075-42CF-76AD2022ABEA}"/>
+          </ac:spMkLst>
+        </pc:spChg>
+        <pc:spChg chg="del">
+          <ac:chgData name="laura-gombaud@laposte.net" userId="S::urn:spo:guest#laura-gombaud@laposte.net::" providerId="AD" clId="Web-{71BE8BDF-0318-0520-CF79-592274835CEC}" dt="2025-08-21T18:33:32.681" v="141"/>
+          <ac:spMkLst>
+            <pc:docMk/>
+            <pc:sldMk cId="1742769017" sldId="286"/>
+            <ac:spMk id="13" creationId="{755E5D8B-A03E-B02B-2BB5-3C63E6A2C992}"/>
+          </ac:spMkLst>
+        </pc:spChg>
+        <pc:spChg chg="add">
+          <ac:chgData name="laura-gombaud@laposte.net" userId="S::urn:spo:guest#laura-gombaud@laposte.net::" providerId="AD" clId="Web-{71BE8BDF-0318-0520-CF79-592274835CEC}" dt="2025-08-21T18:33:39.603" v="147"/>
+          <ac:spMkLst>
+            <pc:docMk/>
+            <pc:sldMk cId="1742769017" sldId="286"/>
+            <ac:spMk id="14" creationId="{7E5E5720-3677-2094-7CF9-7392DD528646}"/>
+          </ac:spMkLst>
+        </pc:spChg>
+        <pc:spChg chg="add">
+          <ac:chgData name="laura-gombaud@laposte.net" userId="S::urn:spo:guest#laura-gombaud@laposte.net::" providerId="AD" clId="Web-{71BE8BDF-0318-0520-CF79-592274835CEC}" dt="2025-08-21T18:33:39.619" v="148"/>
+          <ac:spMkLst>
+            <pc:docMk/>
+            <pc:sldMk cId="1742769017" sldId="286"/>
+            <ac:spMk id="16" creationId="{39FE5EA8-C695-42BC-6528-8BE6942E804B}"/>
+          </ac:spMkLst>
+        </pc:spChg>
+        <pc:spChg chg="del">
+          <ac:chgData name="laura-gombaud@laposte.net" userId="S::urn:spo:guest#laura-gombaud@laposte.net::" providerId="AD" clId="Web-{71BE8BDF-0318-0520-CF79-592274835CEC}" dt="2025-08-21T18:33:32.681" v="140"/>
+          <ac:spMkLst>
+            <pc:docMk/>
+            <pc:sldMk cId="1742769017" sldId="286"/>
+            <ac:spMk id="17" creationId="{CBA32C5B-1C22-BC6C-F6E3-CB8C7B707225}"/>
+          </ac:spMkLst>
+        </pc:spChg>
+        <pc:spChg chg="add">
+          <ac:chgData name="laura-gombaud@laposte.net" userId="S::urn:spo:guest#laura-gombaud@laposte.net::" providerId="AD" clId="Web-{71BE8BDF-0318-0520-CF79-592274835CEC}" dt="2025-08-21T18:33:39.634" v="149"/>
+          <ac:spMkLst>
+            <pc:docMk/>
+            <pc:sldMk cId="1742769017" sldId="286"/>
+            <ac:spMk id="19" creationId="{94EC1D53-BE7E-5A92-7377-A4F188834446}"/>
+          </ac:spMkLst>
+        </pc:spChg>
+        <pc:spChg chg="del">
+          <ac:chgData name="laura-gombaud@laposte.net" userId="S::urn:spo:guest#laura-gombaud@laposte.net::" providerId="AD" clId="Web-{71BE8BDF-0318-0520-CF79-592274835CEC}" dt="2025-08-21T18:33:32.681" v="139"/>
+          <ac:spMkLst>
+            <pc:docMk/>
+            <pc:sldMk cId="1742769017" sldId="286"/>
+            <ac:spMk id="21" creationId="{F936398C-1AD5-28EB-D91E-1565CE0A414D}"/>
+          </ac:spMkLst>
+        </pc:spChg>
+        <pc:spChg chg="add">
+          <ac:chgData name="laura-gombaud@laposte.net" userId="S::urn:spo:guest#laura-gombaud@laposte.net::" providerId="AD" clId="Web-{71BE8BDF-0318-0520-CF79-592274835CEC}" dt="2025-08-21T18:33:51.682" v="158"/>
+          <ac:spMkLst>
+            <pc:docMk/>
+            <pc:sldMk cId="1742769017" sldId="286"/>
+            <ac:spMk id="22" creationId="{D631D76F-7C1F-8C8D-2652-362C7A6048D2}"/>
+          </ac:spMkLst>
+        </pc:spChg>
+        <pc:spChg chg="del">
+          <ac:chgData name="laura-gombaud@laposte.net" userId="S::urn:spo:guest#laura-gombaud@laposte.net::" providerId="AD" clId="Web-{71BE8BDF-0318-0520-CF79-592274835CEC}" dt="2025-08-21T18:33:32.681" v="138"/>
+          <ac:spMkLst>
+            <pc:docMk/>
+            <pc:sldMk cId="1742769017" sldId="286"/>
+            <ac:spMk id="24" creationId="{9881564B-9105-54BA-3722-68148558722A}"/>
+          </ac:spMkLst>
+        </pc:spChg>
+        <pc:spChg chg="del">
+          <ac:chgData name="laura-gombaud@laposte.net" userId="S::urn:spo:guest#laura-gombaud@laposte.net::" providerId="AD" clId="Web-{71BE8BDF-0318-0520-CF79-592274835CEC}" dt="2025-08-21T18:33:32.681" v="137"/>
+          <ac:spMkLst>
+            <pc:docMk/>
+            <pc:sldMk cId="1742769017" sldId="286"/>
+            <ac:spMk id="26" creationId="{E13DFF38-328D-9932-3724-702900F05DAA}"/>
+          </ac:spMkLst>
+        </pc:spChg>
+        <pc:spChg chg="del">
+          <ac:chgData name="laura-gombaud@laposte.net" userId="S::urn:spo:guest#laura-gombaud@laposte.net::" providerId="AD" clId="Web-{71BE8BDF-0318-0520-CF79-592274835CEC}" dt="2025-08-21T18:33:32.681" v="136"/>
+          <ac:spMkLst>
+            <pc:docMk/>
+            <pc:sldMk cId="1742769017" sldId="286"/>
+            <ac:spMk id="28" creationId="{25A92A38-8AF4-F37B-AD85-8596E2BCD9FB}"/>
+          </ac:spMkLst>
+        </pc:spChg>
+        <pc:spChg chg="del">
+          <ac:chgData name="laura-gombaud@laposte.net" userId="S::urn:spo:guest#laura-gombaud@laposte.net::" providerId="AD" clId="Web-{71BE8BDF-0318-0520-CF79-592274835CEC}" dt="2025-08-21T18:33:32.681" v="135"/>
+          <ac:spMkLst>
+            <pc:docMk/>
+            <pc:sldMk cId="1742769017" sldId="286"/>
+            <ac:spMk id="30" creationId="{60CBD37D-CFDD-3EFD-4A6D-EFC466F64C80}"/>
+          </ac:spMkLst>
+        </pc:spChg>
+      </pc:sldChg>
+      <pc:sldChg chg="addSp delSp modSp add replId">
+        <pc:chgData name="laura-gombaud@laposte.net" userId="S::urn:spo:guest#laura-gombaud@laposte.net::" providerId="AD" clId="Web-{71BE8BDF-0318-0520-CF79-592274835CEC}" dt="2025-08-21T18:34:30.292" v="183" actId="20577"/>
+        <pc:sldMkLst>
+          <pc:docMk/>
+          <pc:sldMk cId="3013676594" sldId="287"/>
+        </pc:sldMkLst>
+        <pc:spChg chg="mod">
+          <ac:chgData name="laura-gombaud@laposte.net" userId="S::urn:spo:guest#laura-gombaud@laposte.net::" providerId="AD" clId="Web-{71BE8BDF-0318-0520-CF79-592274835CEC}" dt="2025-08-21T18:34:30.292" v="183" actId="20577"/>
+          <ac:spMkLst>
+            <pc:docMk/>
+            <pc:sldMk cId="3013676594" sldId="287"/>
+            <ac:spMk id="2" creationId="{2BEE66A1-3A2A-D92D-A003-B4FA63471A79}"/>
+          </ac:spMkLst>
+        </pc:spChg>
+        <pc:spChg chg="add">
+          <ac:chgData name="laura-gombaud@laposte.net" userId="S::urn:spo:guest#laura-gombaud@laposte.net::" providerId="AD" clId="Web-{71BE8BDF-0318-0520-CF79-592274835CEC}" dt="2025-08-21T18:34:25.495" v="170"/>
+          <ac:spMkLst>
+            <pc:docMk/>
+            <pc:sldMk cId="3013676594" sldId="287"/>
+            <ac:spMk id="5" creationId="{20D6AABD-220B-6FF3-C7CE-E7868D8E466E}"/>
+          </ac:spMkLst>
+        </pc:spChg>
+        <pc:spChg chg="del">
+          <ac:chgData name="laura-gombaud@laposte.net" userId="S::urn:spo:guest#laura-gombaud@laposte.net::" providerId="AD" clId="Web-{71BE8BDF-0318-0520-CF79-592274835CEC}" dt="2025-08-21T18:34:23.261" v="169"/>
+          <ac:spMkLst>
+            <pc:docMk/>
+            <pc:sldMk cId="3013676594" sldId="287"/>
+            <ac:spMk id="6" creationId="{D239D35A-6920-A7BD-67FA-5E4627E66958}"/>
+          </ac:spMkLst>
+        </pc:spChg>
+        <pc:spChg chg="del">
+          <ac:chgData name="laura-gombaud@laposte.net" userId="S::urn:spo:guest#laura-gombaud@laposte.net::" providerId="AD" clId="Web-{71BE8BDF-0318-0520-CF79-592274835CEC}" dt="2025-08-21T18:34:07.932" v="161"/>
+          <ac:spMkLst>
+            <pc:docMk/>
+            <pc:sldMk cId="3013676594" sldId="287"/>
+            <ac:spMk id="8" creationId="{7DB68101-5825-B4AD-A254-12510FB3C153}"/>
+          </ac:spMkLst>
+        </pc:spChg>
+        <pc:spChg chg="add">
+          <ac:chgData name="laura-gombaud@laposte.net" userId="S::urn:spo:guest#laura-gombaud@laposte.net::" providerId="AD" clId="Web-{71BE8BDF-0318-0520-CF79-592274835CEC}" dt="2025-08-21T18:34:25.511" v="171"/>
+          <ac:spMkLst>
+            <pc:docMk/>
+            <pc:sldMk cId="3013676594" sldId="287"/>
+            <ac:spMk id="9" creationId="{ED521991-F727-70D1-072E-8132DBF0FD39}"/>
+          </ac:spMkLst>
+        </pc:spChg>
+        <pc:spChg chg="del mod">
+          <ac:chgData name="laura-gombaud@laposte.net" userId="S::urn:spo:guest#laura-gombaud@laposte.net::" providerId="AD" clId="Web-{71BE8BDF-0318-0520-CF79-592274835CEC}" dt="2025-08-21T18:34:14.761" v="166"/>
+          <ac:spMkLst>
+            <pc:docMk/>
+            <pc:sldMk cId="3013676594" sldId="287"/>
+            <ac:spMk id="11" creationId="{5C1F8F32-4AFE-73C9-37C6-5FAA30E0C97D}"/>
+          </ac:spMkLst>
+        </pc:spChg>
+        <pc:spChg chg="add">
+          <ac:chgData name="laura-gombaud@laposte.net" userId="S::urn:spo:guest#laura-gombaud@laposte.net::" providerId="AD" clId="Web-{71BE8BDF-0318-0520-CF79-592274835CEC}" dt="2025-08-21T18:34:25.511" v="172"/>
+          <ac:spMkLst>
+            <pc:docMk/>
+            <pc:sldMk cId="3013676594" sldId="287"/>
+            <ac:spMk id="12" creationId="{130AB938-9BC2-2201-EA86-BB3C1A30C947}"/>
+          </ac:spMkLst>
+        </pc:spChg>
+        <pc:spChg chg="del">
+          <ac:chgData name="laura-gombaud@laposte.net" userId="S::urn:spo:guest#laura-gombaud@laposte.net::" providerId="AD" clId="Web-{71BE8BDF-0318-0520-CF79-592274835CEC}" dt="2025-08-21T18:34:16.776" v="167"/>
+          <ac:spMkLst>
+            <pc:docMk/>
+            <pc:sldMk cId="3013676594" sldId="287"/>
+            <ac:spMk id="14" creationId="{9B0C9C08-8D7B-1A58-3B26-30BA6893A8A4}"/>
+          </ac:spMkLst>
+        </pc:spChg>
+        <pc:spChg chg="add">
+          <ac:chgData name="laura-gombaud@laposte.net" userId="S::urn:spo:guest#laura-gombaud@laposte.net::" providerId="AD" clId="Web-{71BE8BDF-0318-0520-CF79-592274835CEC}" dt="2025-08-21T18:34:25.542" v="173"/>
+          <ac:spMkLst>
+            <pc:docMk/>
+            <pc:sldMk cId="3013676594" sldId="287"/>
+            <ac:spMk id="15" creationId="{DC6B09B4-EEE3-CDC3-2E7B-0BC0B4D02404}"/>
+          </ac:spMkLst>
+        </pc:spChg>
+        <pc:spChg chg="del mod">
+          <ac:chgData name="laura-gombaud@laposte.net" userId="S::urn:spo:guest#laura-gombaud@laposte.net::" providerId="AD" clId="Web-{71BE8BDF-0318-0520-CF79-592274835CEC}" dt="2025-08-21T18:34:12.167" v="165"/>
+          <ac:spMkLst>
+            <pc:docMk/>
+            <pc:sldMk cId="3013676594" sldId="287"/>
+            <ac:spMk id="16" creationId="{61A5DC26-9868-892C-4061-E7718770F1C7}"/>
+          </ac:spMkLst>
+        </pc:spChg>
+        <pc:spChg chg="add">
+          <ac:chgData name="laura-gombaud@laposte.net" userId="S::urn:spo:guest#laura-gombaud@laposte.net::" providerId="AD" clId="Web-{71BE8BDF-0318-0520-CF79-592274835CEC}" dt="2025-08-21T18:34:25.542" v="174"/>
+          <ac:spMkLst>
+            <pc:docMk/>
+            <pc:sldMk cId="3013676594" sldId="287"/>
+            <ac:spMk id="18" creationId="{905E2252-0396-5D05-422C-6A5079C268B0}"/>
+          </ac:spMkLst>
+        </pc:spChg>
+        <pc:spChg chg="del">
+          <ac:chgData name="laura-gombaud@laposte.net" userId="S::urn:spo:guest#laura-gombaud@laposte.net::" providerId="AD" clId="Web-{71BE8BDF-0318-0520-CF79-592274835CEC}" dt="2025-08-21T18:34:21.589" v="168"/>
+          <ac:spMkLst>
+            <pc:docMk/>
+            <pc:sldMk cId="3013676594" sldId="287"/>
+            <ac:spMk id="19" creationId="{1C2D5E94-16C5-6DB2-8D28-7CC548954C6A}"/>
+          </ac:spMkLst>
+        </pc:spChg>
+      </pc:sldChg>
+      <pc:sldChg chg="modSp add ord replId">
+        <pc:chgData name="laura-gombaud@laposte.net" userId="S::urn:spo:guest#laura-gombaud@laposte.net::" providerId="AD" clId="Web-{71BE8BDF-0318-0520-CF79-592274835CEC}" dt="2025-08-21T18:35:42.795" v="210" actId="20577"/>
+        <pc:sldMkLst>
+          <pc:docMk/>
+          <pc:sldMk cId="4084345543" sldId="288"/>
+        </pc:sldMkLst>
+        <pc:spChg chg="mod">
+          <ac:chgData name="laura-gombaud@laposte.net" userId="S::urn:spo:guest#laura-gombaud@laposte.net::" providerId="AD" clId="Web-{71BE8BDF-0318-0520-CF79-592274835CEC}" dt="2025-08-21T18:34:49.559" v="192" actId="20577"/>
+          <ac:spMkLst>
+            <pc:docMk/>
+            <pc:sldMk cId="4084345543" sldId="288"/>
+            <ac:spMk id="2" creationId="{4C9219CA-4D03-34D8-E4A1-BC7999B99F85}"/>
+          </ac:spMkLst>
+        </pc:spChg>
+        <pc:spChg chg="mod">
+          <ac:chgData name="laura-gombaud@laposte.net" userId="S::urn:spo:guest#laura-gombaud@laposte.net::" providerId="AD" clId="Web-{71BE8BDF-0318-0520-CF79-592274835CEC}" dt="2025-08-21T18:35:42.795" v="210" actId="20577"/>
+          <ac:spMkLst>
+            <pc:docMk/>
+            <pc:sldMk cId="4084345543" sldId="288"/>
+            <ac:spMk id="5" creationId="{60FDBCCE-0B8C-F788-CD14-912E55E0D309}"/>
+          </ac:spMkLst>
+        </pc:spChg>
+      </pc:sldChg>
+      <pc:sldChg chg="modSp add replId">
+        <pc:chgData name="laura-gombaud@laposte.net" userId="S::urn:spo:guest#laura-gombaud@laposte.net::" providerId="AD" clId="Web-{71BE8BDF-0318-0520-CF79-592274835CEC}" dt="2025-08-21T18:36:26.593" v="229" actId="14100"/>
+        <pc:sldMkLst>
+          <pc:docMk/>
+          <pc:sldMk cId="2995828029" sldId="289"/>
+        </pc:sldMkLst>
+        <pc:spChg chg="mod">
+          <ac:chgData name="laura-gombaud@laposte.net" userId="S::urn:spo:guest#laura-gombaud@laposte.net::" providerId="AD" clId="Web-{71BE8BDF-0318-0520-CF79-592274835CEC}" dt="2025-08-21T18:36:01.014" v="221" actId="20577"/>
+          <ac:spMkLst>
+            <pc:docMk/>
+            <pc:sldMk cId="2995828029" sldId="289"/>
+            <ac:spMk id="2" creationId="{F8759BAE-CEBE-A2C9-A8AE-1678876D61C2}"/>
+          </ac:spMkLst>
+        </pc:spChg>
+        <pc:spChg chg="mod">
+          <ac:chgData name="laura-gombaud@laposte.net" userId="S::urn:spo:guest#laura-gombaud@laposte.net::" providerId="AD" clId="Web-{71BE8BDF-0318-0520-CF79-592274835CEC}" dt="2025-08-21T18:36:26.593" v="229" actId="14100"/>
+          <ac:spMkLst>
+            <pc:docMk/>
+            <pc:sldMk cId="2995828029" sldId="289"/>
+            <ac:spMk id="5" creationId="{0BA68FD3-2E25-BA87-93F4-4E33657A1690}"/>
+          </ac:spMkLst>
+        </pc:spChg>
+      </pc:sldChg>
+      <pc:sldChg chg="add replId">
+        <pc:chgData name="laura-gombaud@laposte.net" userId="S::urn:spo:guest#laura-gombaud@laposte.net::" providerId="AD" clId="Web-{71BE8BDF-0318-0520-CF79-592274835CEC}" dt="2025-08-21T18:36:36.703" v="230"/>
+        <pc:sldMkLst>
+          <pc:docMk/>
+          <pc:sldMk cId="3484910101" sldId="290"/>
+        </pc:sldMkLst>
+      </pc:sldChg>
+    </pc:docChg>
+  </pc:docChgLst>
+  <pc:docChgLst>
+    <pc:chgData name="laura-gombaud@laposte.net" userId="S::urn:spo:guest#laura-gombaud@laposte.net::" providerId="AD" clId="Web-{38F43753-7C0C-DAD7-28B7-7E3CA3E96FE9}"/>
+    <pc:docChg chg="modSld">
+      <pc:chgData name="laura-gombaud@laposte.net" userId="S::urn:spo:guest#laura-gombaud@laposte.net::" providerId="AD" clId="Web-{38F43753-7C0C-DAD7-28B7-7E3CA3E96FE9}" dt="2025-08-16T08:06:20.088" v="40"/>
+      <pc:docMkLst>
+        <pc:docMk/>
+      </pc:docMkLst>
+      <pc:sldChg chg="addSp modSp">
+        <pc:chgData name="laura-gombaud@laposte.net" userId="S::urn:spo:guest#laura-gombaud@laposte.net::" providerId="AD" clId="Web-{38F43753-7C0C-DAD7-28B7-7E3CA3E96FE9}" dt="2025-08-16T08:06:20.088" v="40"/>
+        <pc:sldMkLst>
+          <pc:docMk/>
+          <pc:sldMk cId="2322155872" sldId="265"/>
         </pc:sldMkLst>
       </pc:sldChg>
     </pc:docChg>
@@ -520,1850 +2242,49 @@
     </pc:docChg>
   </pc:docChgLst>
   <pc:docChgLst>
-    <pc:chgData name="laura-gombaud@laposte.net" userId="S::urn:spo:guest#laura-gombaud@laposte.net::" providerId="AD" clId="Web-{0742D8F1-C8EC-CBD2-0A67-A18EC1223D1D}"/>
-    <pc:docChg chg="addSld modSld sldOrd addMainMaster delMainMaster">
-      <pc:chgData name="laura-gombaud@laposte.net" userId="S::urn:spo:guest#laura-gombaud@laposte.net::" providerId="AD" clId="Web-{0742D8F1-C8EC-CBD2-0A67-A18EC1223D1D}" dt="2025-08-21T18:20:15.890" v="6"/>
+    <pc:chgData clId="Web-{4FB8EDA9-CBAD-8CE5-D628-D1D0C3F7579D}"/>
+    <pc:docChg chg="addSld">
+      <pc:chgData name="" userId="" providerId="" clId="Web-{4FB8EDA9-CBAD-8CE5-D628-D1D0C3F7579D}" dt="2025-08-19T11:16:45.258" v="0"/>
       <pc:docMkLst>
         <pc:docMk/>
       </pc:docMkLst>
-      <pc:sldChg chg="modSp mod modClrScheme chgLayout">
-        <pc:chgData name="laura-gombaud@laposte.net" userId="S::urn:spo:guest#laura-gombaud@laposte.net::" providerId="AD" clId="Web-{0742D8F1-C8EC-CBD2-0A67-A18EC1223D1D}" dt="2025-08-21T18:20:15.890" v="6"/>
-        <pc:sldMkLst>
-          <pc:docMk/>
-          <pc:sldMk cId="3147147755" sldId="267"/>
-        </pc:sldMkLst>
-        <pc:spChg chg="mod ord">
-          <ac:chgData name="laura-gombaud@laposte.net" userId="S::urn:spo:guest#laura-gombaud@laposte.net::" providerId="AD" clId="Web-{0742D8F1-C8EC-CBD2-0A67-A18EC1223D1D}" dt="2025-08-21T18:20:15.890" v="6"/>
-          <ac:spMkLst>
-            <pc:docMk/>
-            <pc:sldMk cId="3147147755" sldId="267"/>
-            <ac:spMk id="2" creationId="{DF25C66A-4795-8701-212B-DE306BBE688F}"/>
-          </ac:spMkLst>
-        </pc:spChg>
-        <pc:spChg chg="mod ord">
-          <ac:chgData name="laura-gombaud@laposte.net" userId="S::urn:spo:guest#laura-gombaud@laposte.net::" providerId="AD" clId="Web-{0742D8F1-C8EC-CBD2-0A67-A18EC1223D1D}" dt="2025-08-21T18:20:15.890" v="6"/>
-          <ac:spMkLst>
-            <pc:docMk/>
-            <pc:sldMk cId="3147147755" sldId="267"/>
-            <ac:spMk id="4" creationId="{564901ED-BED5-A3BD-1B4D-E1EEFCA906FD}"/>
-          </ac:spMkLst>
-        </pc:spChg>
-      </pc:sldChg>
-      <pc:sldChg chg="modSp mod modClrScheme chgLayout">
-        <pc:chgData name="laura-gombaud@laposte.net" userId="S::urn:spo:guest#laura-gombaud@laposte.net::" providerId="AD" clId="Web-{0742D8F1-C8EC-CBD2-0A67-A18EC1223D1D}" dt="2025-08-21T18:20:15.890" v="6"/>
-        <pc:sldMkLst>
-          <pc:docMk/>
-          <pc:sldMk cId="1920496561" sldId="269"/>
-        </pc:sldMkLst>
-        <pc:spChg chg="mod ord">
-          <ac:chgData name="laura-gombaud@laposte.net" userId="S::urn:spo:guest#laura-gombaud@laposte.net::" providerId="AD" clId="Web-{0742D8F1-C8EC-CBD2-0A67-A18EC1223D1D}" dt="2025-08-21T18:20:15.890" v="6"/>
-          <ac:spMkLst>
-            <pc:docMk/>
-            <pc:sldMk cId="1920496561" sldId="269"/>
-            <ac:spMk id="2" creationId="{F3253E0A-CB47-B32F-0EAA-EA998A3CACB5}"/>
-          </ac:spMkLst>
-        </pc:spChg>
-        <pc:spChg chg="mod ord">
-          <ac:chgData name="laura-gombaud@laposte.net" userId="S::urn:spo:guest#laura-gombaud@laposte.net::" providerId="AD" clId="Web-{0742D8F1-C8EC-CBD2-0A67-A18EC1223D1D}" dt="2025-08-21T18:20:15.890" v="6"/>
-          <ac:spMkLst>
-            <pc:docMk/>
-            <pc:sldMk cId="1920496561" sldId="269"/>
-            <ac:spMk id="4" creationId="{641236AA-1898-A6F7-7797-9F8C59C43146}"/>
-          </ac:spMkLst>
-        </pc:spChg>
-      </pc:sldChg>
-      <pc:sldChg chg="modSp mod modClrScheme chgLayout">
-        <pc:chgData name="laura-gombaud@laposte.net" userId="S::urn:spo:guest#laura-gombaud@laposte.net::" providerId="AD" clId="Web-{0742D8F1-C8EC-CBD2-0A67-A18EC1223D1D}" dt="2025-08-21T18:20:15.890" v="6"/>
-        <pc:sldMkLst>
-          <pc:docMk/>
-          <pc:sldMk cId="541879771" sldId="271"/>
-        </pc:sldMkLst>
-        <pc:spChg chg="mod ord">
-          <ac:chgData name="laura-gombaud@laposte.net" userId="S::urn:spo:guest#laura-gombaud@laposte.net::" providerId="AD" clId="Web-{0742D8F1-C8EC-CBD2-0A67-A18EC1223D1D}" dt="2025-08-21T18:20:15.890" v="6"/>
-          <ac:spMkLst>
-            <pc:docMk/>
-            <pc:sldMk cId="541879771" sldId="271"/>
-            <ac:spMk id="2" creationId="{C4724A0B-18E2-C30A-4040-E889D9E34FDC}"/>
-          </ac:spMkLst>
-        </pc:spChg>
-        <pc:spChg chg="mod ord">
-          <ac:chgData name="laura-gombaud@laposte.net" userId="S::urn:spo:guest#laura-gombaud@laposte.net::" providerId="AD" clId="Web-{0742D8F1-C8EC-CBD2-0A67-A18EC1223D1D}" dt="2025-08-21T18:20:15.890" v="6"/>
-          <ac:spMkLst>
-            <pc:docMk/>
-            <pc:sldMk cId="541879771" sldId="271"/>
-            <ac:spMk id="3" creationId="{DD36FCD8-E5BE-051D-292B-47C5ADFC011F}"/>
-          </ac:spMkLst>
-        </pc:spChg>
-        <pc:spChg chg="mod ord">
-          <ac:chgData name="laura-gombaud@laposte.net" userId="S::urn:spo:guest#laura-gombaud@laposte.net::" providerId="AD" clId="Web-{0742D8F1-C8EC-CBD2-0A67-A18EC1223D1D}" dt="2025-08-21T18:20:15.890" v="6"/>
-          <ac:spMkLst>
-            <pc:docMk/>
-            <pc:sldMk cId="541879771" sldId="271"/>
-            <ac:spMk id="5" creationId="{ACB8D278-9CA6-D82A-2D41-6D0B8AA1E07C}"/>
-          </ac:spMkLst>
-        </pc:spChg>
-      </pc:sldChg>
-      <pc:sldChg chg="modSp mod modClrScheme chgLayout">
-        <pc:chgData name="laura-gombaud@laposte.net" userId="S::urn:spo:guest#laura-gombaud@laposte.net::" providerId="AD" clId="Web-{0742D8F1-C8EC-CBD2-0A67-A18EC1223D1D}" dt="2025-08-21T18:20:15.890" v="6"/>
-        <pc:sldMkLst>
-          <pc:docMk/>
-          <pc:sldMk cId="2733612999" sldId="272"/>
-        </pc:sldMkLst>
-        <pc:spChg chg="mod ord">
-          <ac:chgData name="laura-gombaud@laposte.net" userId="S::urn:spo:guest#laura-gombaud@laposte.net::" providerId="AD" clId="Web-{0742D8F1-C8EC-CBD2-0A67-A18EC1223D1D}" dt="2025-08-21T18:20:15.890" v="6"/>
-          <ac:spMkLst>
-            <pc:docMk/>
-            <pc:sldMk cId="2733612999" sldId="272"/>
-            <ac:spMk id="2" creationId="{47D923CD-74EF-1DA1-F382-92CF8ADB32C8}"/>
-          </ac:spMkLst>
-        </pc:spChg>
-        <pc:spChg chg="mod">
-          <ac:chgData name="laura-gombaud@laposte.net" userId="S::urn:spo:guest#laura-gombaud@laposte.net::" providerId="AD" clId="Web-{0742D8F1-C8EC-CBD2-0A67-A18EC1223D1D}" dt="2025-08-21T18:19:33.404" v="2" actId="20577"/>
-          <ac:spMkLst>
-            <pc:docMk/>
-            <pc:sldMk cId="2733612999" sldId="272"/>
-            <ac:spMk id="3" creationId="{6FB6C92E-82CE-564F-FAC7-CFB9145A1E2F}"/>
-          </ac:spMkLst>
-        </pc:spChg>
-        <pc:spChg chg="mod ord">
-          <ac:chgData name="laura-gombaud@laposte.net" userId="S::urn:spo:guest#laura-gombaud@laposte.net::" providerId="AD" clId="Web-{0742D8F1-C8EC-CBD2-0A67-A18EC1223D1D}" dt="2025-08-21T18:20:15.890" v="6"/>
-          <ac:spMkLst>
-            <pc:docMk/>
-            <pc:sldMk cId="2733612999" sldId="272"/>
-            <ac:spMk id="5" creationId="{A04EFAE7-2A7D-7423-30EE-025DBB973DD0}"/>
-          </ac:spMkLst>
-        </pc:spChg>
-      </pc:sldChg>
-      <pc:sldChg chg="modSp mod modClrScheme chgLayout">
-        <pc:chgData name="laura-gombaud@laposte.net" userId="S::urn:spo:guest#laura-gombaud@laposte.net::" providerId="AD" clId="Web-{0742D8F1-C8EC-CBD2-0A67-A18EC1223D1D}" dt="2025-08-21T18:20:15.890" v="6"/>
-        <pc:sldMkLst>
-          <pc:docMk/>
-          <pc:sldMk cId="2599946661" sldId="273"/>
-        </pc:sldMkLst>
-        <pc:spChg chg="mod ord">
-          <ac:chgData name="laura-gombaud@laposte.net" userId="S::urn:spo:guest#laura-gombaud@laposte.net::" providerId="AD" clId="Web-{0742D8F1-C8EC-CBD2-0A67-A18EC1223D1D}" dt="2025-08-21T18:20:15.890" v="6"/>
-          <ac:spMkLst>
-            <pc:docMk/>
-            <pc:sldMk cId="2599946661" sldId="273"/>
-            <ac:spMk id="2" creationId="{DC1DF8FD-9FF0-61DB-77A9-2F32CA22D0D4}"/>
-          </ac:spMkLst>
-        </pc:spChg>
-        <pc:spChg chg="mod ord">
-          <ac:chgData name="laura-gombaud@laposte.net" userId="S::urn:spo:guest#laura-gombaud@laposte.net::" providerId="AD" clId="Web-{0742D8F1-C8EC-CBD2-0A67-A18EC1223D1D}" dt="2025-08-21T18:20:15.890" v="6"/>
-          <ac:spMkLst>
-            <pc:docMk/>
-            <pc:sldMk cId="2599946661" sldId="273"/>
-            <ac:spMk id="3" creationId="{CB90D3A8-56AE-B719-6344-49E017294879}"/>
-          </ac:spMkLst>
-        </pc:spChg>
-        <pc:spChg chg="mod ord">
-          <ac:chgData name="laura-gombaud@laposte.net" userId="S::urn:spo:guest#laura-gombaud@laposte.net::" providerId="AD" clId="Web-{0742D8F1-C8EC-CBD2-0A67-A18EC1223D1D}" dt="2025-08-21T18:20:15.890" v="6"/>
-          <ac:spMkLst>
-            <pc:docMk/>
-            <pc:sldMk cId="2599946661" sldId="273"/>
-            <ac:spMk id="5" creationId="{CC710BF2-6328-1223-29D6-6BCBFFA0252A}"/>
-          </ac:spMkLst>
-        </pc:spChg>
-      </pc:sldChg>
-      <pc:sldChg chg="modSp mod modClrScheme chgLayout">
-        <pc:chgData name="laura-gombaud@laposte.net" userId="S::urn:spo:guest#laura-gombaud@laposte.net::" providerId="AD" clId="Web-{0742D8F1-C8EC-CBD2-0A67-A18EC1223D1D}" dt="2025-08-21T18:20:15.890" v="6"/>
-        <pc:sldMkLst>
-          <pc:docMk/>
-          <pc:sldMk cId="1019502620" sldId="274"/>
-        </pc:sldMkLst>
-        <pc:spChg chg="mod ord">
-          <ac:chgData name="laura-gombaud@laposte.net" userId="S::urn:spo:guest#laura-gombaud@laposte.net::" providerId="AD" clId="Web-{0742D8F1-C8EC-CBD2-0A67-A18EC1223D1D}" dt="2025-08-21T18:20:15.890" v="6"/>
-          <ac:spMkLst>
-            <pc:docMk/>
-            <pc:sldMk cId="1019502620" sldId="274"/>
-            <ac:spMk id="2" creationId="{788E8407-A4B4-B410-107C-EE5C4FA35AD7}"/>
-          </ac:spMkLst>
-        </pc:spChg>
-        <pc:spChg chg="mod ord">
-          <ac:chgData name="laura-gombaud@laposte.net" userId="S::urn:spo:guest#laura-gombaud@laposte.net::" providerId="AD" clId="Web-{0742D8F1-C8EC-CBD2-0A67-A18EC1223D1D}" dt="2025-08-21T18:20:15.890" v="6"/>
-          <ac:spMkLst>
-            <pc:docMk/>
-            <pc:sldMk cId="1019502620" sldId="274"/>
-            <ac:spMk id="3" creationId="{4BD1D04F-02C9-10DE-7EBC-0CC15C16A561}"/>
-          </ac:spMkLst>
-        </pc:spChg>
-        <pc:spChg chg="mod ord">
-          <ac:chgData name="laura-gombaud@laposte.net" userId="S::urn:spo:guest#laura-gombaud@laposte.net::" providerId="AD" clId="Web-{0742D8F1-C8EC-CBD2-0A67-A18EC1223D1D}" dt="2025-08-21T18:20:15.890" v="6"/>
-          <ac:spMkLst>
-            <pc:docMk/>
-            <pc:sldMk cId="1019502620" sldId="274"/>
-            <ac:spMk id="5" creationId="{3A753F64-2EE6-778E-BC33-CD145F86B7DB}"/>
-          </ac:spMkLst>
-        </pc:spChg>
-      </pc:sldChg>
-      <pc:sldChg chg="modSp mod modClrScheme chgLayout">
-        <pc:chgData name="laura-gombaud@laposte.net" userId="S::urn:spo:guest#laura-gombaud@laposte.net::" providerId="AD" clId="Web-{0742D8F1-C8EC-CBD2-0A67-A18EC1223D1D}" dt="2025-08-21T18:20:15.890" v="6"/>
-        <pc:sldMkLst>
-          <pc:docMk/>
-          <pc:sldMk cId="914568548" sldId="275"/>
-        </pc:sldMkLst>
-        <pc:spChg chg="mod ord">
-          <ac:chgData name="laura-gombaud@laposte.net" userId="S::urn:spo:guest#laura-gombaud@laposte.net::" providerId="AD" clId="Web-{0742D8F1-C8EC-CBD2-0A67-A18EC1223D1D}" dt="2025-08-21T18:20:15.890" v="6"/>
-          <ac:spMkLst>
-            <pc:docMk/>
-            <pc:sldMk cId="914568548" sldId="275"/>
-            <ac:spMk id="2" creationId="{1FBC5C8C-CC91-7404-6B34-F7FB582DA0FA}"/>
-          </ac:spMkLst>
-        </pc:spChg>
-        <pc:spChg chg="mod ord">
-          <ac:chgData name="laura-gombaud@laposte.net" userId="S::urn:spo:guest#laura-gombaud@laposte.net::" providerId="AD" clId="Web-{0742D8F1-C8EC-CBD2-0A67-A18EC1223D1D}" dt="2025-08-21T18:20:15.890" v="6"/>
-          <ac:spMkLst>
-            <pc:docMk/>
-            <pc:sldMk cId="914568548" sldId="275"/>
-            <ac:spMk id="3" creationId="{228321B2-9D91-7E61-B2CC-C3608ACB0A8E}"/>
-          </ac:spMkLst>
-        </pc:spChg>
-        <pc:spChg chg="mod ord">
-          <ac:chgData name="laura-gombaud@laposte.net" userId="S::urn:spo:guest#laura-gombaud@laposte.net::" providerId="AD" clId="Web-{0742D8F1-C8EC-CBD2-0A67-A18EC1223D1D}" dt="2025-08-21T18:20:15.890" v="6"/>
-          <ac:spMkLst>
-            <pc:docMk/>
-            <pc:sldMk cId="914568548" sldId="275"/>
-            <ac:spMk id="5" creationId="{2060BF35-6832-7E1B-2DDD-0CB7B92C543E}"/>
-          </ac:spMkLst>
-        </pc:spChg>
-      </pc:sldChg>
-      <pc:sldChg chg="modSp mod modClrScheme chgLayout">
-        <pc:chgData name="laura-gombaud@laposte.net" userId="S::urn:spo:guest#laura-gombaud@laposte.net::" providerId="AD" clId="Web-{0742D8F1-C8EC-CBD2-0A67-A18EC1223D1D}" dt="2025-08-21T18:20:15.890" v="6"/>
-        <pc:sldMkLst>
-          <pc:docMk/>
-          <pc:sldMk cId="3107800595" sldId="278"/>
-        </pc:sldMkLst>
-        <pc:spChg chg="mod ord">
-          <ac:chgData name="laura-gombaud@laposte.net" userId="S::urn:spo:guest#laura-gombaud@laposte.net::" providerId="AD" clId="Web-{0742D8F1-C8EC-CBD2-0A67-A18EC1223D1D}" dt="2025-08-21T18:20:15.890" v="6"/>
-          <ac:spMkLst>
-            <pc:docMk/>
-            <pc:sldMk cId="3107800595" sldId="278"/>
-            <ac:spMk id="5" creationId="{D53AADE3-3CD4-E85E-C462-173B687C6E29}"/>
-          </ac:spMkLst>
-        </pc:spChg>
-      </pc:sldChg>
-      <pc:sldChg chg="modSp mod modClrScheme chgLayout">
-        <pc:chgData name="laura-gombaud@laposte.net" userId="S::urn:spo:guest#laura-gombaud@laposte.net::" providerId="AD" clId="Web-{0742D8F1-C8EC-CBD2-0A67-A18EC1223D1D}" dt="2025-08-21T18:20:15.890" v="6"/>
+      <pc:sldChg chg="add">
+        <pc:chgData name="" userId="" providerId="" clId="Web-{4FB8EDA9-CBAD-8CE5-D628-D1D0C3F7579D}" dt="2025-08-19T11:16:45.258" v="0"/>
         <pc:sldMkLst>
           <pc:docMk/>
           <pc:sldMk cId="2688854622" sldId="279"/>
-        </pc:sldMkLst>
-        <pc:spChg chg="mod ord">
-          <ac:chgData name="laura-gombaud@laposte.net" userId="S::urn:spo:guest#laura-gombaud@laposte.net::" providerId="AD" clId="Web-{0742D8F1-C8EC-CBD2-0A67-A18EC1223D1D}" dt="2025-08-21T18:20:15.890" v="6"/>
-          <ac:spMkLst>
-            <pc:docMk/>
-            <pc:sldMk cId="2688854622" sldId="279"/>
-            <ac:spMk id="2" creationId="{ECA8A251-B742-E249-EDA2-4A97ACEE0502}"/>
-          </ac:spMkLst>
-        </pc:spChg>
-        <pc:spChg chg="mod ord">
-          <ac:chgData name="laura-gombaud@laposte.net" userId="S::urn:spo:guest#laura-gombaud@laposte.net::" providerId="AD" clId="Web-{0742D8F1-C8EC-CBD2-0A67-A18EC1223D1D}" dt="2025-08-21T18:20:15.890" v="6"/>
-          <ac:spMkLst>
-            <pc:docMk/>
-            <pc:sldMk cId="2688854622" sldId="279"/>
-            <ac:spMk id="4" creationId="{F761A41D-06C3-B740-392B-96E25B712AA7}"/>
-          </ac:spMkLst>
-        </pc:spChg>
-      </pc:sldChg>
-      <pc:sldChg chg="modSp mod modClrScheme chgLayout">
-        <pc:chgData name="laura-gombaud@laposte.net" userId="S::urn:spo:guest#laura-gombaud@laposte.net::" providerId="AD" clId="Web-{0742D8F1-C8EC-CBD2-0A67-A18EC1223D1D}" dt="2025-08-21T18:20:15.890" v="6"/>
-        <pc:sldMkLst>
-          <pc:docMk/>
-          <pc:sldMk cId="844782001" sldId="280"/>
-        </pc:sldMkLst>
-        <pc:spChg chg="mod ord">
-          <ac:chgData name="laura-gombaud@laposte.net" userId="S::urn:spo:guest#laura-gombaud@laposte.net::" providerId="AD" clId="Web-{0742D8F1-C8EC-CBD2-0A67-A18EC1223D1D}" dt="2025-08-21T18:20:15.890" v="6"/>
-          <ac:spMkLst>
-            <pc:docMk/>
-            <pc:sldMk cId="844782001" sldId="280"/>
-            <ac:spMk id="2" creationId="{C347ABE5-8CBE-AE75-83A8-52F7691D6589}"/>
-          </ac:spMkLst>
-        </pc:spChg>
-        <pc:spChg chg="mod ord">
-          <ac:chgData name="laura-gombaud@laposte.net" userId="S::urn:spo:guest#laura-gombaud@laposte.net::" providerId="AD" clId="Web-{0742D8F1-C8EC-CBD2-0A67-A18EC1223D1D}" dt="2025-08-21T18:20:15.890" v="6"/>
-          <ac:spMkLst>
-            <pc:docMk/>
-            <pc:sldMk cId="844782001" sldId="280"/>
-            <ac:spMk id="4" creationId="{26F5AEAF-8122-AD51-D0A8-F82AA9C17D5A}"/>
-          </ac:spMkLst>
-        </pc:spChg>
-      </pc:sldChg>
-      <pc:sldChg chg="modSp new mod ord modClrScheme chgLayout">
-        <pc:chgData name="laura-gombaud@laposte.net" userId="S::urn:spo:guest#laura-gombaud@laposte.net::" providerId="AD" clId="Web-{0742D8F1-C8EC-CBD2-0A67-A18EC1223D1D}" dt="2025-08-21T18:20:15.890" v="6"/>
-        <pc:sldMkLst>
-          <pc:docMk/>
-          <pc:sldMk cId="2753529739" sldId="281"/>
-        </pc:sldMkLst>
-        <pc:spChg chg="mod ord">
-          <ac:chgData name="laura-gombaud@laposte.net" userId="S::urn:spo:guest#laura-gombaud@laposte.net::" providerId="AD" clId="Web-{0742D8F1-C8EC-CBD2-0A67-A18EC1223D1D}" dt="2025-08-21T18:20:15.890" v="6"/>
-          <ac:spMkLst>
-            <pc:docMk/>
-            <pc:sldMk cId="2753529739" sldId="281"/>
-            <ac:spMk id="2" creationId="{89607ED2-A0F5-4F1D-C10B-4E0D7DBCF6E0}"/>
-          </ac:spMkLst>
-        </pc:spChg>
-        <pc:spChg chg="mod ord">
-          <ac:chgData name="laura-gombaud@laposte.net" userId="S::urn:spo:guest#laura-gombaud@laposte.net::" providerId="AD" clId="Web-{0742D8F1-C8EC-CBD2-0A67-A18EC1223D1D}" dt="2025-08-21T18:20:15.890" v="6"/>
-          <ac:spMkLst>
-            <pc:docMk/>
-            <pc:sldMk cId="2753529739" sldId="281"/>
-            <ac:spMk id="3" creationId="{A0017814-27F5-1C57-BC58-680FB3AD68D6}"/>
-          </ac:spMkLst>
-        </pc:spChg>
-      </pc:sldChg>
-      <pc:sldMasterChg chg="add del addSldLayout delSldLayout">
-        <pc:chgData name="laura-gombaud@laposte.net" userId="S::urn:spo:guest#laura-gombaud@laposte.net::" providerId="AD" clId="Web-{0742D8F1-C8EC-CBD2-0A67-A18EC1223D1D}" dt="2025-08-21T18:20:15.890" v="6"/>
-        <pc:sldMasterMkLst>
-          <pc:docMk/>
-          <pc:sldMasterMk cId="1071176179" sldId="2147483684"/>
-        </pc:sldMasterMkLst>
-        <pc:sldLayoutChg chg="add del">
-          <pc:chgData name="laura-gombaud@laposte.net" userId="S::urn:spo:guest#laura-gombaud@laposte.net::" providerId="AD" clId="Web-{0742D8F1-C8EC-CBD2-0A67-A18EC1223D1D}" dt="2025-08-21T18:20:15.890" v="6"/>
-          <pc:sldLayoutMkLst>
-            <pc:docMk/>
-            <pc:sldMasterMk cId="1071176179" sldId="2147483684"/>
-            <pc:sldLayoutMk cId="2223560165" sldId="2147483685"/>
-          </pc:sldLayoutMkLst>
-        </pc:sldLayoutChg>
-        <pc:sldLayoutChg chg="add del">
-          <pc:chgData name="laura-gombaud@laposte.net" userId="S::urn:spo:guest#laura-gombaud@laposte.net::" providerId="AD" clId="Web-{0742D8F1-C8EC-CBD2-0A67-A18EC1223D1D}" dt="2025-08-21T18:20:15.890" v="6"/>
-          <pc:sldLayoutMkLst>
-            <pc:docMk/>
-            <pc:sldMasterMk cId="1071176179" sldId="2147483684"/>
-            <pc:sldLayoutMk cId="4241953847" sldId="2147483686"/>
-          </pc:sldLayoutMkLst>
-        </pc:sldLayoutChg>
-        <pc:sldLayoutChg chg="add del">
-          <pc:chgData name="laura-gombaud@laposte.net" userId="S::urn:spo:guest#laura-gombaud@laposte.net::" providerId="AD" clId="Web-{0742D8F1-C8EC-CBD2-0A67-A18EC1223D1D}" dt="2025-08-21T18:20:15.890" v="6"/>
-          <pc:sldLayoutMkLst>
-            <pc:docMk/>
-            <pc:sldMasterMk cId="1071176179" sldId="2147483684"/>
-            <pc:sldLayoutMk cId="745167963" sldId="2147483687"/>
-          </pc:sldLayoutMkLst>
-        </pc:sldLayoutChg>
-        <pc:sldLayoutChg chg="add del">
-          <pc:chgData name="laura-gombaud@laposte.net" userId="S::urn:spo:guest#laura-gombaud@laposte.net::" providerId="AD" clId="Web-{0742D8F1-C8EC-CBD2-0A67-A18EC1223D1D}" dt="2025-08-21T18:20:15.890" v="6"/>
-          <pc:sldLayoutMkLst>
-            <pc:docMk/>
-            <pc:sldMasterMk cId="1071176179" sldId="2147483684"/>
-            <pc:sldLayoutMk cId="655063213" sldId="2147483688"/>
-          </pc:sldLayoutMkLst>
-        </pc:sldLayoutChg>
-        <pc:sldLayoutChg chg="add del">
-          <pc:chgData name="laura-gombaud@laposte.net" userId="S::urn:spo:guest#laura-gombaud@laposte.net::" providerId="AD" clId="Web-{0742D8F1-C8EC-CBD2-0A67-A18EC1223D1D}" dt="2025-08-21T18:20:15.890" v="6"/>
-          <pc:sldLayoutMkLst>
-            <pc:docMk/>
-            <pc:sldMasterMk cId="1071176179" sldId="2147483684"/>
-            <pc:sldLayoutMk cId="1665030633" sldId="2147483689"/>
-          </pc:sldLayoutMkLst>
-        </pc:sldLayoutChg>
-        <pc:sldLayoutChg chg="add del">
-          <pc:chgData name="laura-gombaud@laposte.net" userId="S::urn:spo:guest#laura-gombaud@laposte.net::" providerId="AD" clId="Web-{0742D8F1-C8EC-CBD2-0A67-A18EC1223D1D}" dt="2025-08-21T18:20:15.890" v="6"/>
-          <pc:sldLayoutMkLst>
-            <pc:docMk/>
-            <pc:sldMasterMk cId="1071176179" sldId="2147483684"/>
-            <pc:sldLayoutMk cId="3429243626" sldId="2147483690"/>
-          </pc:sldLayoutMkLst>
-        </pc:sldLayoutChg>
-        <pc:sldLayoutChg chg="add del">
-          <pc:chgData name="laura-gombaud@laposte.net" userId="S::urn:spo:guest#laura-gombaud@laposte.net::" providerId="AD" clId="Web-{0742D8F1-C8EC-CBD2-0A67-A18EC1223D1D}" dt="2025-08-21T18:20:15.890" v="6"/>
-          <pc:sldLayoutMkLst>
-            <pc:docMk/>
-            <pc:sldMasterMk cId="1071176179" sldId="2147483684"/>
-            <pc:sldLayoutMk cId="2315154600" sldId="2147483691"/>
-          </pc:sldLayoutMkLst>
-        </pc:sldLayoutChg>
-        <pc:sldLayoutChg chg="add del">
-          <pc:chgData name="laura-gombaud@laposte.net" userId="S::urn:spo:guest#laura-gombaud@laposte.net::" providerId="AD" clId="Web-{0742D8F1-C8EC-CBD2-0A67-A18EC1223D1D}" dt="2025-08-21T18:20:15.890" v="6"/>
-          <pc:sldLayoutMkLst>
-            <pc:docMk/>
-            <pc:sldMasterMk cId="1071176179" sldId="2147483684"/>
-            <pc:sldLayoutMk cId="3951693969" sldId="2147483692"/>
-          </pc:sldLayoutMkLst>
-        </pc:sldLayoutChg>
-        <pc:sldLayoutChg chg="add del">
-          <pc:chgData name="laura-gombaud@laposte.net" userId="S::urn:spo:guest#laura-gombaud@laposte.net::" providerId="AD" clId="Web-{0742D8F1-C8EC-CBD2-0A67-A18EC1223D1D}" dt="2025-08-21T18:20:15.890" v="6"/>
-          <pc:sldLayoutMkLst>
-            <pc:docMk/>
-            <pc:sldMasterMk cId="1071176179" sldId="2147483684"/>
-            <pc:sldLayoutMk cId="3333904225" sldId="2147483693"/>
-          </pc:sldLayoutMkLst>
-        </pc:sldLayoutChg>
-        <pc:sldLayoutChg chg="add del">
-          <pc:chgData name="laura-gombaud@laposte.net" userId="S::urn:spo:guest#laura-gombaud@laposte.net::" providerId="AD" clId="Web-{0742D8F1-C8EC-CBD2-0A67-A18EC1223D1D}" dt="2025-08-21T18:20:15.890" v="6"/>
-          <pc:sldLayoutMkLst>
-            <pc:docMk/>
-            <pc:sldMasterMk cId="1071176179" sldId="2147483684"/>
-            <pc:sldLayoutMk cId="2697030116" sldId="2147483694"/>
-          </pc:sldLayoutMkLst>
-        </pc:sldLayoutChg>
-        <pc:sldLayoutChg chg="add del">
-          <pc:chgData name="laura-gombaud@laposte.net" userId="S::urn:spo:guest#laura-gombaud@laposte.net::" providerId="AD" clId="Web-{0742D8F1-C8EC-CBD2-0A67-A18EC1223D1D}" dt="2025-08-21T18:20:15.890" v="6"/>
-          <pc:sldLayoutMkLst>
-            <pc:docMk/>
-            <pc:sldMasterMk cId="1071176179" sldId="2147483684"/>
-            <pc:sldLayoutMk cId="2346030186" sldId="2147483695"/>
-          </pc:sldLayoutMkLst>
-        </pc:sldLayoutChg>
-      </pc:sldMasterChg>
-      <pc:sldMasterChg chg="add del addSldLayout delSldLayout modSldLayout">
-        <pc:chgData name="laura-gombaud@laposte.net" userId="S::urn:spo:guest#laura-gombaud@laposte.net::" providerId="AD" clId="Web-{0742D8F1-C8EC-CBD2-0A67-A18EC1223D1D}" dt="2025-08-21T18:20:15.890" v="6"/>
-        <pc:sldMasterMkLst>
-          <pc:docMk/>
-          <pc:sldMasterMk cId="1060956117" sldId="2147483696"/>
-        </pc:sldMasterMkLst>
-        <pc:sldLayoutChg chg="add del mod replId">
-          <pc:chgData name="laura-gombaud@laposte.net" userId="S::urn:spo:guest#laura-gombaud@laposte.net::" providerId="AD" clId="Web-{0742D8F1-C8EC-CBD2-0A67-A18EC1223D1D}" dt="2025-08-21T18:20:15.890" v="6"/>
-          <pc:sldLayoutMkLst>
-            <pc:docMk/>
-            <pc:sldMasterMk cId="1060956117" sldId="2147483696"/>
-            <pc:sldLayoutMk cId="830747609" sldId="2147483697"/>
-          </pc:sldLayoutMkLst>
-        </pc:sldLayoutChg>
-        <pc:sldLayoutChg chg="add del mod replId">
-          <pc:chgData name="laura-gombaud@laposte.net" userId="S::urn:spo:guest#laura-gombaud@laposte.net::" providerId="AD" clId="Web-{0742D8F1-C8EC-CBD2-0A67-A18EC1223D1D}" dt="2025-08-21T18:20:15.890" v="6"/>
-          <pc:sldLayoutMkLst>
-            <pc:docMk/>
-            <pc:sldMasterMk cId="1060956117" sldId="2147483696"/>
-            <pc:sldLayoutMk cId="744976579" sldId="2147483698"/>
-          </pc:sldLayoutMkLst>
-        </pc:sldLayoutChg>
-        <pc:sldLayoutChg chg="add del mod replId">
-          <pc:chgData name="laura-gombaud@laposte.net" userId="S::urn:spo:guest#laura-gombaud@laposte.net::" providerId="AD" clId="Web-{0742D8F1-C8EC-CBD2-0A67-A18EC1223D1D}" dt="2025-08-21T18:20:15.890" v="6"/>
-          <pc:sldLayoutMkLst>
-            <pc:docMk/>
-            <pc:sldMasterMk cId="1060956117" sldId="2147483696"/>
-            <pc:sldLayoutMk cId="1702462211" sldId="2147483699"/>
-          </pc:sldLayoutMkLst>
-        </pc:sldLayoutChg>
-        <pc:sldLayoutChg chg="add del mod replId">
-          <pc:chgData name="laura-gombaud@laposte.net" userId="S::urn:spo:guest#laura-gombaud@laposte.net::" providerId="AD" clId="Web-{0742D8F1-C8EC-CBD2-0A67-A18EC1223D1D}" dt="2025-08-21T18:20:15.890" v="6"/>
-          <pc:sldLayoutMkLst>
-            <pc:docMk/>
-            <pc:sldMasterMk cId="1060956117" sldId="2147483696"/>
-            <pc:sldLayoutMk cId="3701878896" sldId="2147483700"/>
-          </pc:sldLayoutMkLst>
-        </pc:sldLayoutChg>
-        <pc:sldLayoutChg chg="add del mod replId">
-          <pc:chgData name="laura-gombaud@laposte.net" userId="S::urn:spo:guest#laura-gombaud@laposte.net::" providerId="AD" clId="Web-{0742D8F1-C8EC-CBD2-0A67-A18EC1223D1D}" dt="2025-08-21T18:20:15.890" v="6"/>
-          <pc:sldLayoutMkLst>
-            <pc:docMk/>
-            <pc:sldMasterMk cId="1060956117" sldId="2147483696"/>
-            <pc:sldLayoutMk cId="3790215237" sldId="2147483701"/>
-          </pc:sldLayoutMkLst>
-        </pc:sldLayoutChg>
-        <pc:sldLayoutChg chg="add del mod replId">
-          <pc:chgData name="laura-gombaud@laposte.net" userId="S::urn:spo:guest#laura-gombaud@laposte.net::" providerId="AD" clId="Web-{0742D8F1-C8EC-CBD2-0A67-A18EC1223D1D}" dt="2025-08-21T18:20:15.890" v="6"/>
-          <pc:sldLayoutMkLst>
-            <pc:docMk/>
-            <pc:sldMasterMk cId="1060956117" sldId="2147483696"/>
-            <pc:sldLayoutMk cId="2587996616" sldId="2147483702"/>
-          </pc:sldLayoutMkLst>
-        </pc:sldLayoutChg>
-        <pc:sldLayoutChg chg="add del mod replId">
-          <pc:chgData name="laura-gombaud@laposte.net" userId="S::urn:spo:guest#laura-gombaud@laposte.net::" providerId="AD" clId="Web-{0742D8F1-C8EC-CBD2-0A67-A18EC1223D1D}" dt="2025-08-21T18:20:15.890" v="6"/>
-          <pc:sldLayoutMkLst>
-            <pc:docMk/>
-            <pc:sldMasterMk cId="1060956117" sldId="2147483696"/>
-            <pc:sldLayoutMk cId="335606899" sldId="2147483703"/>
-          </pc:sldLayoutMkLst>
-        </pc:sldLayoutChg>
-        <pc:sldLayoutChg chg="add del mod replId">
-          <pc:chgData name="laura-gombaud@laposte.net" userId="S::urn:spo:guest#laura-gombaud@laposte.net::" providerId="AD" clId="Web-{0742D8F1-C8EC-CBD2-0A67-A18EC1223D1D}" dt="2025-08-21T18:20:15.890" v="6"/>
-          <pc:sldLayoutMkLst>
-            <pc:docMk/>
-            <pc:sldMasterMk cId="1060956117" sldId="2147483696"/>
-            <pc:sldLayoutMk cId="1954811631" sldId="2147483704"/>
-          </pc:sldLayoutMkLst>
-        </pc:sldLayoutChg>
-        <pc:sldLayoutChg chg="add del mod replId">
-          <pc:chgData name="laura-gombaud@laposte.net" userId="S::urn:spo:guest#laura-gombaud@laposte.net::" providerId="AD" clId="Web-{0742D8F1-C8EC-CBD2-0A67-A18EC1223D1D}" dt="2025-08-21T18:20:15.890" v="6"/>
-          <pc:sldLayoutMkLst>
-            <pc:docMk/>
-            <pc:sldMasterMk cId="1060956117" sldId="2147483696"/>
-            <pc:sldLayoutMk cId="3964688208" sldId="2147483705"/>
-          </pc:sldLayoutMkLst>
-        </pc:sldLayoutChg>
-        <pc:sldLayoutChg chg="add del mod replId">
-          <pc:chgData name="laura-gombaud@laposte.net" userId="S::urn:spo:guest#laura-gombaud@laposte.net::" providerId="AD" clId="Web-{0742D8F1-C8EC-CBD2-0A67-A18EC1223D1D}" dt="2025-08-21T18:20:15.890" v="6"/>
-          <pc:sldLayoutMkLst>
-            <pc:docMk/>
-            <pc:sldMasterMk cId="1060956117" sldId="2147483696"/>
-            <pc:sldLayoutMk cId="3535512136" sldId="2147483706"/>
-          </pc:sldLayoutMkLst>
-        </pc:sldLayoutChg>
-        <pc:sldLayoutChg chg="add del mod replId">
-          <pc:chgData name="laura-gombaud@laposte.net" userId="S::urn:spo:guest#laura-gombaud@laposte.net::" providerId="AD" clId="Web-{0742D8F1-C8EC-CBD2-0A67-A18EC1223D1D}" dt="2025-08-21T18:20:15.890" v="6"/>
-          <pc:sldLayoutMkLst>
-            <pc:docMk/>
-            <pc:sldMasterMk cId="1060956117" sldId="2147483696"/>
-            <pc:sldLayoutMk cId="4066079691" sldId="2147483707"/>
-          </pc:sldLayoutMkLst>
-        </pc:sldLayoutChg>
-      </pc:sldMasterChg>
-    </pc:docChg>
-  </pc:docChgLst>
-  <pc:docChgLst>
-    <pc:chgData name="laura-gombaud@laposte.net" userId="S::urn:spo:guest#laura-gombaud@laposte.net::" providerId="AD" clId="Web-{38F43753-7C0C-DAD7-28B7-7E3CA3E96FE9}"/>
-    <pc:docChg chg="modSld">
-      <pc:chgData name="laura-gombaud@laposte.net" userId="S::urn:spo:guest#laura-gombaud@laposte.net::" providerId="AD" clId="Web-{38F43753-7C0C-DAD7-28B7-7E3CA3E96FE9}" dt="2025-08-16T08:06:20.088" v="40"/>
-      <pc:docMkLst>
-        <pc:docMk/>
-      </pc:docMkLst>
-      <pc:sldChg chg="addSp modSp">
-        <pc:chgData name="laura-gombaud@laposte.net" userId="S::urn:spo:guest#laura-gombaud@laposte.net::" providerId="AD" clId="Web-{38F43753-7C0C-DAD7-28B7-7E3CA3E96FE9}" dt="2025-08-16T08:06:20.088" v="40"/>
-        <pc:sldMkLst>
-          <pc:docMk/>
-          <pc:sldMk cId="2322155872" sldId="265"/>
         </pc:sldMkLst>
       </pc:sldChg>
     </pc:docChg>
   </pc:docChgLst>
   <pc:docChgLst>
-    <pc:chgData name="Laura GOMBAUD" userId="95dfd7b3-193d-40a4-ae58-03a5f77a8c61" providerId="ADAL" clId="{A8172031-A439-46C0-A83D-2CCB1D10560F}"/>
-    <pc:docChg chg="undo custSel modSld">
-      <pc:chgData name="Laura GOMBAUD" userId="95dfd7b3-193d-40a4-ae58-03a5f77a8c61" providerId="ADAL" clId="{A8172031-A439-46C0-A83D-2CCB1D10560F}" dt="2025-08-22T18:42:38.319" v="63" actId="20577"/>
+    <pc:chgData clId="Web-{5ACEC877-7D39-7A54-C39B-54ECD281951E}"/>
+    <pc:docChg chg="modSld">
+      <pc:chgData name="" userId="" providerId="" clId="Web-{5ACEC877-7D39-7A54-C39B-54ECD281951E}" dt="2025-08-15T18:34:56.912" v="0" actId="20577"/>
       <pc:docMkLst>
         <pc:docMk/>
       </pc:docMkLst>
-      <pc:sldChg chg="modSp mod">
-        <pc:chgData name="Laura GOMBAUD" userId="95dfd7b3-193d-40a4-ae58-03a5f77a8c61" providerId="ADAL" clId="{A8172031-A439-46C0-A83D-2CCB1D10560F}" dt="2025-08-19T16:25:39.720" v="0" actId="14100"/>
+      <pc:sldChg chg="modSp">
+        <pc:chgData name="" userId="" providerId="" clId="Web-{5ACEC877-7D39-7A54-C39B-54ECD281951E}" dt="2025-08-15T18:34:56.912" v="0" actId="20577"/>
         <pc:sldMkLst>
           <pc:docMk/>
-          <pc:sldMk cId="2733612999" sldId="272"/>
-        </pc:sldMkLst>
-      </pc:sldChg>
-      <pc:sldChg chg="modSp mod">
-        <pc:chgData name="Laura GOMBAUD" userId="95dfd7b3-193d-40a4-ae58-03a5f77a8c61" providerId="ADAL" clId="{A8172031-A439-46C0-A83D-2CCB1D10560F}" dt="2025-08-22T18:33:25.351" v="60" actId="27636"/>
-        <pc:sldMkLst>
-          <pc:docMk/>
-          <pc:sldMk cId="2599946661" sldId="273"/>
-        </pc:sldMkLst>
-        <pc:spChg chg="mod">
-          <ac:chgData name="Laura GOMBAUD" userId="95dfd7b3-193d-40a4-ae58-03a5f77a8c61" providerId="ADAL" clId="{A8172031-A439-46C0-A83D-2CCB1D10560F}" dt="2025-08-22T18:33:25.351" v="60" actId="27636"/>
-          <ac:spMkLst>
-            <pc:docMk/>
-            <pc:sldMk cId="2599946661" sldId="273"/>
-            <ac:spMk id="2" creationId="{DC1DF8FD-9FF0-61DB-77A9-2F32CA22D0D4}"/>
-          </ac:spMkLst>
-        </pc:spChg>
-      </pc:sldChg>
-      <pc:sldChg chg="modSp mod">
-        <pc:chgData name="Laura GOMBAUD" userId="95dfd7b3-193d-40a4-ae58-03a5f77a8c61" providerId="ADAL" clId="{A8172031-A439-46C0-A83D-2CCB1D10560F}" dt="2025-08-19T16:26:34.284" v="58" actId="20577"/>
-        <pc:sldMkLst>
-          <pc:docMk/>
-          <pc:sldMk cId="844782001" sldId="280"/>
-        </pc:sldMkLst>
-      </pc:sldChg>
-      <pc:sldChg chg="modSp mod">
-        <pc:chgData name="Laura GOMBAUD" userId="95dfd7b3-193d-40a4-ae58-03a5f77a8c61" providerId="ADAL" clId="{A8172031-A439-46C0-A83D-2CCB1D10560F}" dt="2025-08-22T18:42:38.319" v="63" actId="20577"/>
-        <pc:sldMkLst>
-          <pc:docMk/>
-          <pc:sldMk cId="3071230549" sldId="285"/>
-        </pc:sldMkLst>
-        <pc:spChg chg="mod">
-          <ac:chgData name="Laura GOMBAUD" userId="95dfd7b3-193d-40a4-ae58-03a5f77a8c61" providerId="ADAL" clId="{A8172031-A439-46C0-A83D-2CCB1D10560F}" dt="2025-08-22T18:42:38.319" v="63" actId="20577"/>
-          <ac:spMkLst>
-            <pc:docMk/>
-            <pc:sldMk cId="3071230549" sldId="285"/>
-            <ac:spMk id="21" creationId="{4EBC8FF8-5B81-B538-F8CB-ECDA604415DF}"/>
-          </ac:spMkLst>
-        </pc:spChg>
-      </pc:sldChg>
-    </pc:docChg>
-  </pc:docChgLst>
-  <pc:docChgLst>
-    <pc:chgData name="laura-gombaud@laposte.net" userId="S::urn:spo:guest#laura-gombaud@laposte.net::" providerId="AD" clId="Web-{71BE8BDF-0318-0520-CF79-592274835CEC}"/>
-    <pc:docChg chg="addSld delSld modSld sldOrd">
-      <pc:chgData name="laura-gombaud@laposte.net" userId="S::urn:spo:guest#laura-gombaud@laposte.net::" providerId="AD" clId="Web-{71BE8BDF-0318-0520-CF79-592274835CEC}" dt="2025-08-21T18:46:40.052" v="270" actId="20577"/>
-      <pc:docMkLst>
-        <pc:docMk/>
-      </pc:docMkLst>
-      <pc:sldChg chg="del">
-        <pc:chgData name="laura-gombaud@laposte.net" userId="S::urn:spo:guest#laura-gombaud@laposte.net::" providerId="AD" clId="Web-{71BE8BDF-0318-0520-CF79-592274835CEC}" dt="2025-08-21T18:33:15.133" v="133"/>
-        <pc:sldMkLst>
-          <pc:docMk/>
-          <pc:sldMk cId="3147147755" sldId="267"/>
-        </pc:sldMkLst>
-      </pc:sldChg>
-      <pc:sldChg chg="del">
-        <pc:chgData name="laura-gombaud@laposte.net" userId="S::urn:spo:guest#laura-gombaud@laposte.net::" providerId="AD" clId="Web-{71BE8BDF-0318-0520-CF79-592274835CEC}" dt="2025-08-21T18:33:53.010" v="159"/>
-        <pc:sldMkLst>
-          <pc:docMk/>
-          <pc:sldMk cId="1920496561" sldId="269"/>
-        </pc:sldMkLst>
-      </pc:sldChg>
-      <pc:sldChg chg="del">
-        <pc:chgData name="laura-gombaud@laposte.net" userId="S::urn:spo:guest#laura-gombaud@laposte.net::" providerId="AD" clId="Web-{71BE8BDF-0318-0520-CF79-592274835CEC}" dt="2025-08-21T18:29:37.438" v="60"/>
-        <pc:sldMkLst>
-          <pc:docMk/>
-          <pc:sldMk cId="541879771" sldId="271"/>
-        </pc:sldMkLst>
-      </pc:sldChg>
-      <pc:sldChg chg="del">
-        <pc:chgData name="laura-gombaud@laposte.net" userId="S::urn:spo:guest#laura-gombaud@laposte.net::" providerId="AD" clId="Web-{71BE8BDF-0318-0520-CF79-592274835CEC}" dt="2025-08-21T18:29:03.859" v="47"/>
-        <pc:sldMkLst>
-          <pc:docMk/>
-          <pc:sldMk cId="2733612999" sldId="272"/>
-        </pc:sldMkLst>
-      </pc:sldChg>
-      <pc:sldChg chg="addSp delSp modSp mod setBg">
-        <pc:chgData name="laura-gombaud@laposte.net" userId="S::urn:spo:guest#laura-gombaud@laposte.net::" providerId="AD" clId="Web-{71BE8BDF-0318-0520-CF79-592274835CEC}" dt="2025-08-21T18:46:22.521" v="261" actId="1076"/>
-        <pc:sldMkLst>
-          <pc:docMk/>
-          <pc:sldMk cId="2599946661" sldId="273"/>
-        </pc:sldMkLst>
-        <pc:spChg chg="mod">
-          <ac:chgData name="laura-gombaud@laposte.net" userId="S::urn:spo:guest#laura-gombaud@laposte.net::" providerId="AD" clId="Web-{71BE8BDF-0318-0520-CF79-592274835CEC}" dt="2025-08-21T18:36:45.656" v="243" actId="20577"/>
-          <ac:spMkLst>
-            <pc:docMk/>
-            <pc:sldMk cId="2599946661" sldId="273"/>
-            <ac:spMk id="2" creationId="{DC1DF8FD-9FF0-61DB-77A9-2F32CA22D0D4}"/>
-          </ac:spMkLst>
-        </pc:spChg>
-        <pc:spChg chg="mod ord">
-          <ac:chgData name="laura-gombaud@laposte.net" userId="S::urn:spo:guest#laura-gombaud@laposte.net::" providerId="AD" clId="Web-{71BE8BDF-0318-0520-CF79-592274835CEC}" dt="2025-08-21T18:26:57.339" v="17"/>
-          <ac:spMkLst>
-            <pc:docMk/>
-            <pc:sldMk cId="2599946661" sldId="273"/>
-            <ac:spMk id="3" creationId="{CB90D3A8-56AE-B719-6344-49E017294879}"/>
-          </ac:spMkLst>
-        </pc:spChg>
-        <pc:spChg chg="del mod ord">
-          <ac:chgData name="laura-gombaud@laposte.net" userId="S::urn:spo:guest#laura-gombaud@laposte.net::" providerId="AD" clId="Web-{71BE8BDF-0318-0520-CF79-592274835CEC}" dt="2025-08-21T18:36:53.141" v="244"/>
-          <ac:spMkLst>
-            <pc:docMk/>
-            <pc:sldMk cId="2599946661" sldId="273"/>
-            <ac:spMk id="5" creationId="{CC710BF2-6328-1223-29D6-6BCBFFA0252A}"/>
-          </ac:spMkLst>
-        </pc:spChg>
-        <pc:spChg chg="add del mod">
-          <ac:chgData name="laura-gombaud@laposte.net" userId="S::urn:spo:guest#laura-gombaud@laposte.net::" providerId="AD" clId="Web-{71BE8BDF-0318-0520-CF79-592274835CEC}" dt="2025-08-21T18:36:57.376" v="249"/>
-          <ac:spMkLst>
-            <pc:docMk/>
-            <pc:sldMk cId="2599946661" sldId="273"/>
-            <ac:spMk id="6" creationId="{C6466EDC-5B99-DB44-86F4-E951B2E91AA5}"/>
-          </ac:spMkLst>
-        </pc:spChg>
-        <pc:spChg chg="add mod">
-          <ac:chgData name="laura-gombaud@laposte.net" userId="S::urn:spo:guest#laura-gombaud@laposte.net::" providerId="AD" clId="Web-{71BE8BDF-0318-0520-CF79-592274835CEC}" dt="2025-08-21T18:37:21.970" v="255" actId="1076"/>
-          <ac:spMkLst>
-            <pc:docMk/>
-            <pc:sldMk cId="2599946661" sldId="273"/>
-            <ac:spMk id="8" creationId="{C43C5D05-E1AC-15D5-2C09-7E744950715A}"/>
-          </ac:spMkLst>
-        </pc:spChg>
-        <pc:spChg chg="add del">
-          <ac:chgData name="laura-gombaud@laposte.net" userId="S::urn:spo:guest#laura-gombaud@laposte.net::" providerId="AD" clId="Web-{71BE8BDF-0318-0520-CF79-592274835CEC}" dt="2025-08-21T18:25:53.501" v="11"/>
-          <ac:spMkLst>
-            <pc:docMk/>
-            <pc:sldMk cId="2599946661" sldId="273"/>
-            <ac:spMk id="10" creationId="{081EA652-8C6A-4E69-BEB9-170809474553}"/>
-          </ac:spMkLst>
-        </pc:spChg>
-        <pc:spChg chg="add mod">
-          <ac:chgData name="laura-gombaud@laposte.net" userId="S::urn:spo:guest#laura-gombaud@laposte.net::" providerId="AD" clId="Web-{71BE8BDF-0318-0520-CF79-592274835CEC}" dt="2025-08-21T18:37:16.298" v="254" actId="1076"/>
-          <ac:spMkLst>
-            <pc:docMk/>
-            <pc:sldMk cId="2599946661" sldId="273"/>
-            <ac:spMk id="10" creationId="{9FD4CE7B-1881-7A08-0B05-32220F5B1A27}"/>
-          </ac:spMkLst>
-        </pc:spChg>
-        <pc:spChg chg="add del">
-          <ac:chgData name="laura-gombaud@laposte.net" userId="S::urn:spo:guest#laura-gombaud@laposte.net::" providerId="AD" clId="Web-{71BE8BDF-0318-0520-CF79-592274835CEC}" dt="2025-08-21T18:25:53.501" v="11"/>
-          <ac:spMkLst>
-            <pc:docMk/>
-            <pc:sldMk cId="2599946661" sldId="273"/>
-            <ac:spMk id="12" creationId="{5298780A-33B9-4EA2-8F67-DE68AD62841B}"/>
-          </ac:spMkLst>
-        </pc:spChg>
-        <pc:spChg chg="add mod">
-          <ac:chgData name="laura-gombaud@laposte.net" userId="S::urn:spo:guest#laura-gombaud@laposte.net::" providerId="AD" clId="Web-{71BE8BDF-0318-0520-CF79-592274835CEC}" dt="2025-08-21T18:37:12.454" v="253" actId="1076"/>
-          <ac:spMkLst>
-            <pc:docMk/>
-            <pc:sldMk cId="2599946661" sldId="273"/>
-            <ac:spMk id="12" creationId="{A50DE1B8-4A85-B79A-BFDA-F99426468F68}"/>
-          </ac:spMkLst>
-        </pc:spChg>
-        <pc:spChg chg="add del">
-          <ac:chgData name="laura-gombaud@laposte.net" userId="S::urn:spo:guest#laura-gombaud@laposte.net::" providerId="AD" clId="Web-{71BE8BDF-0318-0520-CF79-592274835CEC}" dt="2025-08-21T18:25:53.501" v="11"/>
-          <ac:spMkLst>
-            <pc:docMk/>
-            <pc:sldMk cId="2599946661" sldId="273"/>
-            <ac:spMk id="14" creationId="{7F488E8B-4E1E-4402-8935-D4E6C02615C7}"/>
-          </ac:spMkLst>
-        </pc:spChg>
-        <pc:spChg chg="add mod">
-          <ac:chgData name="laura-gombaud@laposte.net" userId="S::urn:spo:guest#laura-gombaud@laposte.net::" providerId="AD" clId="Web-{71BE8BDF-0318-0520-CF79-592274835CEC}" dt="2025-08-21T18:46:22.521" v="261" actId="1076"/>
-          <ac:spMkLst>
-            <pc:docMk/>
-            <pc:sldMk cId="2599946661" sldId="273"/>
-            <ac:spMk id="14" creationId="{9F3712CB-C7EC-A9CD-A837-C24BB9560CF8}"/>
-          </ac:spMkLst>
-        </pc:spChg>
-        <pc:spChg chg="add del">
-          <ac:chgData name="laura-gombaud@laposte.net" userId="S::urn:spo:guest#laura-gombaud@laposte.net::" providerId="AD" clId="Web-{71BE8BDF-0318-0520-CF79-592274835CEC}" dt="2025-08-21T18:25:21.640" v="2"/>
-          <ac:spMkLst>
-            <pc:docMk/>
-            <pc:sldMk cId="2599946661" sldId="273"/>
-            <ac:spMk id="19" creationId="{5C8908E2-EE49-44D2-9428-A28D2312A8D5}"/>
-          </ac:spMkLst>
-        </pc:spChg>
-        <pc:spChg chg="add del">
-          <ac:chgData name="laura-gombaud@laposte.net" userId="S::urn:spo:guest#laura-gombaud@laposte.net::" providerId="AD" clId="Web-{71BE8BDF-0318-0520-CF79-592274835CEC}" dt="2025-08-21T18:25:40" v="6"/>
-          <ac:spMkLst>
-            <pc:docMk/>
-            <pc:sldMk cId="2599946661" sldId="273"/>
-            <ac:spMk id="23" creationId="{7F488E8B-4E1E-4402-8935-D4E6C02615C7}"/>
-          </ac:spMkLst>
-        </pc:spChg>
-        <pc:spChg chg="add del">
-          <ac:chgData name="laura-gombaud@laposte.net" userId="S::urn:spo:guest#laura-gombaud@laposte.net::" providerId="AD" clId="Web-{71BE8BDF-0318-0520-CF79-592274835CEC}" dt="2025-08-21T18:25:21.640" v="2"/>
-          <ac:spMkLst>
-            <pc:docMk/>
-            <pc:sldMk cId="2599946661" sldId="273"/>
-            <ac:spMk id="25" creationId="{BD92035A-AA2F-4CD8-A556-1CE8BDEC75BD}"/>
-          </ac:spMkLst>
-        </pc:spChg>
-        <pc:spChg chg="add del">
-          <ac:chgData name="laura-gombaud@laposte.net" userId="S::urn:spo:guest#laura-gombaud@laposte.net::" providerId="AD" clId="Web-{71BE8BDF-0318-0520-CF79-592274835CEC}" dt="2025-08-21T18:25:34" v="4"/>
-          <ac:spMkLst>
-            <pc:docMk/>
-            <pc:sldMk cId="2599946661" sldId="273"/>
-            <ac:spMk id="26" creationId="{D5B0017B-2ECA-49AF-B397-DC140825DF8D}"/>
-          </ac:spMkLst>
-        </pc:spChg>
-        <pc:spChg chg="add del">
-          <ac:chgData name="laura-gombaud@laposte.net" userId="S::urn:spo:guest#laura-gombaud@laposte.net::" providerId="AD" clId="Web-{71BE8BDF-0318-0520-CF79-592274835CEC}" dt="2025-08-21T18:25:21.640" v="2"/>
-          <ac:spMkLst>
-            <pc:docMk/>
-            <pc:sldMk cId="2599946661" sldId="273"/>
-            <ac:spMk id="27" creationId="{ED888B23-07FA-482A-96DF-47E31AF1A603}"/>
-          </ac:spMkLst>
-        </pc:spChg>
-        <pc:spChg chg="add del">
-          <ac:chgData name="laura-gombaud@laposte.net" userId="S::urn:spo:guest#laura-gombaud@laposte.net::" providerId="AD" clId="Web-{71BE8BDF-0318-0520-CF79-592274835CEC}" dt="2025-08-21T18:25:34" v="4"/>
-          <ac:spMkLst>
-            <pc:docMk/>
-            <pc:sldMk cId="2599946661" sldId="273"/>
-            <ac:spMk id="29" creationId="{B6CDA21F-E7AF-4C75-8395-33F58D5B0E45}"/>
-          </ac:spMkLst>
-        </pc:spChg>
-        <pc:spChg chg="add del">
-          <ac:chgData name="laura-gombaud@laposte.net" userId="S::urn:spo:guest#laura-gombaud@laposte.net::" providerId="AD" clId="Web-{71BE8BDF-0318-0520-CF79-592274835CEC}" dt="2025-08-21T18:25:40" v="6"/>
-          <ac:spMkLst>
-            <pc:docMk/>
-            <pc:sldMk cId="2599946661" sldId="273"/>
-            <ac:spMk id="32" creationId="{081EA652-8C6A-4E69-BEB9-170809474553}"/>
-          </ac:spMkLst>
-        </pc:spChg>
-        <pc:spChg chg="add del">
-          <ac:chgData name="laura-gombaud@laposte.net" userId="S::urn:spo:guest#laura-gombaud@laposte.net::" providerId="AD" clId="Web-{71BE8BDF-0318-0520-CF79-592274835CEC}" dt="2025-08-21T18:25:40" v="6"/>
-          <ac:spMkLst>
-            <pc:docMk/>
-            <pc:sldMk cId="2599946661" sldId="273"/>
-            <ac:spMk id="33" creationId="{5298780A-33B9-4EA2-8F67-DE68AD62841B}"/>
-          </ac:spMkLst>
-        </pc:spChg>
-        <pc:spChg chg="add del">
-          <ac:chgData name="laura-gombaud@laposte.net" userId="S::urn:spo:guest#laura-gombaud@laposte.net::" providerId="AD" clId="Web-{71BE8BDF-0318-0520-CF79-592274835CEC}" dt="2025-08-21T18:25:48.219" v="8"/>
-          <ac:spMkLst>
-            <pc:docMk/>
-            <pc:sldMk cId="2599946661" sldId="273"/>
-            <ac:spMk id="35" creationId="{C05CBC3C-2E5A-4839-8B9B-2E5A6ADF0F58}"/>
-          </ac:spMkLst>
-        </pc:spChg>
-        <pc:spChg chg="add del">
-          <ac:chgData name="laura-gombaud@laposte.net" userId="S::urn:spo:guest#laura-gombaud@laposte.net::" providerId="AD" clId="Web-{71BE8BDF-0318-0520-CF79-592274835CEC}" dt="2025-08-21T18:25:48.219" v="8"/>
-          <ac:spMkLst>
-            <pc:docMk/>
-            <pc:sldMk cId="2599946661" sldId="273"/>
-            <ac:spMk id="36" creationId="{827FF362-FC97-4BF5-949B-D4ADFA26E457}"/>
-          </ac:spMkLst>
-        </pc:spChg>
-        <pc:spChg chg="add del">
-          <ac:chgData name="laura-gombaud@laposte.net" userId="S::urn:spo:guest#laura-gombaud@laposte.net::" providerId="AD" clId="Web-{71BE8BDF-0318-0520-CF79-592274835CEC}" dt="2025-08-21T18:25:53.485" v="10"/>
-          <ac:spMkLst>
-            <pc:docMk/>
-            <pc:sldMk cId="2599946661" sldId="273"/>
-            <ac:spMk id="38" creationId="{70DFC902-7D23-471A-B557-B6B6917D7A0D}"/>
-          </ac:spMkLst>
-        </pc:spChg>
-        <pc:spChg chg="add del">
-          <ac:chgData name="laura-gombaud@laposte.net" userId="S::urn:spo:guest#laura-gombaud@laposte.net::" providerId="AD" clId="Web-{71BE8BDF-0318-0520-CF79-592274835CEC}" dt="2025-08-21T18:25:53.485" v="10"/>
-          <ac:spMkLst>
-            <pc:docMk/>
-            <pc:sldMk cId="2599946661" sldId="273"/>
-            <ac:spMk id="39" creationId="{A55D5633-D557-4DCA-982C-FF36EB7A1C00}"/>
-          </ac:spMkLst>
-        </pc:spChg>
-        <pc:spChg chg="add del">
-          <ac:chgData name="laura-gombaud@laposte.net" userId="S::urn:spo:guest#laura-gombaud@laposte.net::" providerId="AD" clId="Web-{71BE8BDF-0318-0520-CF79-592274835CEC}" dt="2025-08-21T18:25:53.485" v="10"/>
-          <ac:spMkLst>
-            <pc:docMk/>
-            <pc:sldMk cId="2599946661" sldId="273"/>
-            <ac:spMk id="40" creationId="{450D3AD2-FA80-415F-A9CE-54D884561CD7}"/>
-          </ac:spMkLst>
-        </pc:spChg>
-        <pc:spChg chg="add del">
-          <ac:chgData name="laura-gombaud@laposte.net" userId="S::urn:spo:guest#laura-gombaud@laposte.net::" providerId="AD" clId="Web-{71BE8BDF-0318-0520-CF79-592274835CEC}" dt="2025-08-21T18:26:37.737" v="16"/>
-          <ac:spMkLst>
-            <pc:docMk/>
-            <pc:sldMk cId="2599946661" sldId="273"/>
-            <ac:spMk id="42" creationId="{081EA652-8C6A-4E69-BEB9-170809474553}"/>
-          </ac:spMkLst>
-        </pc:spChg>
-        <pc:spChg chg="add del">
-          <ac:chgData name="laura-gombaud@laposte.net" userId="S::urn:spo:guest#laura-gombaud@laposte.net::" providerId="AD" clId="Web-{71BE8BDF-0318-0520-CF79-592274835CEC}" dt="2025-08-21T18:26:37.737" v="16"/>
-          <ac:spMkLst>
-            <pc:docMk/>
-            <pc:sldMk cId="2599946661" sldId="273"/>
-            <ac:spMk id="43" creationId="{5298780A-33B9-4EA2-8F67-DE68AD62841B}"/>
-          </ac:spMkLst>
-        </pc:spChg>
-        <pc:spChg chg="add del">
-          <ac:chgData name="laura-gombaud@laposte.net" userId="S::urn:spo:guest#laura-gombaud@laposte.net::" providerId="AD" clId="Web-{71BE8BDF-0318-0520-CF79-592274835CEC}" dt="2025-08-21T18:26:37.737" v="16"/>
-          <ac:spMkLst>
-            <pc:docMk/>
-            <pc:sldMk cId="2599946661" sldId="273"/>
-            <ac:spMk id="44" creationId="{7F488E8B-4E1E-4402-8935-D4E6C02615C7}"/>
-          </ac:spMkLst>
-        </pc:spChg>
-        <pc:spChg chg="add del">
-          <ac:chgData name="laura-gombaud@laposte.net" userId="S::urn:spo:guest#laura-gombaud@laposte.net::" providerId="AD" clId="Web-{71BE8BDF-0318-0520-CF79-592274835CEC}" dt="2025-08-21T18:26:26.580" v="13"/>
-          <ac:spMkLst>
-            <pc:docMk/>
-            <pc:sldMk cId="2599946661" sldId="273"/>
-            <ac:spMk id="50" creationId="{C9A36457-A5F4-4103-A443-02581C09185B}"/>
-          </ac:spMkLst>
-        </pc:spChg>
-        <pc:spChg chg="add del">
-          <ac:chgData name="laura-gombaud@laposte.net" userId="S::urn:spo:guest#laura-gombaud@laposte.net::" providerId="AD" clId="Web-{71BE8BDF-0318-0520-CF79-592274835CEC}" dt="2025-08-21T18:26:26.580" v="13"/>
-          <ac:spMkLst>
-            <pc:docMk/>
-            <pc:sldMk cId="2599946661" sldId="273"/>
-            <ac:spMk id="52" creationId="{DC5FB7E8-B636-40FA-BE8D-48145C0F5C57}"/>
-          </ac:spMkLst>
-        </pc:spChg>
-        <pc:spChg chg="add del">
-          <ac:chgData name="laura-gombaud@laposte.net" userId="S::urn:spo:guest#laura-gombaud@laposte.net::" providerId="AD" clId="Web-{71BE8BDF-0318-0520-CF79-592274835CEC}" dt="2025-08-21T18:26:26.580" v="13"/>
-          <ac:spMkLst>
-            <pc:docMk/>
-            <pc:sldMk cId="2599946661" sldId="273"/>
-            <ac:spMk id="54" creationId="{142DCE2C-2863-46FA-9BE7-24365A24D9BA}"/>
-          </ac:spMkLst>
-        </pc:spChg>
-        <pc:spChg chg="add del">
-          <ac:chgData name="laura-gombaud@laposte.net" userId="S::urn:spo:guest#laura-gombaud@laposte.net::" providerId="AD" clId="Web-{71BE8BDF-0318-0520-CF79-592274835CEC}" dt="2025-08-21T18:26:37.721" v="15"/>
-          <ac:spMkLst>
-            <pc:docMk/>
-            <pc:sldMk cId="2599946661" sldId="273"/>
-            <ac:spMk id="56" creationId="{CBC4F608-B4B8-48C3-9572-C0F061B1CD99}"/>
-          </ac:spMkLst>
-        </pc:spChg>
-        <pc:spChg chg="add del">
-          <ac:chgData name="laura-gombaud@laposte.net" userId="S::urn:spo:guest#laura-gombaud@laposte.net::" providerId="AD" clId="Web-{71BE8BDF-0318-0520-CF79-592274835CEC}" dt="2025-08-21T18:26:37.721" v="15"/>
-          <ac:spMkLst>
-            <pc:docMk/>
-            <pc:sldMk cId="2599946661" sldId="273"/>
-            <ac:spMk id="57" creationId="{4DA718D0-4865-4629-8134-44F68D41D574}"/>
-          </ac:spMkLst>
-        </pc:spChg>
-        <pc:spChg chg="add del">
-          <ac:chgData name="laura-gombaud@laposte.net" userId="S::urn:spo:guest#laura-gombaud@laposte.net::" providerId="AD" clId="Web-{71BE8BDF-0318-0520-CF79-592274835CEC}" dt="2025-08-21T18:26:57.339" v="17"/>
-          <ac:spMkLst>
-            <pc:docMk/>
-            <pc:sldMk cId="2599946661" sldId="273"/>
-            <ac:spMk id="61" creationId="{979E27D9-03C7-44E2-9FF8-15D0C8506AF7}"/>
-          </ac:spMkLst>
-        </pc:spChg>
-        <pc:spChg chg="add del">
-          <ac:chgData name="laura-gombaud@laposte.net" userId="S::urn:spo:guest#laura-gombaud@laposte.net::" providerId="AD" clId="Web-{71BE8BDF-0318-0520-CF79-592274835CEC}" dt="2025-08-21T18:26:57.339" v="17"/>
-          <ac:spMkLst>
-            <pc:docMk/>
-            <pc:sldMk cId="2599946661" sldId="273"/>
-            <ac:spMk id="62" creationId="{EEBF1590-3B36-48EE-A89D-3B6F3CB256AB}"/>
-          </ac:spMkLst>
-        </pc:spChg>
-        <pc:spChg chg="add del">
-          <ac:chgData name="laura-gombaud@laposte.net" userId="S::urn:spo:guest#laura-gombaud@laposte.net::" providerId="AD" clId="Web-{71BE8BDF-0318-0520-CF79-592274835CEC}" dt="2025-08-21T18:26:57.339" v="17"/>
-          <ac:spMkLst>
-            <pc:docMk/>
-            <pc:sldMk cId="2599946661" sldId="273"/>
-            <ac:spMk id="63" creationId="{AC8F6C8C-AB5A-4548-942D-E3FD40ACBC49}"/>
-          </ac:spMkLst>
-        </pc:spChg>
-        <pc:spChg chg="add">
-          <ac:chgData name="laura-gombaud@laposte.net" userId="S::urn:spo:guest#laura-gombaud@laposte.net::" providerId="AD" clId="Web-{71BE8BDF-0318-0520-CF79-592274835CEC}" dt="2025-08-21T18:26:57.339" v="17"/>
-          <ac:spMkLst>
-            <pc:docMk/>
-            <pc:sldMk cId="2599946661" sldId="273"/>
-            <ac:spMk id="68" creationId="{081EA652-8C6A-4E69-BEB9-170809474553}"/>
-          </ac:spMkLst>
-        </pc:spChg>
-        <pc:spChg chg="add mod">
-          <ac:chgData name="laura-gombaud@laposte.net" userId="S::urn:spo:guest#laura-gombaud@laposte.net::" providerId="AD" clId="Web-{71BE8BDF-0318-0520-CF79-592274835CEC}" dt="2025-08-21T18:28:07.013" v="19"/>
-          <ac:spMkLst>
-            <pc:docMk/>
-            <pc:sldMk cId="2599946661" sldId="273"/>
-            <ac:spMk id="70" creationId="{5298780A-33B9-4EA2-8F67-DE68AD62841B}"/>
-          </ac:spMkLst>
-        </pc:spChg>
-        <pc:spChg chg="add">
-          <ac:chgData name="laura-gombaud@laposte.net" userId="S::urn:spo:guest#laura-gombaud@laposte.net::" providerId="AD" clId="Web-{71BE8BDF-0318-0520-CF79-592274835CEC}" dt="2025-08-21T18:26:57.339" v="17"/>
-          <ac:spMkLst>
-            <pc:docMk/>
-            <pc:sldMk cId="2599946661" sldId="273"/>
-            <ac:spMk id="72" creationId="{7F488E8B-4E1E-4402-8935-D4E6C02615C7}"/>
-          </ac:spMkLst>
-        </pc:spChg>
-        <pc:grpChg chg="add del">
-          <ac:chgData name="laura-gombaud@laposte.net" userId="S::urn:spo:guest#laura-gombaud@laposte.net::" providerId="AD" clId="Web-{71BE8BDF-0318-0520-CF79-592274835CEC}" dt="2025-08-21T18:25:21.640" v="2"/>
-          <ac:grpSpMkLst>
-            <pc:docMk/>
-            <pc:sldMk cId="2599946661" sldId="273"/>
-            <ac:grpSpMk id="21" creationId="{5D1A9D8B-3117-4D9D-BDA4-DD81895098B0}"/>
-          </ac:grpSpMkLst>
-        </pc:grpChg>
-        <pc:grpChg chg="add del">
-          <ac:chgData name="laura-gombaud@laposte.net" userId="S::urn:spo:guest#laura-gombaud@laposte.net::" providerId="AD" clId="Web-{71BE8BDF-0318-0520-CF79-592274835CEC}" dt="2025-08-21T18:25:34" v="4"/>
-          <ac:grpSpMkLst>
-            <pc:docMk/>
-            <pc:sldMk cId="2599946661" sldId="273"/>
-            <ac:grpSpMk id="30" creationId="{AE1C45F0-260A-458C-96ED-C1F6D2151219}"/>
-          </ac:grpSpMkLst>
-        </pc:grpChg>
-        <pc:grpChg chg="add del">
-          <ac:chgData name="laura-gombaud@laposte.net" userId="S::urn:spo:guest#laura-gombaud@laposte.net::" providerId="AD" clId="Web-{71BE8BDF-0318-0520-CF79-592274835CEC}" dt="2025-08-21T18:26:37.721" v="15"/>
-          <ac:grpSpMkLst>
-            <pc:docMk/>
-            <pc:sldMk cId="2599946661" sldId="273"/>
-            <ac:grpSpMk id="58" creationId="{65167ED7-6315-43AB-B1B6-C326D5FD8F84}"/>
-          </ac:grpSpMkLst>
-        </pc:grpChg>
-        <pc:cxnChg chg="add del">
-          <ac:chgData name="laura-gombaud@laposte.net" userId="S::urn:spo:guest#laura-gombaud@laposte.net::" providerId="AD" clId="Web-{71BE8BDF-0318-0520-CF79-592274835CEC}" dt="2025-08-21T18:25:34" v="4"/>
-          <ac:cxnSpMkLst>
-            <pc:docMk/>
-            <pc:sldMk cId="2599946661" sldId="273"/>
-            <ac:cxnSpMk id="28" creationId="{6CF1BAF6-AD41-4082-B212-8A1F9A2E8779}"/>
-          </ac:cxnSpMkLst>
-        </pc:cxnChg>
-        <pc:cxnChg chg="add del">
-          <ac:chgData name="laura-gombaud@laposte.net" userId="S::urn:spo:guest#laura-gombaud@laposte.net::" providerId="AD" clId="Web-{71BE8BDF-0318-0520-CF79-592274835CEC}" dt="2025-08-21T18:26:37.737" v="16"/>
-          <ac:cxnSpMkLst>
-            <pc:docMk/>
-            <pc:sldMk cId="2599946661" sldId="273"/>
-            <ac:cxnSpMk id="45" creationId="{23AAC9B5-8015-485C-ACF9-A750390E9A56}"/>
-          </ac:cxnSpMkLst>
-        </pc:cxnChg>
-      </pc:sldChg>
-      <pc:sldChg chg="del">
-        <pc:chgData name="laura-gombaud@laposte.net" userId="S::urn:spo:guest#laura-gombaud@laposte.net::" providerId="AD" clId="Web-{71BE8BDF-0318-0520-CF79-592274835CEC}" dt="2025-08-21T18:36:14.468" v="226"/>
-        <pc:sldMkLst>
-          <pc:docMk/>
-          <pc:sldMk cId="1019502620" sldId="274"/>
-        </pc:sldMkLst>
-      </pc:sldChg>
-      <pc:sldChg chg="del">
-        <pc:chgData name="laura-gombaud@laposte.net" userId="S::urn:spo:guest#laura-gombaud@laposte.net::" providerId="AD" clId="Web-{71BE8BDF-0318-0520-CF79-592274835CEC}" dt="2025-08-21T18:35:45.295" v="211"/>
-        <pc:sldMkLst>
-          <pc:docMk/>
-          <pc:sldMk cId="914568548" sldId="275"/>
-        </pc:sldMkLst>
-      </pc:sldChg>
-      <pc:sldChg chg="del">
-        <pc:chgData name="laura-gombaud@laposte.net" userId="S::urn:spo:guest#laura-gombaud@laposte.net::" providerId="AD" clId="Web-{71BE8BDF-0318-0520-CF79-592274835CEC}" dt="2025-08-21T18:37:30.971" v="256"/>
-        <pc:sldMkLst>
-          <pc:docMk/>
-          <pc:sldMk cId="3107800595" sldId="278"/>
-        </pc:sldMkLst>
-      </pc:sldChg>
-      <pc:sldChg chg="modSp del">
-        <pc:chgData name="laura-gombaud@laposte.net" userId="S::urn:spo:guest#laura-gombaud@laposte.net::" providerId="AD" clId="Web-{71BE8BDF-0318-0520-CF79-592274835CEC}" dt="2025-08-21T18:32:29.210" v="99"/>
-        <pc:sldMkLst>
-          <pc:docMk/>
-          <pc:sldMk cId="2688854622" sldId="279"/>
-        </pc:sldMkLst>
-        <pc:spChg chg="mod">
-          <ac:chgData name="laura-gombaud@laposte.net" userId="S::urn:spo:guest#laura-gombaud@laposte.net::" providerId="AD" clId="Web-{71BE8BDF-0318-0520-CF79-592274835CEC}" dt="2025-08-21T18:30:39.331" v="90" actId="20577"/>
-          <ac:spMkLst>
-            <pc:docMk/>
-            <pc:sldMk cId="2688854622" sldId="279"/>
-            <ac:spMk id="2" creationId="{ECA8A251-B742-E249-EDA2-4A97ACEE0502}"/>
-          </ac:spMkLst>
-        </pc:spChg>
-        <pc:spChg chg="mod">
-          <ac:chgData name="laura-gombaud@laposte.net" userId="S::urn:spo:guest#laura-gombaud@laposte.net::" providerId="AD" clId="Web-{71BE8BDF-0318-0520-CF79-592274835CEC}" dt="2025-08-21T18:27:55.185" v="18"/>
-          <ac:spMkLst>
-            <pc:docMk/>
-            <pc:sldMk cId="2688854622" sldId="279"/>
-            <ac:spMk id="11" creationId="{F341C9E5-EB3F-5008-5B13-3087C57584CA}"/>
-          </ac:spMkLst>
-        </pc:spChg>
-      </pc:sldChg>
-      <pc:sldChg chg="del">
-        <pc:chgData name="laura-gombaud@laposte.net" userId="S::urn:spo:guest#laura-gombaud@laposte.net::" providerId="AD" clId="Web-{71BE8BDF-0318-0520-CF79-592274835CEC}" dt="2025-08-21T18:34:34.230" v="184"/>
-        <pc:sldMkLst>
-          <pc:docMk/>
-          <pc:sldMk cId="844782001" sldId="280"/>
-        </pc:sldMkLst>
-      </pc:sldChg>
-      <pc:sldChg chg="del">
-        <pc:chgData name="laura-gombaud@laposte.net" userId="S::urn:spo:guest#laura-gombaud@laposte.net::" providerId="AD" clId="Web-{71BE8BDF-0318-0520-CF79-592274835CEC}" dt="2025-08-21T18:31:38.864" v="98"/>
-        <pc:sldMkLst>
-          <pc:docMk/>
-          <pc:sldMk cId="2753529739" sldId="281"/>
-        </pc:sldMkLst>
-      </pc:sldChg>
-      <pc:sldChg chg="addSp delSp modSp add replId">
-        <pc:chgData name="laura-gombaud@laposte.net" userId="S::urn:spo:guest#laura-gombaud@laposte.net::" providerId="AD" clId="Web-{71BE8BDF-0318-0520-CF79-592274835CEC}" dt="2025-08-21T18:46:40.052" v="270" actId="20577"/>
-        <pc:sldMkLst>
-          <pc:docMk/>
-          <pc:sldMk cId="1270338277" sldId="282"/>
-        </pc:sldMkLst>
-        <pc:spChg chg="mod">
-          <ac:chgData name="laura-gombaud@laposte.net" userId="S::urn:spo:guest#laura-gombaud@laposte.net::" providerId="AD" clId="Web-{71BE8BDF-0318-0520-CF79-592274835CEC}" dt="2025-08-21T18:31:23.583" v="95"/>
-          <ac:spMkLst>
-            <pc:docMk/>
-            <pc:sldMk cId="1270338277" sldId="282"/>
-            <ac:spMk id="2" creationId="{99CAB4E0-D9B2-5E00-FB03-6446B11D88BF}"/>
-          </ac:spMkLst>
-        </pc:spChg>
-        <pc:spChg chg="mod">
-          <ac:chgData name="laura-gombaud@laposte.net" userId="S::urn:spo:guest#laura-gombaud@laposte.net::" providerId="AD" clId="Web-{71BE8BDF-0318-0520-CF79-592274835CEC}" dt="2025-08-21T18:28:45.702" v="44" actId="20577"/>
-          <ac:spMkLst>
-            <pc:docMk/>
-            <pc:sldMk cId="1270338277" sldId="282"/>
-            <ac:spMk id="5" creationId="{5F0A455D-E830-3F71-AB5D-0C0BFD318FF2}"/>
-          </ac:spMkLst>
-        </pc:spChg>
-        <pc:spChg chg="add del mod">
-          <ac:chgData name="laura-gombaud@laposte.net" userId="S::urn:spo:guest#laura-gombaud@laposte.net::" providerId="AD" clId="Web-{71BE8BDF-0318-0520-CF79-592274835CEC}" dt="2025-08-21T18:46:31.208" v="263"/>
-          <ac:spMkLst>
-            <pc:docMk/>
-            <pc:sldMk cId="1270338277" sldId="282"/>
-            <ac:spMk id="6" creationId="{BEFC08A3-149E-3740-B26F-4B5A7DA3E352}"/>
-          </ac:spMkLst>
-        </pc:spChg>
-        <pc:spChg chg="add mod">
-          <ac:chgData name="laura-gombaud@laposte.net" userId="S::urn:spo:guest#laura-gombaud@laposte.net::" providerId="AD" clId="Web-{71BE8BDF-0318-0520-CF79-592274835CEC}" dt="2025-08-21T18:46:40.052" v="270" actId="20577"/>
-          <ac:spMkLst>
-            <pc:docMk/>
-            <pc:sldMk cId="1270338277" sldId="282"/>
-            <ac:spMk id="8" creationId="{72BE9519-9F87-DAAD-1894-1D2CC953D0A1}"/>
-          </ac:spMkLst>
-        </pc:spChg>
-      </pc:sldChg>
-      <pc:sldChg chg="delSp modSp add replId">
-        <pc:chgData name="laura-gombaud@laposte.net" userId="S::urn:spo:guest#laura-gombaud@laposte.net::" providerId="AD" clId="Web-{71BE8BDF-0318-0520-CF79-592274835CEC}" dt="2025-08-21T18:31:12.020" v="94"/>
-        <pc:sldMkLst>
-          <pc:docMk/>
-          <pc:sldMk cId="4205722467" sldId="283"/>
-        </pc:sldMkLst>
-        <pc:spChg chg="mod">
-          <ac:chgData name="laura-gombaud@laposte.net" userId="S::urn:spo:guest#laura-gombaud@laposte.net::" providerId="AD" clId="Web-{71BE8BDF-0318-0520-CF79-592274835CEC}" dt="2025-08-21T18:31:12.020" v="94"/>
-          <ac:spMkLst>
-            <pc:docMk/>
-            <pc:sldMk cId="4205722467" sldId="283"/>
-            <ac:spMk id="2" creationId="{4B3DE265-588F-AB48-1067-60F9389BC095}"/>
-          </ac:spMkLst>
-        </pc:spChg>
-        <pc:spChg chg="mod">
-          <ac:chgData name="laura-gombaud@laposte.net" userId="S::urn:spo:guest#laura-gombaud@laposte.net::" providerId="AD" clId="Web-{71BE8BDF-0318-0520-CF79-592274835CEC}" dt="2025-08-21T18:29:32.454" v="59" actId="20577"/>
-          <ac:spMkLst>
-            <pc:docMk/>
-            <pc:sldMk cId="4205722467" sldId="283"/>
-            <ac:spMk id="5" creationId="{DA08CD4F-18E8-3358-30CF-EB393B366E77}"/>
-          </ac:spMkLst>
-        </pc:spChg>
-        <pc:spChg chg="del">
-          <ac:chgData name="laura-gombaud@laposte.net" userId="S::urn:spo:guest#laura-gombaud@laposte.net::" providerId="AD" clId="Web-{71BE8BDF-0318-0520-CF79-592274835CEC}" dt="2025-08-21T18:29:25.344" v="58"/>
-          <ac:spMkLst>
-            <pc:docMk/>
-            <pc:sldMk cId="4205722467" sldId="283"/>
-            <ac:spMk id="6" creationId="{9ADD54B9-5614-CB9F-4922-8085A55C9D6D}"/>
-          </ac:spMkLst>
-        </pc:spChg>
-      </pc:sldChg>
-      <pc:sldChg chg="addSp delSp modSp add replId">
-        <pc:chgData name="laura-gombaud@laposte.net" userId="S::urn:spo:guest#laura-gombaud@laposte.net::" providerId="AD" clId="Web-{71BE8BDF-0318-0520-CF79-592274835CEC}" dt="2025-08-21T18:30:58.629" v="93" actId="20577"/>
-        <pc:sldMkLst>
-          <pc:docMk/>
-          <pc:sldMk cId="4027579158" sldId="284"/>
-        </pc:sldMkLst>
-        <pc:spChg chg="mod">
-          <ac:chgData name="laura-gombaud@laposte.net" userId="S::urn:spo:guest#laura-gombaud@laposte.net::" providerId="AD" clId="Web-{71BE8BDF-0318-0520-CF79-592274835CEC}" dt="2025-08-21T18:30:58.629" v="93" actId="20577"/>
-          <ac:spMkLst>
-            <pc:docMk/>
-            <pc:sldMk cId="4027579158" sldId="284"/>
-            <ac:spMk id="2" creationId="{09D3BF78-8874-D72E-BE71-EEC8C47919E6}"/>
-          </ac:spMkLst>
-        </pc:spChg>
-        <pc:spChg chg="del mod">
-          <ac:chgData name="laura-gombaud@laposte.net" userId="S::urn:spo:guest#laura-gombaud@laposte.net::" providerId="AD" clId="Web-{71BE8BDF-0318-0520-CF79-592274835CEC}" dt="2025-08-21T18:29:50.001" v="78"/>
-          <ac:spMkLst>
-            <pc:docMk/>
-            <pc:sldMk cId="4027579158" sldId="284"/>
-            <ac:spMk id="5" creationId="{89D272BC-BB8F-76B8-19DB-F64285AFBD20}"/>
-          </ac:spMkLst>
-        </pc:spChg>
-        <pc:spChg chg="add">
-          <ac:chgData name="laura-gombaud@laposte.net" userId="S::urn:spo:guest#laura-gombaud@laposte.net::" providerId="AD" clId="Web-{71BE8BDF-0318-0520-CF79-592274835CEC}" dt="2025-08-21T18:29:56.330" v="79"/>
-          <ac:spMkLst>
-            <pc:docMk/>
-            <pc:sldMk cId="4027579158" sldId="284"/>
-            <ac:spMk id="6" creationId="{8411189A-A2EE-3CC3-5B2F-93B7498C15E7}"/>
-          </ac:spMkLst>
-        </pc:spChg>
-        <pc:spChg chg="add">
-          <ac:chgData name="laura-gombaud@laposte.net" userId="S::urn:spo:guest#laura-gombaud@laposte.net::" providerId="AD" clId="Web-{71BE8BDF-0318-0520-CF79-592274835CEC}" dt="2025-08-21T18:29:56.345" v="80"/>
-          <ac:spMkLst>
-            <pc:docMk/>
-            <pc:sldMk cId="4027579158" sldId="284"/>
-            <ac:spMk id="8" creationId="{9A357A88-0012-3BEB-5EF8-C4BD7B9F562A}"/>
-          </ac:spMkLst>
-        </pc:spChg>
-        <pc:spChg chg="add">
-          <ac:chgData name="laura-gombaud@laposte.net" userId="S::urn:spo:guest#laura-gombaud@laposte.net::" providerId="AD" clId="Web-{71BE8BDF-0318-0520-CF79-592274835CEC}" dt="2025-08-21T18:29:56.361" v="81"/>
-          <ac:spMkLst>
-            <pc:docMk/>
-            <pc:sldMk cId="4027579158" sldId="284"/>
-            <ac:spMk id="10" creationId="{816B6EB6-ABC7-4BD0-E5B4-4F19BE71E568}"/>
-          </ac:spMkLst>
-        </pc:spChg>
-        <pc:spChg chg="add">
-          <ac:chgData name="laura-gombaud@laposte.net" userId="S::urn:spo:guest#laura-gombaud@laposte.net::" providerId="AD" clId="Web-{71BE8BDF-0318-0520-CF79-592274835CEC}" dt="2025-08-21T18:29:56.361" v="82"/>
-          <ac:spMkLst>
-            <pc:docMk/>
-            <pc:sldMk cId="4027579158" sldId="284"/>
-            <ac:spMk id="12" creationId="{AE8F0E1C-FC5A-45B8-FB63-8CEA970AC32C}"/>
-          </ac:spMkLst>
-        </pc:spChg>
-        <pc:spChg chg="add">
-          <ac:chgData name="laura-gombaud@laposte.net" userId="S::urn:spo:guest#laura-gombaud@laposte.net::" providerId="AD" clId="Web-{71BE8BDF-0318-0520-CF79-592274835CEC}" dt="2025-08-21T18:29:56.376" v="83"/>
-          <ac:spMkLst>
-            <pc:docMk/>
-            <pc:sldMk cId="4027579158" sldId="284"/>
-            <ac:spMk id="14" creationId="{251068BF-D075-D2CE-1A01-9F5F576BCF7C}"/>
-          </ac:spMkLst>
-        </pc:spChg>
-        <pc:spChg chg="add">
-          <ac:chgData name="laura-gombaud@laposte.net" userId="S::urn:spo:guest#laura-gombaud@laposte.net::" providerId="AD" clId="Web-{71BE8BDF-0318-0520-CF79-592274835CEC}" dt="2025-08-21T18:29:56.392" v="84"/>
-          <ac:spMkLst>
-            <pc:docMk/>
-            <pc:sldMk cId="4027579158" sldId="284"/>
-            <ac:spMk id="16" creationId="{36500114-6B75-40B5-C2B1-12C7364F2CFE}"/>
-          </ac:spMkLst>
-        </pc:spChg>
-        <pc:spChg chg="add">
-          <ac:chgData name="laura-gombaud@laposte.net" userId="S::urn:spo:guest#laura-gombaud@laposte.net::" providerId="AD" clId="Web-{71BE8BDF-0318-0520-CF79-592274835CEC}" dt="2025-08-21T18:29:56.408" v="85"/>
-          <ac:spMkLst>
-            <pc:docMk/>
-            <pc:sldMk cId="4027579158" sldId="284"/>
-            <ac:spMk id="18" creationId="{E13F1C31-530A-CEAD-7F40-9DF0A6F8ECAC}"/>
-          </ac:spMkLst>
-        </pc:spChg>
-        <pc:spChg chg="add">
-          <ac:chgData name="laura-gombaud@laposte.net" userId="S::urn:spo:guest#laura-gombaud@laposte.net::" providerId="AD" clId="Web-{71BE8BDF-0318-0520-CF79-592274835CEC}" dt="2025-08-21T18:29:56.423" v="86"/>
-          <ac:spMkLst>
-            <pc:docMk/>
-            <pc:sldMk cId="4027579158" sldId="284"/>
-            <ac:spMk id="20" creationId="{3940D63F-EEE5-D341-5B79-D0446136561F}"/>
-          </ac:spMkLst>
-        </pc:spChg>
-        <pc:spChg chg="add">
-          <ac:chgData name="laura-gombaud@laposte.net" userId="S::urn:spo:guest#laura-gombaud@laposte.net::" providerId="AD" clId="Web-{71BE8BDF-0318-0520-CF79-592274835CEC}" dt="2025-08-21T18:29:56.439" v="87"/>
-          <ac:spMkLst>
-            <pc:docMk/>
-            <pc:sldMk cId="4027579158" sldId="284"/>
-            <ac:spMk id="22" creationId="{33842C9B-F99C-CDCE-7236-1796671DB5F9}"/>
-          </ac:spMkLst>
-        </pc:spChg>
-      </pc:sldChg>
-      <pc:sldChg chg="addSp delSp modSp add replId">
-        <pc:chgData name="laura-gombaud@laposte.net" userId="S::urn:spo:guest#laura-gombaud@laposte.net::" providerId="AD" clId="Web-{71BE8BDF-0318-0520-CF79-592274835CEC}" dt="2025-08-21T18:33:09.743" v="132" actId="20577"/>
-        <pc:sldMkLst>
-          <pc:docMk/>
-          <pc:sldMk cId="3071230549" sldId="285"/>
-        </pc:sldMkLst>
-        <pc:spChg chg="mod">
-          <ac:chgData name="laura-gombaud@laposte.net" userId="S::urn:spo:guest#laura-gombaud@laposte.net::" providerId="AD" clId="Web-{71BE8BDF-0318-0520-CF79-592274835CEC}" dt="2025-08-21T18:33:09.743" v="132" actId="20577"/>
-          <ac:spMkLst>
-            <pc:docMk/>
-            <pc:sldMk cId="3071230549" sldId="285"/>
-            <ac:spMk id="2" creationId="{370CD6FB-7C5D-718B-497A-2E3373CBE928}"/>
-          </ac:spMkLst>
-        </pc:spChg>
-        <pc:spChg chg="add">
-          <ac:chgData name="laura-gombaud@laposte.net" userId="S::urn:spo:guest#laura-gombaud@laposte.net::" providerId="AD" clId="Web-{71BE8BDF-0318-0520-CF79-592274835CEC}" dt="2025-08-21T18:32:54.961" v="112"/>
-          <ac:spMkLst>
-            <pc:docMk/>
-            <pc:sldMk cId="3071230549" sldId="285"/>
-            <ac:spMk id="5" creationId="{276352BC-99AE-4863-D393-6F4506FD7750}"/>
-          </ac:spMkLst>
-        </pc:spChg>
-        <pc:spChg chg="del">
-          <ac:chgData name="laura-gombaud@laposte.net" userId="S::urn:spo:guest#laura-gombaud@laposte.net::" providerId="AD" clId="Web-{71BE8BDF-0318-0520-CF79-592274835CEC}" dt="2025-08-21T18:32:48.195" v="109"/>
-          <ac:spMkLst>
-            <pc:docMk/>
-            <pc:sldMk cId="3071230549" sldId="285"/>
-            <ac:spMk id="6" creationId="{5FBB9218-FE2A-A76E-BC42-908DEB7E7EA0}"/>
-          </ac:spMkLst>
-        </pc:spChg>
-        <pc:spChg chg="del">
-          <ac:chgData name="laura-gombaud@laposte.net" userId="S::urn:spo:guest#laura-gombaud@laposte.net::" providerId="AD" clId="Web-{71BE8BDF-0318-0520-CF79-592274835CEC}" dt="2025-08-21T18:32:48.195" v="108"/>
-          <ac:spMkLst>
-            <pc:docMk/>
-            <pc:sldMk cId="3071230549" sldId="285"/>
-            <ac:spMk id="8" creationId="{87CABD78-D75A-E662-546E-3C0E98D21B19}"/>
-          </ac:spMkLst>
-        </pc:spChg>
-        <pc:spChg chg="add">
-          <ac:chgData name="laura-gombaud@laposte.net" userId="S::urn:spo:guest#laura-gombaud@laposte.net::" providerId="AD" clId="Web-{71BE8BDF-0318-0520-CF79-592274835CEC}" dt="2025-08-21T18:32:54.976" v="113"/>
-          <ac:spMkLst>
-            <pc:docMk/>
-            <pc:sldMk cId="3071230549" sldId="285"/>
-            <ac:spMk id="9" creationId="{5840CB18-2AD6-7341-1D99-88B8F703C3C1}"/>
-          </ac:spMkLst>
-        </pc:spChg>
-        <pc:spChg chg="del">
-          <ac:chgData name="laura-gombaud@laposte.net" userId="S::urn:spo:guest#laura-gombaud@laposte.net::" providerId="AD" clId="Web-{71BE8BDF-0318-0520-CF79-592274835CEC}" dt="2025-08-21T18:32:48.195" v="107"/>
-          <ac:spMkLst>
-            <pc:docMk/>
-            <pc:sldMk cId="3071230549" sldId="285"/>
-            <ac:spMk id="10" creationId="{B2E51186-A305-9007-89C8-461EB25E8A9C}"/>
-          </ac:spMkLst>
-        </pc:spChg>
-        <pc:spChg chg="del">
-          <ac:chgData name="laura-gombaud@laposte.net" userId="S::urn:spo:guest#laura-gombaud@laposte.net::" providerId="AD" clId="Web-{71BE8BDF-0318-0520-CF79-592274835CEC}" dt="2025-08-21T18:32:48.195" v="106"/>
-          <ac:spMkLst>
-            <pc:docMk/>
-            <pc:sldMk cId="3071230549" sldId="285"/>
-            <ac:spMk id="12" creationId="{CB6B0178-D298-D424-461E-3D7A730428A6}"/>
-          </ac:spMkLst>
-        </pc:spChg>
-        <pc:spChg chg="add">
-          <ac:chgData name="laura-gombaud@laposte.net" userId="S::urn:spo:guest#laura-gombaud@laposte.net::" providerId="AD" clId="Web-{71BE8BDF-0318-0520-CF79-592274835CEC}" dt="2025-08-21T18:32:54.992" v="114"/>
-          <ac:spMkLst>
-            <pc:docMk/>
-            <pc:sldMk cId="3071230549" sldId="285"/>
-            <ac:spMk id="13" creationId="{4F79CA9B-A624-9E4F-26CD-A35C79540EA5}"/>
-          </ac:spMkLst>
-        </pc:spChg>
-        <pc:spChg chg="del">
-          <ac:chgData name="laura-gombaud@laposte.net" userId="S::urn:spo:guest#laura-gombaud@laposte.net::" providerId="AD" clId="Web-{71BE8BDF-0318-0520-CF79-592274835CEC}" dt="2025-08-21T18:32:48.195" v="105"/>
-          <ac:spMkLst>
-            <pc:docMk/>
-            <pc:sldMk cId="3071230549" sldId="285"/>
-            <ac:spMk id="14" creationId="{FA506E63-DF04-E265-7BB7-8A3A51F56359}"/>
-          </ac:spMkLst>
-        </pc:spChg>
-        <pc:spChg chg="del">
-          <ac:chgData name="laura-gombaud@laposte.net" userId="S::urn:spo:guest#laura-gombaud@laposte.net::" providerId="AD" clId="Web-{71BE8BDF-0318-0520-CF79-592274835CEC}" dt="2025-08-21T18:32:48.195" v="104"/>
-          <ac:spMkLst>
-            <pc:docMk/>
-            <pc:sldMk cId="3071230549" sldId="285"/>
-            <ac:spMk id="16" creationId="{51B1F185-E52B-ED60-DAC3-B7DF203364B0}"/>
-          </ac:spMkLst>
-        </pc:spChg>
-        <pc:spChg chg="add">
-          <ac:chgData name="laura-gombaud@laposte.net" userId="S::urn:spo:guest#laura-gombaud@laposte.net::" providerId="AD" clId="Web-{71BE8BDF-0318-0520-CF79-592274835CEC}" dt="2025-08-21T18:32:54.992" v="115"/>
-          <ac:spMkLst>
-            <pc:docMk/>
-            <pc:sldMk cId="3071230549" sldId="285"/>
-            <ac:spMk id="17" creationId="{BA0E78D6-791F-24B9-B5C0-68241AD8001D}"/>
-          </ac:spMkLst>
-        </pc:spChg>
-        <pc:spChg chg="del">
-          <ac:chgData name="laura-gombaud@laposte.net" userId="S::urn:spo:guest#laura-gombaud@laposte.net::" providerId="AD" clId="Web-{71BE8BDF-0318-0520-CF79-592274835CEC}" dt="2025-08-21T18:32:48.195" v="103"/>
-          <ac:spMkLst>
-            <pc:docMk/>
-            <pc:sldMk cId="3071230549" sldId="285"/>
-            <ac:spMk id="18" creationId="{39DCA616-CC31-1D89-2597-164664FB643F}"/>
-          </ac:spMkLst>
-        </pc:spChg>
-        <pc:spChg chg="del">
-          <ac:chgData name="laura-gombaud@laposte.net" userId="S::urn:spo:guest#laura-gombaud@laposte.net::" providerId="AD" clId="Web-{71BE8BDF-0318-0520-CF79-592274835CEC}" dt="2025-08-21T18:32:48.195" v="102"/>
-          <ac:spMkLst>
-            <pc:docMk/>
-            <pc:sldMk cId="3071230549" sldId="285"/>
-            <ac:spMk id="20" creationId="{4A533B25-7F21-74C3-251C-5F4C9A38AEE1}"/>
-          </ac:spMkLst>
-        </pc:spChg>
-        <pc:spChg chg="add">
-          <ac:chgData name="laura-gombaud@laposte.net" userId="S::urn:spo:guest#laura-gombaud@laposte.net::" providerId="AD" clId="Web-{71BE8BDF-0318-0520-CF79-592274835CEC}" dt="2025-08-21T18:32:55.008" v="116"/>
-          <ac:spMkLst>
-            <pc:docMk/>
-            <pc:sldMk cId="3071230549" sldId="285"/>
-            <ac:spMk id="21" creationId="{4EBC8FF8-5B81-B538-F8CB-ECDA604415DF}"/>
-          </ac:spMkLst>
-        </pc:spChg>
-        <pc:spChg chg="del">
-          <ac:chgData name="laura-gombaud@laposte.net" userId="S::urn:spo:guest#laura-gombaud@laposte.net::" providerId="AD" clId="Web-{71BE8BDF-0318-0520-CF79-592274835CEC}" dt="2025-08-21T18:32:48.195" v="101"/>
-          <ac:spMkLst>
-            <pc:docMk/>
-            <pc:sldMk cId="3071230549" sldId="285"/>
-            <ac:spMk id="22" creationId="{76176F2F-9D0A-64FA-B102-E3C73C77AACB}"/>
-          </ac:spMkLst>
-        </pc:spChg>
-        <pc:spChg chg="add">
-          <ac:chgData name="laura-gombaud@laposte.net" userId="S::urn:spo:guest#laura-gombaud@laposte.net::" providerId="AD" clId="Web-{71BE8BDF-0318-0520-CF79-592274835CEC}" dt="2025-08-21T18:32:55.023" v="117"/>
-          <ac:spMkLst>
-            <pc:docMk/>
-            <pc:sldMk cId="3071230549" sldId="285"/>
-            <ac:spMk id="24" creationId="{7E7AD5AF-8392-B6FB-CF06-162D6690F07A}"/>
-          </ac:spMkLst>
-        </pc:spChg>
-        <pc:spChg chg="add">
-          <ac:chgData name="laura-gombaud@laposte.net" userId="S::urn:spo:guest#laura-gombaud@laposte.net::" providerId="AD" clId="Web-{71BE8BDF-0318-0520-CF79-592274835CEC}" dt="2025-08-21T18:32:55.039" v="118"/>
-          <ac:spMkLst>
-            <pc:docMk/>
-            <pc:sldMk cId="3071230549" sldId="285"/>
-            <ac:spMk id="26" creationId="{8EFB4E02-B969-CDBC-C421-C8A6496F4CCA}"/>
-          </ac:spMkLst>
-        </pc:spChg>
-        <pc:spChg chg="add">
-          <ac:chgData name="laura-gombaud@laposte.net" userId="S::urn:spo:guest#laura-gombaud@laposte.net::" providerId="AD" clId="Web-{71BE8BDF-0318-0520-CF79-592274835CEC}" dt="2025-08-21T18:32:55.055" v="119"/>
-          <ac:spMkLst>
-            <pc:docMk/>
-            <pc:sldMk cId="3071230549" sldId="285"/>
-            <ac:spMk id="28" creationId="{2EA1005F-6732-3A0E-3A7A-F25240962180}"/>
-          </ac:spMkLst>
-        </pc:spChg>
-        <pc:spChg chg="add">
-          <ac:chgData name="laura-gombaud@laposte.net" userId="S::urn:spo:guest#laura-gombaud@laposte.net::" providerId="AD" clId="Web-{71BE8BDF-0318-0520-CF79-592274835CEC}" dt="2025-08-21T18:33:01.008" v="120"/>
-          <ac:spMkLst>
-            <pc:docMk/>
-            <pc:sldMk cId="3071230549" sldId="285"/>
-            <ac:spMk id="30" creationId="{EFD744C0-0197-D7C3-F10B-FE025BCE5208}"/>
-          </ac:spMkLst>
-        </pc:spChg>
-        <pc:spChg chg="del">
-          <ac:chgData name="laura-gombaud@laposte.net" userId="S::urn:spo:guest#laura-gombaud@laposte.net::" providerId="AD" clId="Web-{71BE8BDF-0318-0520-CF79-592274835CEC}" dt="2025-08-21T18:32:48.195" v="111"/>
-          <ac:spMkLst>
-            <pc:docMk/>
-            <pc:sldMk cId="3071230549" sldId="285"/>
-            <ac:spMk id="68" creationId="{B41C55B4-5DAD-0591-ACCA-68890E493EE6}"/>
-          </ac:spMkLst>
-        </pc:spChg>
-        <pc:spChg chg="del">
-          <ac:chgData name="laura-gombaud@laposte.net" userId="S::urn:spo:guest#laura-gombaud@laposte.net::" providerId="AD" clId="Web-{71BE8BDF-0318-0520-CF79-592274835CEC}" dt="2025-08-21T18:32:48.195" v="110"/>
-          <ac:spMkLst>
-            <pc:docMk/>
-            <pc:sldMk cId="3071230549" sldId="285"/>
-            <ac:spMk id="72" creationId="{C2C4BBD3-DAB4-6E11-6B57-18C62D68311D}"/>
-          </ac:spMkLst>
-        </pc:spChg>
-      </pc:sldChg>
-      <pc:sldChg chg="addSp delSp modSp add replId">
-        <pc:chgData name="laura-gombaud@laposte.net" userId="S::urn:spo:guest#laura-gombaud@laposte.net::" providerId="AD" clId="Web-{71BE8BDF-0318-0520-CF79-592274835CEC}" dt="2025-08-21T18:33:51.682" v="158"/>
-        <pc:sldMkLst>
-          <pc:docMk/>
-          <pc:sldMk cId="1742769017" sldId="286"/>
-        </pc:sldMkLst>
-        <pc:spChg chg="mod">
-          <ac:chgData name="laura-gombaud@laposte.net" userId="S::urn:spo:guest#laura-gombaud@laposte.net::" providerId="AD" clId="Web-{71BE8BDF-0318-0520-CF79-592274835CEC}" dt="2025-08-21T18:33:43.978" v="157" actId="20577"/>
-          <ac:spMkLst>
-            <pc:docMk/>
-            <pc:sldMk cId="1742769017" sldId="286"/>
-            <ac:spMk id="2" creationId="{88D8EE33-E501-92EB-AFE7-10A5A2F063E8}"/>
-          </ac:spMkLst>
-        </pc:spChg>
-        <pc:spChg chg="del">
-          <ac:chgData name="laura-gombaud@laposte.net" userId="S::urn:spo:guest#laura-gombaud@laposte.net::" providerId="AD" clId="Web-{71BE8BDF-0318-0520-CF79-592274835CEC}" dt="2025-08-21T18:33:32.681" v="143"/>
-          <ac:spMkLst>
-            <pc:docMk/>
-            <pc:sldMk cId="1742769017" sldId="286"/>
-            <ac:spMk id="5" creationId="{D99A1C50-4276-8BED-5483-8CE1D637F68F}"/>
-          </ac:spMkLst>
-        </pc:spChg>
-        <pc:spChg chg="add">
-          <ac:chgData name="laura-gombaud@laposte.net" userId="S::urn:spo:guest#laura-gombaud@laposte.net::" providerId="AD" clId="Web-{71BE8BDF-0318-0520-CF79-592274835CEC}" dt="2025-08-21T18:33:39.572" v="144"/>
-          <ac:spMkLst>
-            <pc:docMk/>
-            <pc:sldMk cId="1742769017" sldId="286"/>
-            <ac:spMk id="6" creationId="{EAAE1570-A68F-07DC-79C7-01BC33466FC9}"/>
-          </ac:spMkLst>
-        </pc:spChg>
-        <pc:spChg chg="add">
-          <ac:chgData name="laura-gombaud@laposte.net" userId="S::urn:spo:guest#laura-gombaud@laposte.net::" providerId="AD" clId="Web-{71BE8BDF-0318-0520-CF79-592274835CEC}" dt="2025-08-21T18:33:39.587" v="145"/>
-          <ac:spMkLst>
-            <pc:docMk/>
-            <pc:sldMk cId="1742769017" sldId="286"/>
-            <ac:spMk id="8" creationId="{7E0E1AB7-F056-ABA7-BEB1-A3BC1EB9D22F}"/>
-          </ac:spMkLst>
-        </pc:spChg>
-        <pc:spChg chg="del">
-          <ac:chgData name="laura-gombaud@laposte.net" userId="S::urn:spo:guest#laura-gombaud@laposte.net::" providerId="AD" clId="Web-{71BE8BDF-0318-0520-CF79-592274835CEC}" dt="2025-08-21T18:33:32.681" v="142"/>
-          <ac:spMkLst>
-            <pc:docMk/>
-            <pc:sldMk cId="1742769017" sldId="286"/>
-            <ac:spMk id="9" creationId="{A2A76F8B-5778-0459-C5EC-410E61DFC66B}"/>
-          </ac:spMkLst>
-        </pc:spChg>
-        <pc:spChg chg="add">
-          <ac:chgData name="laura-gombaud@laposte.net" userId="S::urn:spo:guest#laura-gombaud@laposte.net::" providerId="AD" clId="Web-{71BE8BDF-0318-0520-CF79-592274835CEC}" dt="2025-08-21T18:33:39.587" v="146"/>
-          <ac:spMkLst>
-            <pc:docMk/>
-            <pc:sldMk cId="1742769017" sldId="286"/>
-            <ac:spMk id="11" creationId="{748CEEC4-032E-6075-42CF-76AD2022ABEA}"/>
-          </ac:spMkLst>
-        </pc:spChg>
-        <pc:spChg chg="del">
-          <ac:chgData name="laura-gombaud@laposte.net" userId="S::urn:spo:guest#laura-gombaud@laposte.net::" providerId="AD" clId="Web-{71BE8BDF-0318-0520-CF79-592274835CEC}" dt="2025-08-21T18:33:32.681" v="141"/>
-          <ac:spMkLst>
-            <pc:docMk/>
-            <pc:sldMk cId="1742769017" sldId="286"/>
-            <ac:spMk id="13" creationId="{755E5D8B-A03E-B02B-2BB5-3C63E6A2C992}"/>
-          </ac:spMkLst>
-        </pc:spChg>
-        <pc:spChg chg="add">
-          <ac:chgData name="laura-gombaud@laposte.net" userId="S::urn:spo:guest#laura-gombaud@laposte.net::" providerId="AD" clId="Web-{71BE8BDF-0318-0520-CF79-592274835CEC}" dt="2025-08-21T18:33:39.603" v="147"/>
-          <ac:spMkLst>
-            <pc:docMk/>
-            <pc:sldMk cId="1742769017" sldId="286"/>
-            <ac:spMk id="14" creationId="{7E5E5720-3677-2094-7CF9-7392DD528646}"/>
-          </ac:spMkLst>
-        </pc:spChg>
-        <pc:spChg chg="add">
-          <ac:chgData name="laura-gombaud@laposte.net" userId="S::urn:spo:guest#laura-gombaud@laposte.net::" providerId="AD" clId="Web-{71BE8BDF-0318-0520-CF79-592274835CEC}" dt="2025-08-21T18:33:39.619" v="148"/>
-          <ac:spMkLst>
-            <pc:docMk/>
-            <pc:sldMk cId="1742769017" sldId="286"/>
-            <ac:spMk id="16" creationId="{39FE5EA8-C695-42BC-6528-8BE6942E804B}"/>
-          </ac:spMkLst>
-        </pc:spChg>
-        <pc:spChg chg="del">
-          <ac:chgData name="laura-gombaud@laposte.net" userId="S::urn:spo:guest#laura-gombaud@laposte.net::" providerId="AD" clId="Web-{71BE8BDF-0318-0520-CF79-592274835CEC}" dt="2025-08-21T18:33:32.681" v="140"/>
-          <ac:spMkLst>
-            <pc:docMk/>
-            <pc:sldMk cId="1742769017" sldId="286"/>
-            <ac:spMk id="17" creationId="{CBA32C5B-1C22-BC6C-F6E3-CB8C7B707225}"/>
-          </ac:spMkLst>
-        </pc:spChg>
-        <pc:spChg chg="add">
-          <ac:chgData name="laura-gombaud@laposte.net" userId="S::urn:spo:guest#laura-gombaud@laposte.net::" providerId="AD" clId="Web-{71BE8BDF-0318-0520-CF79-592274835CEC}" dt="2025-08-21T18:33:39.634" v="149"/>
-          <ac:spMkLst>
-            <pc:docMk/>
-            <pc:sldMk cId="1742769017" sldId="286"/>
-            <ac:spMk id="19" creationId="{94EC1D53-BE7E-5A92-7377-A4F188834446}"/>
-          </ac:spMkLst>
-        </pc:spChg>
-        <pc:spChg chg="del">
-          <ac:chgData name="laura-gombaud@laposte.net" userId="S::urn:spo:guest#laura-gombaud@laposte.net::" providerId="AD" clId="Web-{71BE8BDF-0318-0520-CF79-592274835CEC}" dt="2025-08-21T18:33:32.681" v="139"/>
-          <ac:spMkLst>
-            <pc:docMk/>
-            <pc:sldMk cId="1742769017" sldId="286"/>
-            <ac:spMk id="21" creationId="{F936398C-1AD5-28EB-D91E-1565CE0A414D}"/>
-          </ac:spMkLst>
-        </pc:spChg>
-        <pc:spChg chg="add">
-          <ac:chgData name="laura-gombaud@laposte.net" userId="S::urn:spo:guest#laura-gombaud@laposte.net::" providerId="AD" clId="Web-{71BE8BDF-0318-0520-CF79-592274835CEC}" dt="2025-08-21T18:33:51.682" v="158"/>
-          <ac:spMkLst>
-            <pc:docMk/>
-            <pc:sldMk cId="1742769017" sldId="286"/>
-            <ac:spMk id="22" creationId="{D631D76F-7C1F-8C8D-2652-362C7A6048D2}"/>
-          </ac:spMkLst>
-        </pc:spChg>
-        <pc:spChg chg="del">
-          <ac:chgData name="laura-gombaud@laposte.net" userId="S::urn:spo:guest#laura-gombaud@laposte.net::" providerId="AD" clId="Web-{71BE8BDF-0318-0520-CF79-592274835CEC}" dt="2025-08-21T18:33:32.681" v="138"/>
-          <ac:spMkLst>
-            <pc:docMk/>
-            <pc:sldMk cId="1742769017" sldId="286"/>
-            <ac:spMk id="24" creationId="{9881564B-9105-54BA-3722-68148558722A}"/>
-          </ac:spMkLst>
-        </pc:spChg>
-        <pc:spChg chg="del">
-          <ac:chgData name="laura-gombaud@laposte.net" userId="S::urn:spo:guest#laura-gombaud@laposte.net::" providerId="AD" clId="Web-{71BE8BDF-0318-0520-CF79-592274835CEC}" dt="2025-08-21T18:33:32.681" v="137"/>
-          <ac:spMkLst>
-            <pc:docMk/>
-            <pc:sldMk cId="1742769017" sldId="286"/>
-            <ac:spMk id="26" creationId="{E13DFF38-328D-9932-3724-702900F05DAA}"/>
-          </ac:spMkLst>
-        </pc:spChg>
-        <pc:spChg chg="del">
-          <ac:chgData name="laura-gombaud@laposte.net" userId="S::urn:spo:guest#laura-gombaud@laposte.net::" providerId="AD" clId="Web-{71BE8BDF-0318-0520-CF79-592274835CEC}" dt="2025-08-21T18:33:32.681" v="136"/>
-          <ac:spMkLst>
-            <pc:docMk/>
-            <pc:sldMk cId="1742769017" sldId="286"/>
-            <ac:spMk id="28" creationId="{25A92A38-8AF4-F37B-AD85-8596E2BCD9FB}"/>
-          </ac:spMkLst>
-        </pc:spChg>
-        <pc:spChg chg="del">
-          <ac:chgData name="laura-gombaud@laposte.net" userId="S::urn:spo:guest#laura-gombaud@laposte.net::" providerId="AD" clId="Web-{71BE8BDF-0318-0520-CF79-592274835CEC}" dt="2025-08-21T18:33:32.681" v="135"/>
-          <ac:spMkLst>
-            <pc:docMk/>
-            <pc:sldMk cId="1742769017" sldId="286"/>
-            <ac:spMk id="30" creationId="{60CBD37D-CFDD-3EFD-4A6D-EFC466F64C80}"/>
-          </ac:spMkLst>
-        </pc:spChg>
-      </pc:sldChg>
-      <pc:sldChg chg="addSp delSp modSp add replId">
-        <pc:chgData name="laura-gombaud@laposte.net" userId="S::urn:spo:guest#laura-gombaud@laposte.net::" providerId="AD" clId="Web-{71BE8BDF-0318-0520-CF79-592274835CEC}" dt="2025-08-21T18:34:30.292" v="183" actId="20577"/>
-        <pc:sldMkLst>
-          <pc:docMk/>
-          <pc:sldMk cId="3013676594" sldId="287"/>
-        </pc:sldMkLst>
-        <pc:spChg chg="mod">
-          <ac:chgData name="laura-gombaud@laposte.net" userId="S::urn:spo:guest#laura-gombaud@laposte.net::" providerId="AD" clId="Web-{71BE8BDF-0318-0520-CF79-592274835CEC}" dt="2025-08-21T18:34:30.292" v="183" actId="20577"/>
-          <ac:spMkLst>
-            <pc:docMk/>
-            <pc:sldMk cId="3013676594" sldId="287"/>
-            <ac:spMk id="2" creationId="{2BEE66A1-3A2A-D92D-A003-B4FA63471A79}"/>
-          </ac:spMkLst>
-        </pc:spChg>
-        <pc:spChg chg="add">
-          <ac:chgData name="laura-gombaud@laposte.net" userId="S::urn:spo:guest#laura-gombaud@laposte.net::" providerId="AD" clId="Web-{71BE8BDF-0318-0520-CF79-592274835CEC}" dt="2025-08-21T18:34:25.495" v="170"/>
-          <ac:spMkLst>
-            <pc:docMk/>
-            <pc:sldMk cId="3013676594" sldId="287"/>
-            <ac:spMk id="5" creationId="{20D6AABD-220B-6FF3-C7CE-E7868D8E466E}"/>
-          </ac:spMkLst>
-        </pc:spChg>
-        <pc:spChg chg="del">
-          <ac:chgData name="laura-gombaud@laposte.net" userId="S::urn:spo:guest#laura-gombaud@laposte.net::" providerId="AD" clId="Web-{71BE8BDF-0318-0520-CF79-592274835CEC}" dt="2025-08-21T18:34:23.261" v="169"/>
-          <ac:spMkLst>
-            <pc:docMk/>
-            <pc:sldMk cId="3013676594" sldId="287"/>
-            <ac:spMk id="6" creationId="{D239D35A-6920-A7BD-67FA-5E4627E66958}"/>
-          </ac:spMkLst>
-        </pc:spChg>
-        <pc:spChg chg="del">
-          <ac:chgData name="laura-gombaud@laposte.net" userId="S::urn:spo:guest#laura-gombaud@laposte.net::" providerId="AD" clId="Web-{71BE8BDF-0318-0520-CF79-592274835CEC}" dt="2025-08-21T18:34:07.932" v="161"/>
-          <ac:spMkLst>
-            <pc:docMk/>
-            <pc:sldMk cId="3013676594" sldId="287"/>
-            <ac:spMk id="8" creationId="{7DB68101-5825-B4AD-A254-12510FB3C153}"/>
-          </ac:spMkLst>
-        </pc:spChg>
-        <pc:spChg chg="add">
-          <ac:chgData name="laura-gombaud@laposte.net" userId="S::urn:spo:guest#laura-gombaud@laposte.net::" providerId="AD" clId="Web-{71BE8BDF-0318-0520-CF79-592274835CEC}" dt="2025-08-21T18:34:25.511" v="171"/>
-          <ac:spMkLst>
-            <pc:docMk/>
-            <pc:sldMk cId="3013676594" sldId="287"/>
-            <ac:spMk id="9" creationId="{ED521991-F727-70D1-072E-8132DBF0FD39}"/>
-          </ac:spMkLst>
-        </pc:spChg>
-        <pc:spChg chg="del mod">
-          <ac:chgData name="laura-gombaud@laposte.net" userId="S::urn:spo:guest#laura-gombaud@laposte.net::" providerId="AD" clId="Web-{71BE8BDF-0318-0520-CF79-592274835CEC}" dt="2025-08-21T18:34:14.761" v="166"/>
-          <ac:spMkLst>
-            <pc:docMk/>
-            <pc:sldMk cId="3013676594" sldId="287"/>
-            <ac:spMk id="11" creationId="{5C1F8F32-4AFE-73C9-37C6-5FAA30E0C97D}"/>
-          </ac:spMkLst>
-        </pc:spChg>
-        <pc:spChg chg="add">
-          <ac:chgData name="laura-gombaud@laposte.net" userId="S::urn:spo:guest#laura-gombaud@laposte.net::" providerId="AD" clId="Web-{71BE8BDF-0318-0520-CF79-592274835CEC}" dt="2025-08-21T18:34:25.511" v="172"/>
-          <ac:spMkLst>
-            <pc:docMk/>
-            <pc:sldMk cId="3013676594" sldId="287"/>
-            <ac:spMk id="12" creationId="{130AB938-9BC2-2201-EA86-BB3C1A30C947}"/>
-          </ac:spMkLst>
-        </pc:spChg>
-        <pc:spChg chg="del">
-          <ac:chgData name="laura-gombaud@laposte.net" userId="S::urn:spo:guest#laura-gombaud@laposte.net::" providerId="AD" clId="Web-{71BE8BDF-0318-0520-CF79-592274835CEC}" dt="2025-08-21T18:34:16.776" v="167"/>
-          <ac:spMkLst>
-            <pc:docMk/>
-            <pc:sldMk cId="3013676594" sldId="287"/>
-            <ac:spMk id="14" creationId="{9B0C9C08-8D7B-1A58-3B26-30BA6893A8A4}"/>
-          </ac:spMkLst>
-        </pc:spChg>
-        <pc:spChg chg="add">
-          <ac:chgData name="laura-gombaud@laposte.net" userId="S::urn:spo:guest#laura-gombaud@laposte.net::" providerId="AD" clId="Web-{71BE8BDF-0318-0520-CF79-592274835CEC}" dt="2025-08-21T18:34:25.542" v="173"/>
-          <ac:spMkLst>
-            <pc:docMk/>
-            <pc:sldMk cId="3013676594" sldId="287"/>
-            <ac:spMk id="15" creationId="{DC6B09B4-EEE3-CDC3-2E7B-0BC0B4D02404}"/>
-          </ac:spMkLst>
-        </pc:spChg>
-        <pc:spChg chg="del mod">
-          <ac:chgData name="laura-gombaud@laposte.net" userId="S::urn:spo:guest#laura-gombaud@laposte.net::" providerId="AD" clId="Web-{71BE8BDF-0318-0520-CF79-592274835CEC}" dt="2025-08-21T18:34:12.167" v="165"/>
-          <ac:spMkLst>
-            <pc:docMk/>
-            <pc:sldMk cId="3013676594" sldId="287"/>
-            <ac:spMk id="16" creationId="{61A5DC26-9868-892C-4061-E7718770F1C7}"/>
-          </ac:spMkLst>
-        </pc:spChg>
-        <pc:spChg chg="add">
-          <ac:chgData name="laura-gombaud@laposte.net" userId="S::urn:spo:guest#laura-gombaud@laposte.net::" providerId="AD" clId="Web-{71BE8BDF-0318-0520-CF79-592274835CEC}" dt="2025-08-21T18:34:25.542" v="174"/>
-          <ac:spMkLst>
-            <pc:docMk/>
-            <pc:sldMk cId="3013676594" sldId="287"/>
-            <ac:spMk id="18" creationId="{905E2252-0396-5D05-422C-6A5079C268B0}"/>
-          </ac:spMkLst>
-        </pc:spChg>
-        <pc:spChg chg="del">
-          <ac:chgData name="laura-gombaud@laposte.net" userId="S::urn:spo:guest#laura-gombaud@laposte.net::" providerId="AD" clId="Web-{71BE8BDF-0318-0520-CF79-592274835CEC}" dt="2025-08-21T18:34:21.589" v="168"/>
-          <ac:spMkLst>
-            <pc:docMk/>
-            <pc:sldMk cId="3013676594" sldId="287"/>
-            <ac:spMk id="19" creationId="{1C2D5E94-16C5-6DB2-8D28-7CC548954C6A}"/>
-          </ac:spMkLst>
-        </pc:spChg>
-      </pc:sldChg>
-      <pc:sldChg chg="modSp add ord replId">
-        <pc:chgData name="laura-gombaud@laposte.net" userId="S::urn:spo:guest#laura-gombaud@laposte.net::" providerId="AD" clId="Web-{71BE8BDF-0318-0520-CF79-592274835CEC}" dt="2025-08-21T18:35:42.795" v="210" actId="20577"/>
-        <pc:sldMkLst>
-          <pc:docMk/>
-          <pc:sldMk cId="4084345543" sldId="288"/>
-        </pc:sldMkLst>
-        <pc:spChg chg="mod">
-          <ac:chgData name="laura-gombaud@laposte.net" userId="S::urn:spo:guest#laura-gombaud@laposte.net::" providerId="AD" clId="Web-{71BE8BDF-0318-0520-CF79-592274835CEC}" dt="2025-08-21T18:34:49.559" v="192" actId="20577"/>
-          <ac:spMkLst>
-            <pc:docMk/>
-            <pc:sldMk cId="4084345543" sldId="288"/>
-            <ac:spMk id="2" creationId="{4C9219CA-4D03-34D8-E4A1-BC7999B99F85}"/>
-          </ac:spMkLst>
-        </pc:spChg>
-        <pc:spChg chg="mod">
-          <ac:chgData name="laura-gombaud@laposte.net" userId="S::urn:spo:guest#laura-gombaud@laposte.net::" providerId="AD" clId="Web-{71BE8BDF-0318-0520-CF79-592274835CEC}" dt="2025-08-21T18:35:42.795" v="210" actId="20577"/>
-          <ac:spMkLst>
-            <pc:docMk/>
-            <pc:sldMk cId="4084345543" sldId="288"/>
-            <ac:spMk id="5" creationId="{60FDBCCE-0B8C-F788-CD14-912E55E0D309}"/>
-          </ac:spMkLst>
-        </pc:spChg>
-      </pc:sldChg>
-      <pc:sldChg chg="modSp add replId">
-        <pc:chgData name="laura-gombaud@laposte.net" userId="S::urn:spo:guest#laura-gombaud@laposte.net::" providerId="AD" clId="Web-{71BE8BDF-0318-0520-CF79-592274835CEC}" dt="2025-08-21T18:36:26.593" v="229" actId="14100"/>
-        <pc:sldMkLst>
-          <pc:docMk/>
-          <pc:sldMk cId="2995828029" sldId="289"/>
-        </pc:sldMkLst>
-        <pc:spChg chg="mod">
-          <ac:chgData name="laura-gombaud@laposte.net" userId="S::urn:spo:guest#laura-gombaud@laposte.net::" providerId="AD" clId="Web-{71BE8BDF-0318-0520-CF79-592274835CEC}" dt="2025-08-21T18:36:01.014" v="221" actId="20577"/>
-          <ac:spMkLst>
-            <pc:docMk/>
-            <pc:sldMk cId="2995828029" sldId="289"/>
-            <ac:spMk id="2" creationId="{F8759BAE-CEBE-A2C9-A8AE-1678876D61C2}"/>
-          </ac:spMkLst>
-        </pc:spChg>
-        <pc:spChg chg="mod">
-          <ac:chgData name="laura-gombaud@laposte.net" userId="S::urn:spo:guest#laura-gombaud@laposte.net::" providerId="AD" clId="Web-{71BE8BDF-0318-0520-CF79-592274835CEC}" dt="2025-08-21T18:36:26.593" v="229" actId="14100"/>
-          <ac:spMkLst>
-            <pc:docMk/>
-            <pc:sldMk cId="2995828029" sldId="289"/>
-            <ac:spMk id="5" creationId="{0BA68FD3-2E25-BA87-93F4-4E33657A1690}"/>
-          </ac:spMkLst>
-        </pc:spChg>
-      </pc:sldChg>
-      <pc:sldChg chg="add replId">
-        <pc:chgData name="laura-gombaud@laposte.net" userId="S::urn:spo:guest#laura-gombaud@laposte.net::" providerId="AD" clId="Web-{71BE8BDF-0318-0520-CF79-592274835CEC}" dt="2025-08-21T18:36:36.703" v="230"/>
-        <pc:sldMkLst>
-          <pc:docMk/>
-          <pc:sldMk cId="3484910101" sldId="290"/>
+          <pc:sldMk cId="2928013113" sldId="256"/>
         </pc:sldMkLst>
       </pc:sldChg>
     </pc:docChg>
   </pc:docChgLst>
   <pc:docChgLst>
-    <pc:chgData name="laura-gombaud@laposte.net" userId="S::urn:spo:guest#laura-gombaud@laposte.net::" providerId="AD" clId="Web-{25F9C9B1-D2F4-3B0B-70D2-5D1C961DBDAC}"/>
-    <pc:docChg chg="addSld modSld sldOrd modMainMaster">
-      <pc:chgData name="laura-gombaud@laposte.net" userId="S::urn:spo:guest#laura-gombaud@laposte.net::" providerId="AD" clId="Web-{25F9C9B1-D2F4-3B0B-70D2-5D1C961DBDAC}" dt="2025-08-11T09:28:56.765" v="1296"/>
-      <pc:docMkLst>
-        <pc:docMk/>
-      </pc:docMkLst>
-      <pc:sldChg chg="addSp delSp modSp mod setBg">
-        <pc:chgData name="laura-gombaud@laposte.net" userId="S::urn:spo:guest#laura-gombaud@laposte.net::" providerId="AD" clId="Web-{25F9C9B1-D2F4-3B0B-70D2-5D1C961DBDAC}" dt="2025-08-11T09:28:54.594" v="1295"/>
-        <pc:sldMkLst>
-          <pc:docMk/>
-          <pc:sldMk cId="2928013113" sldId="256"/>
-        </pc:sldMkLst>
-      </pc:sldChg>
-      <pc:sldChg chg="addSp modSp new">
-        <pc:chgData name="laura-gombaud@laposte.net" userId="S::urn:spo:guest#laura-gombaud@laposte.net::" providerId="AD" clId="Web-{25F9C9B1-D2F4-3B0B-70D2-5D1C961DBDAC}" dt="2025-08-11T09:28:56.765" v="1296"/>
-        <pc:sldMkLst>
-          <pc:docMk/>
-          <pc:sldMk cId="734883131" sldId="257"/>
-        </pc:sldMkLst>
-      </pc:sldChg>
-      <pc:sldChg chg="addSp delSp modSp new">
-        <pc:chgData name="laura-gombaud@laposte.net" userId="S::urn:spo:guest#laura-gombaud@laposte.net::" providerId="AD" clId="Web-{25F9C9B1-D2F4-3B0B-70D2-5D1C961DBDAC}" dt="2025-08-11T09:28:54.594" v="1295"/>
-        <pc:sldMkLst>
-          <pc:docMk/>
-          <pc:sldMk cId="1498634148" sldId="258"/>
-        </pc:sldMkLst>
-      </pc:sldChg>
-      <pc:sldChg chg="addSp delSp modSp new">
-        <pc:chgData name="laura-gombaud@laposte.net" userId="S::urn:spo:guest#laura-gombaud@laposte.net::" providerId="AD" clId="Web-{25F9C9B1-D2F4-3B0B-70D2-5D1C961DBDAC}" dt="2025-08-11T09:28:54.594" v="1295"/>
-        <pc:sldMkLst>
-          <pc:docMk/>
-          <pc:sldMk cId="1333340679" sldId="259"/>
-        </pc:sldMkLst>
-      </pc:sldChg>
-      <pc:sldChg chg="addSp delSp modSp add replId">
-        <pc:chgData name="laura-gombaud@laposte.net" userId="S::urn:spo:guest#laura-gombaud@laposte.net::" providerId="AD" clId="Web-{25F9C9B1-D2F4-3B0B-70D2-5D1C961DBDAC}" dt="2025-08-11T09:28:54.594" v="1295"/>
-        <pc:sldMkLst>
-          <pc:docMk/>
-          <pc:sldMk cId="3329527172" sldId="260"/>
-        </pc:sldMkLst>
-      </pc:sldChg>
-      <pc:sldChg chg="addSp delSp modSp add replId">
-        <pc:chgData name="laura-gombaud@laposte.net" userId="S::urn:spo:guest#laura-gombaud@laposte.net::" providerId="AD" clId="Web-{25F9C9B1-D2F4-3B0B-70D2-5D1C961DBDAC}" dt="2025-08-11T09:28:54.594" v="1295"/>
-        <pc:sldMkLst>
-          <pc:docMk/>
-          <pc:sldMk cId="3877687722" sldId="261"/>
-        </pc:sldMkLst>
-      </pc:sldChg>
-      <pc:sldChg chg="addSp delSp modSp add replId">
-        <pc:chgData name="laura-gombaud@laposte.net" userId="S::urn:spo:guest#laura-gombaud@laposte.net::" providerId="AD" clId="Web-{25F9C9B1-D2F4-3B0B-70D2-5D1C961DBDAC}" dt="2025-08-11T09:28:54.594" v="1295"/>
-        <pc:sldMkLst>
-          <pc:docMk/>
-          <pc:sldMk cId="2084924560" sldId="262"/>
-        </pc:sldMkLst>
-      </pc:sldChg>
-      <pc:sldChg chg="addSp delSp modSp add ord replId">
-        <pc:chgData name="laura-gombaud@laposte.net" userId="S::urn:spo:guest#laura-gombaud@laposte.net::" providerId="AD" clId="Web-{25F9C9B1-D2F4-3B0B-70D2-5D1C961DBDAC}" dt="2025-08-11T09:28:54.594" v="1295"/>
-        <pc:sldMkLst>
-          <pc:docMk/>
-          <pc:sldMk cId="1336956524" sldId="263"/>
-        </pc:sldMkLst>
-      </pc:sldChg>
-      <pc:sldChg chg="addSp delSp modSp add ord replId">
-        <pc:chgData name="laura-gombaud@laposte.net" userId="S::urn:spo:guest#laura-gombaud@laposte.net::" providerId="AD" clId="Web-{25F9C9B1-D2F4-3B0B-70D2-5D1C961DBDAC}" dt="2025-08-11T09:28:54.594" v="1295"/>
-        <pc:sldMkLst>
-          <pc:docMk/>
-          <pc:sldMk cId="3973580852" sldId="264"/>
-        </pc:sldMkLst>
-      </pc:sldChg>
-      <pc:sldMasterChg chg="modSp mod modSldLayout">
-        <pc:chgData name="laura-gombaud@laposte.net" userId="S::urn:spo:guest#laura-gombaud@laposte.net::" providerId="AD" clId="Web-{25F9C9B1-D2F4-3B0B-70D2-5D1C961DBDAC}" dt="2025-08-11T09:28:54.594" v="1295"/>
-        <pc:sldMasterMkLst>
-          <pc:docMk/>
-          <pc:sldMasterMk cId="474013707" sldId="2147483660"/>
-        </pc:sldMasterMkLst>
-        <pc:sldLayoutChg chg="modSp mod">
-          <pc:chgData name="laura-gombaud@laposte.net" userId="S::urn:spo:guest#laura-gombaud@laposte.net::" providerId="AD" clId="Web-{25F9C9B1-D2F4-3B0B-70D2-5D1C961DBDAC}" dt="2025-08-11T09:28:54.594" v="1295"/>
-          <pc:sldLayoutMkLst>
-            <pc:docMk/>
-            <pc:sldMasterMk cId="474013707" sldId="2147483660"/>
-            <pc:sldLayoutMk cId="1052586614" sldId="2147483661"/>
-          </pc:sldLayoutMkLst>
-        </pc:sldLayoutChg>
-        <pc:sldLayoutChg chg="modSp mod">
-          <pc:chgData name="laura-gombaud@laposte.net" userId="S::urn:spo:guest#laura-gombaud@laposte.net::" providerId="AD" clId="Web-{25F9C9B1-D2F4-3B0B-70D2-5D1C961DBDAC}" dt="2025-08-11T09:28:54.594" v="1295"/>
-          <pc:sldLayoutMkLst>
-            <pc:docMk/>
-            <pc:sldMasterMk cId="474013707" sldId="2147483660"/>
-            <pc:sldLayoutMk cId="1689560760" sldId="2147483662"/>
-          </pc:sldLayoutMkLst>
-        </pc:sldLayoutChg>
-        <pc:sldLayoutChg chg="modSp mod">
-          <pc:chgData name="laura-gombaud@laposte.net" userId="S::urn:spo:guest#laura-gombaud@laposte.net::" providerId="AD" clId="Web-{25F9C9B1-D2F4-3B0B-70D2-5D1C961DBDAC}" dt="2025-08-11T09:28:54.594" v="1295"/>
-          <pc:sldLayoutMkLst>
-            <pc:docMk/>
-            <pc:sldMasterMk cId="474013707" sldId="2147483660"/>
-            <pc:sldLayoutMk cId="1654917337" sldId="2147483663"/>
-          </pc:sldLayoutMkLst>
-        </pc:sldLayoutChg>
-        <pc:sldLayoutChg chg="modSp mod">
-          <pc:chgData name="laura-gombaud@laposte.net" userId="S::urn:spo:guest#laura-gombaud@laposte.net::" providerId="AD" clId="Web-{25F9C9B1-D2F4-3B0B-70D2-5D1C961DBDAC}" dt="2025-08-11T09:28:54.594" v="1295"/>
-          <pc:sldLayoutMkLst>
-            <pc:docMk/>
-            <pc:sldMasterMk cId="474013707" sldId="2147483660"/>
-            <pc:sldLayoutMk cId="843323884" sldId="2147483664"/>
-          </pc:sldLayoutMkLst>
-        </pc:sldLayoutChg>
-        <pc:sldLayoutChg chg="modSp mod">
-          <pc:chgData name="laura-gombaud@laposte.net" userId="S::urn:spo:guest#laura-gombaud@laposte.net::" providerId="AD" clId="Web-{25F9C9B1-D2F4-3B0B-70D2-5D1C961DBDAC}" dt="2025-08-11T09:28:54.594" v="1295"/>
-          <pc:sldLayoutMkLst>
-            <pc:docMk/>
-            <pc:sldMasterMk cId="474013707" sldId="2147483660"/>
-            <pc:sldLayoutMk cId="2827557155" sldId="2147483665"/>
-          </pc:sldLayoutMkLst>
-        </pc:sldLayoutChg>
-        <pc:sldLayoutChg chg="modSp mod">
-          <pc:chgData name="laura-gombaud@laposte.net" userId="S::urn:spo:guest#laura-gombaud@laposte.net::" providerId="AD" clId="Web-{25F9C9B1-D2F4-3B0B-70D2-5D1C961DBDAC}" dt="2025-08-11T09:28:54.594" v="1295"/>
-          <pc:sldLayoutMkLst>
-            <pc:docMk/>
-            <pc:sldMasterMk cId="474013707" sldId="2147483660"/>
-            <pc:sldLayoutMk cId="2626983362" sldId="2147483666"/>
-          </pc:sldLayoutMkLst>
-        </pc:sldLayoutChg>
-        <pc:sldLayoutChg chg="modSp mod">
-          <pc:chgData name="laura-gombaud@laposte.net" userId="S::urn:spo:guest#laura-gombaud@laposte.net::" providerId="AD" clId="Web-{25F9C9B1-D2F4-3B0B-70D2-5D1C961DBDAC}" dt="2025-08-11T09:28:54.594" v="1295"/>
-          <pc:sldLayoutMkLst>
-            <pc:docMk/>
-            <pc:sldMasterMk cId="474013707" sldId="2147483660"/>
-            <pc:sldLayoutMk cId="920100566" sldId="2147483667"/>
-          </pc:sldLayoutMkLst>
-        </pc:sldLayoutChg>
-        <pc:sldLayoutChg chg="modSp mod">
-          <pc:chgData name="laura-gombaud@laposte.net" userId="S::urn:spo:guest#laura-gombaud@laposte.net::" providerId="AD" clId="Web-{25F9C9B1-D2F4-3B0B-70D2-5D1C961DBDAC}" dt="2025-08-11T09:28:54.594" v="1295"/>
-          <pc:sldLayoutMkLst>
-            <pc:docMk/>
-            <pc:sldMasterMk cId="474013707" sldId="2147483660"/>
-            <pc:sldLayoutMk cId="3555684344" sldId="2147483668"/>
-          </pc:sldLayoutMkLst>
-        </pc:sldLayoutChg>
-        <pc:sldLayoutChg chg="modSp mod">
-          <pc:chgData name="laura-gombaud@laposte.net" userId="S::urn:spo:guest#laura-gombaud@laposte.net::" providerId="AD" clId="Web-{25F9C9B1-D2F4-3B0B-70D2-5D1C961DBDAC}" dt="2025-08-11T09:28:54.594" v="1295"/>
-          <pc:sldLayoutMkLst>
-            <pc:docMk/>
-            <pc:sldMasterMk cId="474013707" sldId="2147483660"/>
-            <pc:sldLayoutMk cId="4058517375" sldId="2147483669"/>
-          </pc:sldLayoutMkLst>
-        </pc:sldLayoutChg>
-        <pc:sldLayoutChg chg="modSp mod">
-          <pc:chgData name="laura-gombaud@laposte.net" userId="S::urn:spo:guest#laura-gombaud@laposte.net::" providerId="AD" clId="Web-{25F9C9B1-D2F4-3B0B-70D2-5D1C961DBDAC}" dt="2025-08-11T09:28:54.594" v="1295"/>
-          <pc:sldLayoutMkLst>
-            <pc:docMk/>
-            <pc:sldMasterMk cId="474013707" sldId="2147483660"/>
-            <pc:sldLayoutMk cId="1834758841" sldId="2147483670"/>
-          </pc:sldLayoutMkLst>
-        </pc:sldLayoutChg>
-        <pc:sldLayoutChg chg="modSp mod">
-          <pc:chgData name="laura-gombaud@laposte.net" userId="S::urn:spo:guest#laura-gombaud@laposte.net::" providerId="AD" clId="Web-{25F9C9B1-D2F4-3B0B-70D2-5D1C961DBDAC}" dt="2025-08-11T09:28:54.594" v="1295"/>
-          <pc:sldLayoutMkLst>
-            <pc:docMk/>
-            <pc:sldMasterMk cId="474013707" sldId="2147483660"/>
-            <pc:sldLayoutMk cId="4175619599" sldId="2147483671"/>
-          </pc:sldLayoutMkLst>
-        </pc:sldLayoutChg>
-      </pc:sldMasterChg>
-    </pc:docChg>
-  </pc:docChgLst>
-  <pc:docChgLst>
-    <pc:chgData name="laura-gombaud@laposte.net" userId="S::urn:spo:guest#laura-gombaud@laposte.net::" providerId="AD" clId="Web-{D0A77C77-86A8-9567-AB4B-E5C63D54542C}"/>
-    <pc:docChg chg="addSld modSld sldOrd">
-      <pc:chgData name="laura-gombaud@laposte.net" userId="S::urn:spo:guest#laura-gombaud@laposte.net::" providerId="AD" clId="Web-{D0A77C77-86A8-9567-AB4B-E5C63D54542C}" dt="2025-08-15T13:46:15.741" v="28" actId="20577"/>
+    <pc:chgData clId="Web-{7F47BDAB-011E-5D79-3290-E5E115CA5DED}"/>
+    <pc:docChg chg="modSld">
+      <pc:chgData name="" userId="" providerId="" clId="Web-{7F47BDAB-011E-5D79-3290-E5E115CA5DED}" dt="2025-08-19T11:02:27.249" v="0" actId="20577"/>
       <pc:docMkLst>
         <pc:docMk/>
       </pc:docMkLst>
       <pc:sldChg chg="modSp">
-        <pc:chgData name="laura-gombaud@laposte.net" userId="S::urn:spo:guest#laura-gombaud@laposte.net::" providerId="AD" clId="Web-{D0A77C77-86A8-9567-AB4B-E5C63D54542C}" dt="2025-08-15T13:36:50.768" v="4"/>
+        <pc:chgData name="" userId="" providerId="" clId="Web-{7F47BDAB-011E-5D79-3290-E5E115CA5DED}" dt="2025-08-19T11:02:27.249" v="0" actId="20577"/>
         <pc:sldMkLst>
           <pc:docMk/>
-          <pc:sldMk cId="1333340679" sldId="259"/>
-        </pc:sldMkLst>
-      </pc:sldChg>
-      <pc:sldChg chg="modSp">
-        <pc:chgData name="laura-gombaud@laposte.net" userId="S::urn:spo:guest#laura-gombaud@laposte.net::" providerId="AD" clId="Web-{D0A77C77-86A8-9567-AB4B-E5C63D54542C}" dt="2025-08-15T13:37:22.519" v="9"/>
-        <pc:sldMkLst>
-          <pc:docMk/>
-          <pc:sldMk cId="3329527172" sldId="260"/>
-        </pc:sldMkLst>
-      </pc:sldChg>
-      <pc:sldChg chg="modSp">
-        <pc:chgData name="laura-gombaud@laposte.net" userId="S::urn:spo:guest#laura-gombaud@laposte.net::" providerId="AD" clId="Web-{D0A77C77-86A8-9567-AB4B-E5C63D54542C}" dt="2025-08-15T13:37:41.504" v="14"/>
-        <pc:sldMkLst>
-          <pc:docMk/>
-          <pc:sldMk cId="3877687722" sldId="261"/>
-        </pc:sldMkLst>
-      </pc:sldChg>
-      <pc:sldChg chg="modSp">
-        <pc:chgData name="laura-gombaud@laposte.net" userId="S::urn:spo:guest#laura-gombaud@laposte.net::" providerId="AD" clId="Web-{D0A77C77-86A8-9567-AB4B-E5C63D54542C}" dt="2025-08-15T13:38:06.802" v="19"/>
-        <pc:sldMkLst>
-          <pc:docMk/>
-          <pc:sldMk cId="2084924560" sldId="262"/>
-        </pc:sldMkLst>
-      </pc:sldChg>
-      <pc:sldChg chg="modSp new ord">
-        <pc:chgData name="laura-gombaud@laposte.net" userId="S::urn:spo:guest#laura-gombaud@laposte.net::" providerId="AD" clId="Web-{D0A77C77-86A8-9567-AB4B-E5C63D54542C}" dt="2025-08-15T13:46:15.741" v="28" actId="20577"/>
-        <pc:sldMkLst>
-          <pc:docMk/>
-          <pc:sldMk cId="2322155872" sldId="265"/>
+          <pc:sldMk cId="619538879" sldId="277"/>
         </pc:sldMkLst>
       </pc:sldChg>
     </pc:docChg>
@@ -2441,422 +2362,540 @@
     </pc:docChg>
   </pc:docChgLst>
   <pc:docChgLst>
-    <pc:chgData name="laura-gombaud@laposte.net" userId="S::urn:spo:guest#laura-gombaud@laposte.net::" providerId="AD" clId="Web-{C217ECBD-03B4-966F-1C23-E6EC3C7CC8FD}"/>
-    <pc:docChg chg="modSld">
-      <pc:chgData name="laura-gombaud@laposte.net" userId="S::urn:spo:guest#laura-gombaud@laposte.net::" providerId="AD" clId="Web-{C217ECBD-03B4-966F-1C23-E6EC3C7CC8FD}" dt="2025-08-11T19:13:15.858" v="0"/>
-      <pc:docMkLst>
-        <pc:docMk/>
-      </pc:docMkLst>
-      <pc:sldChg chg="modSp">
-        <pc:chgData name="laura-gombaud@laposte.net" userId="S::urn:spo:guest#laura-gombaud@laposte.net::" providerId="AD" clId="Web-{C217ECBD-03B4-966F-1C23-E6EC3C7CC8FD}" dt="2025-08-11T19:13:15.858" v="0"/>
-        <pc:sldMkLst>
-          <pc:docMk/>
-          <pc:sldMk cId="1333340679" sldId="259"/>
-        </pc:sldMkLst>
-      </pc:sldChg>
-    </pc:docChg>
-  </pc:docChgLst>
-  <pc:docChgLst>
-    <pc:chgData clId="Web-{5ACEC877-7D39-7A54-C39B-54ECD281951E}"/>
-    <pc:docChg chg="modSld">
-      <pc:chgData name="" userId="" providerId="" clId="Web-{5ACEC877-7D39-7A54-C39B-54ECD281951E}" dt="2025-08-15T18:34:56.912" v="0" actId="20577"/>
-      <pc:docMkLst>
-        <pc:docMk/>
-      </pc:docMkLst>
-      <pc:sldChg chg="modSp">
-        <pc:chgData name="" userId="" providerId="" clId="Web-{5ACEC877-7D39-7A54-C39B-54ECD281951E}" dt="2025-08-15T18:34:56.912" v="0" actId="20577"/>
-        <pc:sldMkLst>
-          <pc:docMk/>
-          <pc:sldMk cId="2928013113" sldId="256"/>
-        </pc:sldMkLst>
-      </pc:sldChg>
-    </pc:docChg>
-  </pc:docChgLst>
-  <pc:docChgLst>
-    <pc:chgData name="laura-gombaud@laposte.net" userId="S::urn:spo:guest#laura-gombaud@laposte.net::" providerId="AD" clId="Web-{7F47BDAB-011E-5D79-3290-E5E115CA5DED}"/>
-    <pc:docChg chg="addSld delSld modSld addMainMaster delMainMaster">
-      <pc:chgData name="laura-gombaud@laposte.net" userId="S::urn:spo:guest#laura-gombaud@laposte.net::" providerId="AD" clId="Web-{7F47BDAB-011E-5D79-3290-E5E115CA5DED}" dt="2025-08-19T11:14:21.944" v="312"/>
+    <pc:chgData name="laura-gombaud@laposte.net" userId="S::urn:spo:guest#laura-gombaud@laposte.net::" providerId="AD" clId="Web-{0742D8F1-C8EC-CBD2-0A67-A18EC1223D1D}"/>
+    <pc:docChg chg="addSld modSld sldOrd addMainMaster delMainMaster">
+      <pc:chgData name="laura-gombaud@laposte.net" userId="S::urn:spo:guest#laura-gombaud@laposte.net::" providerId="AD" clId="Web-{0742D8F1-C8EC-CBD2-0A67-A18EC1223D1D}" dt="2025-08-21T18:20:15.890" v="6"/>
       <pc:docMkLst>
         <pc:docMk/>
       </pc:docMkLst>
       <pc:sldChg chg="modSp mod modClrScheme chgLayout">
-        <pc:chgData name="laura-gombaud@laposte.net" userId="S::urn:spo:guest#laura-gombaud@laposte.net::" providerId="AD" clId="Web-{7F47BDAB-011E-5D79-3290-E5E115CA5DED}" dt="2025-08-19T11:04:11.206" v="63"/>
+        <pc:chgData name="laura-gombaud@laposte.net" userId="S::urn:spo:guest#laura-gombaud@laposte.net::" providerId="AD" clId="Web-{0742D8F1-C8EC-CBD2-0A67-A18EC1223D1D}" dt="2025-08-21T18:20:15.890" v="6"/>
         <pc:sldMkLst>
           <pc:docMk/>
           <pc:sldMk cId="3147147755" sldId="267"/>
         </pc:sldMkLst>
+        <pc:spChg chg="mod ord">
+          <ac:chgData name="laura-gombaud@laposte.net" userId="S::urn:spo:guest#laura-gombaud@laposte.net::" providerId="AD" clId="Web-{0742D8F1-C8EC-CBD2-0A67-A18EC1223D1D}" dt="2025-08-21T18:20:15.890" v="6"/>
+          <ac:spMkLst>
+            <pc:docMk/>
+            <pc:sldMk cId="3147147755" sldId="267"/>
+            <ac:spMk id="2" creationId="{DF25C66A-4795-8701-212B-DE306BBE688F}"/>
+          </ac:spMkLst>
+        </pc:spChg>
+        <pc:spChg chg="mod ord">
+          <ac:chgData name="laura-gombaud@laposte.net" userId="S::urn:spo:guest#laura-gombaud@laposte.net::" providerId="AD" clId="Web-{0742D8F1-C8EC-CBD2-0A67-A18EC1223D1D}" dt="2025-08-21T18:20:15.890" v="6"/>
+          <ac:spMkLst>
+            <pc:docMk/>
+            <pc:sldMk cId="3147147755" sldId="267"/>
+            <ac:spMk id="4" creationId="{564901ED-BED5-A3BD-1B4D-E1EEFCA906FD}"/>
+          </ac:spMkLst>
+        </pc:spChg>
       </pc:sldChg>
       <pc:sldChg chg="modSp mod modClrScheme chgLayout">
-        <pc:chgData name="laura-gombaud@laposte.net" userId="S::urn:spo:guest#laura-gombaud@laposte.net::" providerId="AD" clId="Web-{7F47BDAB-011E-5D79-3290-E5E115CA5DED}" dt="2025-08-19T11:04:11.206" v="63"/>
-        <pc:sldMkLst>
-          <pc:docMk/>
-          <pc:sldMk cId="1377381188" sldId="268"/>
-        </pc:sldMkLst>
-      </pc:sldChg>
-      <pc:sldChg chg="modSp mod modClrScheme chgLayout">
-        <pc:chgData name="laura-gombaud@laposte.net" userId="S::urn:spo:guest#laura-gombaud@laposte.net::" providerId="AD" clId="Web-{7F47BDAB-011E-5D79-3290-E5E115CA5DED}" dt="2025-08-19T11:04:11.206" v="63"/>
+        <pc:chgData name="laura-gombaud@laposte.net" userId="S::urn:spo:guest#laura-gombaud@laposte.net::" providerId="AD" clId="Web-{0742D8F1-C8EC-CBD2-0A67-A18EC1223D1D}" dt="2025-08-21T18:20:15.890" v="6"/>
         <pc:sldMkLst>
           <pc:docMk/>
           <pc:sldMk cId="1920496561" sldId="269"/>
         </pc:sldMkLst>
-      </pc:sldChg>
-      <pc:sldChg chg="addSp delSp modSp mod modClrScheme chgLayout">
-        <pc:chgData name="laura-gombaud@laposte.net" userId="S::urn:spo:guest#laura-gombaud@laposte.net::" providerId="AD" clId="Web-{7F47BDAB-011E-5D79-3290-E5E115CA5DED}" dt="2025-08-19T11:14:21.944" v="312"/>
-        <pc:sldMkLst>
-          <pc:docMk/>
-          <pc:sldMk cId="1923760963" sldId="270"/>
-        </pc:sldMkLst>
+        <pc:spChg chg="mod ord">
+          <ac:chgData name="laura-gombaud@laposte.net" userId="S::urn:spo:guest#laura-gombaud@laposte.net::" providerId="AD" clId="Web-{0742D8F1-C8EC-CBD2-0A67-A18EC1223D1D}" dt="2025-08-21T18:20:15.890" v="6"/>
+          <ac:spMkLst>
+            <pc:docMk/>
+            <pc:sldMk cId="1920496561" sldId="269"/>
+            <ac:spMk id="2" creationId="{F3253E0A-CB47-B32F-0EAA-EA998A3CACB5}"/>
+          </ac:spMkLst>
+        </pc:spChg>
+        <pc:spChg chg="mod ord">
+          <ac:chgData name="laura-gombaud@laposte.net" userId="S::urn:spo:guest#laura-gombaud@laposte.net::" providerId="AD" clId="Web-{0742D8F1-C8EC-CBD2-0A67-A18EC1223D1D}" dt="2025-08-21T18:20:15.890" v="6"/>
+          <ac:spMkLst>
+            <pc:docMk/>
+            <pc:sldMk cId="1920496561" sldId="269"/>
+            <ac:spMk id="4" creationId="{641236AA-1898-A6F7-7797-9F8C59C43146}"/>
+          </ac:spMkLst>
+        </pc:spChg>
       </pc:sldChg>
       <pc:sldChg chg="modSp mod modClrScheme chgLayout">
-        <pc:chgData name="laura-gombaud@laposte.net" userId="S::urn:spo:guest#laura-gombaud@laposte.net::" providerId="AD" clId="Web-{7F47BDAB-011E-5D79-3290-E5E115CA5DED}" dt="2025-08-19T11:12:07.018" v="307" actId="20577"/>
+        <pc:chgData name="laura-gombaud@laposte.net" userId="S::urn:spo:guest#laura-gombaud@laposte.net::" providerId="AD" clId="Web-{0742D8F1-C8EC-CBD2-0A67-A18EC1223D1D}" dt="2025-08-21T18:20:15.890" v="6"/>
         <pc:sldMkLst>
           <pc:docMk/>
           <pc:sldMk cId="541879771" sldId="271"/>
         </pc:sldMkLst>
+        <pc:spChg chg="mod ord">
+          <ac:chgData name="laura-gombaud@laposte.net" userId="S::urn:spo:guest#laura-gombaud@laposte.net::" providerId="AD" clId="Web-{0742D8F1-C8EC-CBD2-0A67-A18EC1223D1D}" dt="2025-08-21T18:20:15.890" v="6"/>
+          <ac:spMkLst>
+            <pc:docMk/>
+            <pc:sldMk cId="541879771" sldId="271"/>
+            <ac:spMk id="2" creationId="{C4724A0B-18E2-C30A-4040-E889D9E34FDC}"/>
+          </ac:spMkLst>
+        </pc:spChg>
+        <pc:spChg chg="mod ord">
+          <ac:chgData name="laura-gombaud@laposte.net" userId="S::urn:spo:guest#laura-gombaud@laposte.net::" providerId="AD" clId="Web-{0742D8F1-C8EC-CBD2-0A67-A18EC1223D1D}" dt="2025-08-21T18:20:15.890" v="6"/>
+          <ac:spMkLst>
+            <pc:docMk/>
+            <pc:sldMk cId="541879771" sldId="271"/>
+            <ac:spMk id="3" creationId="{DD36FCD8-E5BE-051D-292B-47C5ADFC011F}"/>
+          </ac:spMkLst>
+        </pc:spChg>
+        <pc:spChg chg="mod ord">
+          <ac:chgData name="laura-gombaud@laposte.net" userId="S::urn:spo:guest#laura-gombaud@laposte.net::" providerId="AD" clId="Web-{0742D8F1-C8EC-CBD2-0A67-A18EC1223D1D}" dt="2025-08-21T18:20:15.890" v="6"/>
+          <ac:spMkLst>
+            <pc:docMk/>
+            <pc:sldMk cId="541879771" sldId="271"/>
+            <ac:spMk id="5" creationId="{ACB8D278-9CA6-D82A-2D41-6D0B8AA1E07C}"/>
+          </ac:spMkLst>
+        </pc:spChg>
       </pc:sldChg>
       <pc:sldChg chg="modSp mod modClrScheme chgLayout">
-        <pc:chgData name="laura-gombaud@laposte.net" userId="S::urn:spo:guest#laura-gombaud@laposte.net::" providerId="AD" clId="Web-{7F47BDAB-011E-5D79-3290-E5E115CA5DED}" dt="2025-08-19T11:09:03.246" v="232" actId="20577"/>
+        <pc:chgData name="laura-gombaud@laposte.net" userId="S::urn:spo:guest#laura-gombaud@laposte.net::" providerId="AD" clId="Web-{0742D8F1-C8EC-CBD2-0A67-A18EC1223D1D}" dt="2025-08-21T18:20:15.890" v="6"/>
+        <pc:sldMkLst>
+          <pc:docMk/>
+          <pc:sldMk cId="2733612999" sldId="272"/>
+        </pc:sldMkLst>
+        <pc:spChg chg="mod ord">
+          <ac:chgData name="laura-gombaud@laposte.net" userId="S::urn:spo:guest#laura-gombaud@laposte.net::" providerId="AD" clId="Web-{0742D8F1-C8EC-CBD2-0A67-A18EC1223D1D}" dt="2025-08-21T18:20:15.890" v="6"/>
+          <ac:spMkLst>
+            <pc:docMk/>
+            <pc:sldMk cId="2733612999" sldId="272"/>
+            <ac:spMk id="2" creationId="{47D923CD-74EF-1DA1-F382-92CF8ADB32C8}"/>
+          </ac:spMkLst>
+        </pc:spChg>
+        <pc:spChg chg="mod">
+          <ac:chgData name="laura-gombaud@laposte.net" userId="S::urn:spo:guest#laura-gombaud@laposte.net::" providerId="AD" clId="Web-{0742D8F1-C8EC-CBD2-0A67-A18EC1223D1D}" dt="2025-08-21T18:19:33.404" v="2" actId="20577"/>
+          <ac:spMkLst>
+            <pc:docMk/>
+            <pc:sldMk cId="2733612999" sldId="272"/>
+            <ac:spMk id="3" creationId="{6FB6C92E-82CE-564F-FAC7-CFB9145A1E2F}"/>
+          </ac:spMkLst>
+        </pc:spChg>
+        <pc:spChg chg="mod ord">
+          <ac:chgData name="laura-gombaud@laposte.net" userId="S::urn:spo:guest#laura-gombaud@laposte.net::" providerId="AD" clId="Web-{0742D8F1-C8EC-CBD2-0A67-A18EC1223D1D}" dt="2025-08-21T18:20:15.890" v="6"/>
+          <ac:spMkLst>
+            <pc:docMk/>
+            <pc:sldMk cId="2733612999" sldId="272"/>
+            <ac:spMk id="5" creationId="{A04EFAE7-2A7D-7423-30EE-025DBB973DD0}"/>
+          </ac:spMkLst>
+        </pc:spChg>
+      </pc:sldChg>
+      <pc:sldChg chg="modSp mod modClrScheme chgLayout">
+        <pc:chgData name="laura-gombaud@laposte.net" userId="S::urn:spo:guest#laura-gombaud@laposte.net::" providerId="AD" clId="Web-{0742D8F1-C8EC-CBD2-0A67-A18EC1223D1D}" dt="2025-08-21T18:20:15.890" v="6"/>
+        <pc:sldMkLst>
+          <pc:docMk/>
+          <pc:sldMk cId="2599946661" sldId="273"/>
+        </pc:sldMkLst>
+        <pc:spChg chg="mod ord">
+          <ac:chgData name="laura-gombaud@laposte.net" userId="S::urn:spo:guest#laura-gombaud@laposte.net::" providerId="AD" clId="Web-{0742D8F1-C8EC-CBD2-0A67-A18EC1223D1D}" dt="2025-08-21T18:20:15.890" v="6"/>
+          <ac:spMkLst>
+            <pc:docMk/>
+            <pc:sldMk cId="2599946661" sldId="273"/>
+            <ac:spMk id="2" creationId="{DC1DF8FD-9FF0-61DB-77A9-2F32CA22D0D4}"/>
+          </ac:spMkLst>
+        </pc:spChg>
+        <pc:spChg chg="mod ord">
+          <ac:chgData name="laura-gombaud@laposte.net" userId="S::urn:spo:guest#laura-gombaud@laposte.net::" providerId="AD" clId="Web-{0742D8F1-C8EC-CBD2-0A67-A18EC1223D1D}" dt="2025-08-21T18:20:15.890" v="6"/>
+          <ac:spMkLst>
+            <pc:docMk/>
+            <pc:sldMk cId="2599946661" sldId="273"/>
+            <ac:spMk id="3" creationId="{CB90D3A8-56AE-B719-6344-49E017294879}"/>
+          </ac:spMkLst>
+        </pc:spChg>
+        <pc:spChg chg="mod ord">
+          <ac:chgData name="laura-gombaud@laposte.net" userId="S::urn:spo:guest#laura-gombaud@laposte.net::" providerId="AD" clId="Web-{0742D8F1-C8EC-CBD2-0A67-A18EC1223D1D}" dt="2025-08-21T18:20:15.890" v="6"/>
+          <ac:spMkLst>
+            <pc:docMk/>
+            <pc:sldMk cId="2599946661" sldId="273"/>
+            <ac:spMk id="5" creationId="{CC710BF2-6328-1223-29D6-6BCBFFA0252A}"/>
+          </ac:spMkLst>
+        </pc:spChg>
+      </pc:sldChg>
+      <pc:sldChg chg="modSp mod modClrScheme chgLayout">
+        <pc:chgData name="laura-gombaud@laposte.net" userId="S::urn:spo:guest#laura-gombaud@laposte.net::" providerId="AD" clId="Web-{0742D8F1-C8EC-CBD2-0A67-A18EC1223D1D}" dt="2025-08-21T18:20:15.890" v="6"/>
+        <pc:sldMkLst>
+          <pc:docMk/>
+          <pc:sldMk cId="1019502620" sldId="274"/>
+        </pc:sldMkLst>
+        <pc:spChg chg="mod ord">
+          <ac:chgData name="laura-gombaud@laposte.net" userId="S::urn:spo:guest#laura-gombaud@laposte.net::" providerId="AD" clId="Web-{0742D8F1-C8EC-CBD2-0A67-A18EC1223D1D}" dt="2025-08-21T18:20:15.890" v="6"/>
+          <ac:spMkLst>
+            <pc:docMk/>
+            <pc:sldMk cId="1019502620" sldId="274"/>
+            <ac:spMk id="2" creationId="{788E8407-A4B4-B410-107C-EE5C4FA35AD7}"/>
+          </ac:spMkLst>
+        </pc:spChg>
+        <pc:spChg chg="mod ord">
+          <ac:chgData name="laura-gombaud@laposte.net" userId="S::urn:spo:guest#laura-gombaud@laposte.net::" providerId="AD" clId="Web-{0742D8F1-C8EC-CBD2-0A67-A18EC1223D1D}" dt="2025-08-21T18:20:15.890" v="6"/>
+          <ac:spMkLst>
+            <pc:docMk/>
+            <pc:sldMk cId="1019502620" sldId="274"/>
+            <ac:spMk id="3" creationId="{4BD1D04F-02C9-10DE-7EBC-0CC15C16A561}"/>
+          </ac:spMkLst>
+        </pc:spChg>
+        <pc:spChg chg="mod ord">
+          <ac:chgData name="laura-gombaud@laposte.net" userId="S::urn:spo:guest#laura-gombaud@laposte.net::" providerId="AD" clId="Web-{0742D8F1-C8EC-CBD2-0A67-A18EC1223D1D}" dt="2025-08-21T18:20:15.890" v="6"/>
+          <ac:spMkLst>
+            <pc:docMk/>
+            <pc:sldMk cId="1019502620" sldId="274"/>
+            <ac:spMk id="5" creationId="{3A753F64-2EE6-778E-BC33-CD145F86B7DB}"/>
+          </ac:spMkLst>
+        </pc:spChg>
+      </pc:sldChg>
+      <pc:sldChg chg="modSp mod modClrScheme chgLayout">
+        <pc:chgData name="laura-gombaud@laposte.net" userId="S::urn:spo:guest#laura-gombaud@laposte.net::" providerId="AD" clId="Web-{0742D8F1-C8EC-CBD2-0A67-A18EC1223D1D}" dt="2025-08-21T18:20:15.890" v="6"/>
+        <pc:sldMkLst>
+          <pc:docMk/>
+          <pc:sldMk cId="914568548" sldId="275"/>
+        </pc:sldMkLst>
+        <pc:spChg chg="mod ord">
+          <ac:chgData name="laura-gombaud@laposte.net" userId="S::urn:spo:guest#laura-gombaud@laposte.net::" providerId="AD" clId="Web-{0742D8F1-C8EC-CBD2-0A67-A18EC1223D1D}" dt="2025-08-21T18:20:15.890" v="6"/>
+          <ac:spMkLst>
+            <pc:docMk/>
+            <pc:sldMk cId="914568548" sldId="275"/>
+            <ac:spMk id="2" creationId="{1FBC5C8C-CC91-7404-6B34-F7FB582DA0FA}"/>
+          </ac:spMkLst>
+        </pc:spChg>
+        <pc:spChg chg="mod ord">
+          <ac:chgData name="laura-gombaud@laposte.net" userId="S::urn:spo:guest#laura-gombaud@laposte.net::" providerId="AD" clId="Web-{0742D8F1-C8EC-CBD2-0A67-A18EC1223D1D}" dt="2025-08-21T18:20:15.890" v="6"/>
+          <ac:spMkLst>
+            <pc:docMk/>
+            <pc:sldMk cId="914568548" sldId="275"/>
+            <ac:spMk id="3" creationId="{228321B2-9D91-7E61-B2CC-C3608ACB0A8E}"/>
+          </ac:spMkLst>
+        </pc:spChg>
+        <pc:spChg chg="mod ord">
+          <ac:chgData name="laura-gombaud@laposte.net" userId="S::urn:spo:guest#laura-gombaud@laposte.net::" providerId="AD" clId="Web-{0742D8F1-C8EC-CBD2-0A67-A18EC1223D1D}" dt="2025-08-21T18:20:15.890" v="6"/>
+          <ac:spMkLst>
+            <pc:docMk/>
+            <pc:sldMk cId="914568548" sldId="275"/>
+            <ac:spMk id="5" creationId="{2060BF35-6832-7E1B-2DDD-0CB7B92C543E}"/>
+          </ac:spMkLst>
+        </pc:spChg>
+      </pc:sldChg>
+      <pc:sldChg chg="modSp mod modClrScheme chgLayout">
+        <pc:chgData name="laura-gombaud@laposte.net" userId="S::urn:spo:guest#laura-gombaud@laposte.net::" providerId="AD" clId="Web-{0742D8F1-C8EC-CBD2-0A67-A18EC1223D1D}" dt="2025-08-21T18:20:15.890" v="6"/>
+        <pc:sldMkLst>
+          <pc:docMk/>
+          <pc:sldMk cId="3107800595" sldId="278"/>
+        </pc:sldMkLst>
+        <pc:spChg chg="mod ord">
+          <ac:chgData name="laura-gombaud@laposte.net" userId="S::urn:spo:guest#laura-gombaud@laposte.net::" providerId="AD" clId="Web-{0742D8F1-C8EC-CBD2-0A67-A18EC1223D1D}" dt="2025-08-21T18:20:15.890" v="6"/>
+          <ac:spMkLst>
+            <pc:docMk/>
+            <pc:sldMk cId="3107800595" sldId="278"/>
+            <ac:spMk id="5" creationId="{D53AADE3-3CD4-E85E-C462-173B687C6E29}"/>
+          </ac:spMkLst>
+        </pc:spChg>
+      </pc:sldChg>
+      <pc:sldChg chg="modSp mod modClrScheme chgLayout">
+        <pc:chgData name="laura-gombaud@laposte.net" userId="S::urn:spo:guest#laura-gombaud@laposte.net::" providerId="AD" clId="Web-{0742D8F1-C8EC-CBD2-0A67-A18EC1223D1D}" dt="2025-08-21T18:20:15.890" v="6"/>
+        <pc:sldMkLst>
+          <pc:docMk/>
+          <pc:sldMk cId="2688854622" sldId="279"/>
+        </pc:sldMkLst>
+        <pc:spChg chg="mod ord">
+          <ac:chgData name="laura-gombaud@laposte.net" userId="S::urn:spo:guest#laura-gombaud@laposte.net::" providerId="AD" clId="Web-{0742D8F1-C8EC-CBD2-0A67-A18EC1223D1D}" dt="2025-08-21T18:20:15.890" v="6"/>
+          <ac:spMkLst>
+            <pc:docMk/>
+            <pc:sldMk cId="2688854622" sldId="279"/>
+            <ac:spMk id="2" creationId="{ECA8A251-B742-E249-EDA2-4A97ACEE0502}"/>
+          </ac:spMkLst>
+        </pc:spChg>
+        <pc:spChg chg="mod ord">
+          <ac:chgData name="laura-gombaud@laposte.net" userId="S::urn:spo:guest#laura-gombaud@laposte.net::" providerId="AD" clId="Web-{0742D8F1-C8EC-CBD2-0A67-A18EC1223D1D}" dt="2025-08-21T18:20:15.890" v="6"/>
+          <ac:spMkLst>
+            <pc:docMk/>
+            <pc:sldMk cId="2688854622" sldId="279"/>
+            <ac:spMk id="4" creationId="{F761A41D-06C3-B740-392B-96E25B712AA7}"/>
+          </ac:spMkLst>
+        </pc:spChg>
+      </pc:sldChg>
+      <pc:sldChg chg="modSp mod modClrScheme chgLayout">
+        <pc:chgData name="laura-gombaud@laposte.net" userId="S::urn:spo:guest#laura-gombaud@laposte.net::" providerId="AD" clId="Web-{0742D8F1-C8EC-CBD2-0A67-A18EC1223D1D}" dt="2025-08-21T18:20:15.890" v="6"/>
+        <pc:sldMkLst>
+          <pc:docMk/>
+          <pc:sldMk cId="844782001" sldId="280"/>
+        </pc:sldMkLst>
+        <pc:spChg chg="mod ord">
+          <ac:chgData name="laura-gombaud@laposte.net" userId="S::urn:spo:guest#laura-gombaud@laposte.net::" providerId="AD" clId="Web-{0742D8F1-C8EC-CBD2-0A67-A18EC1223D1D}" dt="2025-08-21T18:20:15.890" v="6"/>
+          <ac:spMkLst>
+            <pc:docMk/>
+            <pc:sldMk cId="844782001" sldId="280"/>
+            <ac:spMk id="2" creationId="{C347ABE5-8CBE-AE75-83A8-52F7691D6589}"/>
+          </ac:spMkLst>
+        </pc:spChg>
+        <pc:spChg chg="mod ord">
+          <ac:chgData name="laura-gombaud@laposte.net" userId="S::urn:spo:guest#laura-gombaud@laposte.net::" providerId="AD" clId="Web-{0742D8F1-C8EC-CBD2-0A67-A18EC1223D1D}" dt="2025-08-21T18:20:15.890" v="6"/>
+          <ac:spMkLst>
+            <pc:docMk/>
+            <pc:sldMk cId="844782001" sldId="280"/>
+            <ac:spMk id="4" creationId="{26F5AEAF-8122-AD51-D0A8-F82AA9C17D5A}"/>
+          </ac:spMkLst>
+        </pc:spChg>
+      </pc:sldChg>
+      <pc:sldChg chg="modSp new mod ord modClrScheme chgLayout">
+        <pc:chgData name="laura-gombaud@laposte.net" userId="S::urn:spo:guest#laura-gombaud@laposte.net::" providerId="AD" clId="Web-{0742D8F1-C8EC-CBD2-0A67-A18EC1223D1D}" dt="2025-08-21T18:20:15.890" v="6"/>
+        <pc:sldMkLst>
+          <pc:docMk/>
+          <pc:sldMk cId="2753529739" sldId="281"/>
+        </pc:sldMkLst>
+        <pc:spChg chg="mod ord">
+          <ac:chgData name="laura-gombaud@laposte.net" userId="S::urn:spo:guest#laura-gombaud@laposte.net::" providerId="AD" clId="Web-{0742D8F1-C8EC-CBD2-0A67-A18EC1223D1D}" dt="2025-08-21T18:20:15.890" v="6"/>
+          <ac:spMkLst>
+            <pc:docMk/>
+            <pc:sldMk cId="2753529739" sldId="281"/>
+            <ac:spMk id="2" creationId="{89607ED2-A0F5-4F1D-C10B-4E0D7DBCF6E0}"/>
+          </ac:spMkLst>
+        </pc:spChg>
+        <pc:spChg chg="mod ord">
+          <ac:chgData name="laura-gombaud@laposte.net" userId="S::urn:spo:guest#laura-gombaud@laposte.net::" providerId="AD" clId="Web-{0742D8F1-C8EC-CBD2-0A67-A18EC1223D1D}" dt="2025-08-21T18:20:15.890" v="6"/>
+          <ac:spMkLst>
+            <pc:docMk/>
+            <pc:sldMk cId="2753529739" sldId="281"/>
+            <ac:spMk id="3" creationId="{A0017814-27F5-1C57-BC58-680FB3AD68D6}"/>
+          </ac:spMkLst>
+        </pc:spChg>
+      </pc:sldChg>
+      <pc:sldMasterChg chg="add del addSldLayout delSldLayout">
+        <pc:chgData name="laura-gombaud@laposte.net" userId="S::urn:spo:guest#laura-gombaud@laposte.net::" providerId="AD" clId="Web-{0742D8F1-C8EC-CBD2-0A67-A18EC1223D1D}" dt="2025-08-21T18:20:15.890" v="6"/>
+        <pc:sldMasterMkLst>
+          <pc:docMk/>
+          <pc:sldMasterMk cId="1071176179" sldId="2147483684"/>
+        </pc:sldMasterMkLst>
+        <pc:sldLayoutChg chg="add del">
+          <pc:chgData name="laura-gombaud@laposte.net" userId="S::urn:spo:guest#laura-gombaud@laposte.net::" providerId="AD" clId="Web-{0742D8F1-C8EC-CBD2-0A67-A18EC1223D1D}" dt="2025-08-21T18:20:15.890" v="6"/>
+          <pc:sldLayoutMkLst>
+            <pc:docMk/>
+            <pc:sldMasterMk cId="1071176179" sldId="2147483684"/>
+            <pc:sldLayoutMk cId="2223560165" sldId="2147483685"/>
+          </pc:sldLayoutMkLst>
+        </pc:sldLayoutChg>
+        <pc:sldLayoutChg chg="add del">
+          <pc:chgData name="laura-gombaud@laposte.net" userId="S::urn:spo:guest#laura-gombaud@laposte.net::" providerId="AD" clId="Web-{0742D8F1-C8EC-CBD2-0A67-A18EC1223D1D}" dt="2025-08-21T18:20:15.890" v="6"/>
+          <pc:sldLayoutMkLst>
+            <pc:docMk/>
+            <pc:sldMasterMk cId="1071176179" sldId="2147483684"/>
+            <pc:sldLayoutMk cId="4241953847" sldId="2147483686"/>
+          </pc:sldLayoutMkLst>
+        </pc:sldLayoutChg>
+        <pc:sldLayoutChg chg="add del">
+          <pc:chgData name="laura-gombaud@laposte.net" userId="S::urn:spo:guest#laura-gombaud@laposte.net::" providerId="AD" clId="Web-{0742D8F1-C8EC-CBD2-0A67-A18EC1223D1D}" dt="2025-08-21T18:20:15.890" v="6"/>
+          <pc:sldLayoutMkLst>
+            <pc:docMk/>
+            <pc:sldMasterMk cId="1071176179" sldId="2147483684"/>
+            <pc:sldLayoutMk cId="745167963" sldId="2147483687"/>
+          </pc:sldLayoutMkLst>
+        </pc:sldLayoutChg>
+        <pc:sldLayoutChg chg="add del">
+          <pc:chgData name="laura-gombaud@laposte.net" userId="S::urn:spo:guest#laura-gombaud@laposte.net::" providerId="AD" clId="Web-{0742D8F1-C8EC-CBD2-0A67-A18EC1223D1D}" dt="2025-08-21T18:20:15.890" v="6"/>
+          <pc:sldLayoutMkLst>
+            <pc:docMk/>
+            <pc:sldMasterMk cId="1071176179" sldId="2147483684"/>
+            <pc:sldLayoutMk cId="655063213" sldId="2147483688"/>
+          </pc:sldLayoutMkLst>
+        </pc:sldLayoutChg>
+        <pc:sldLayoutChg chg="add del">
+          <pc:chgData name="laura-gombaud@laposte.net" userId="S::urn:spo:guest#laura-gombaud@laposte.net::" providerId="AD" clId="Web-{0742D8F1-C8EC-CBD2-0A67-A18EC1223D1D}" dt="2025-08-21T18:20:15.890" v="6"/>
+          <pc:sldLayoutMkLst>
+            <pc:docMk/>
+            <pc:sldMasterMk cId="1071176179" sldId="2147483684"/>
+            <pc:sldLayoutMk cId="1665030633" sldId="2147483689"/>
+          </pc:sldLayoutMkLst>
+        </pc:sldLayoutChg>
+        <pc:sldLayoutChg chg="add del">
+          <pc:chgData name="laura-gombaud@laposte.net" userId="S::urn:spo:guest#laura-gombaud@laposte.net::" providerId="AD" clId="Web-{0742D8F1-C8EC-CBD2-0A67-A18EC1223D1D}" dt="2025-08-21T18:20:15.890" v="6"/>
+          <pc:sldLayoutMkLst>
+            <pc:docMk/>
+            <pc:sldMasterMk cId="1071176179" sldId="2147483684"/>
+            <pc:sldLayoutMk cId="3429243626" sldId="2147483690"/>
+          </pc:sldLayoutMkLst>
+        </pc:sldLayoutChg>
+        <pc:sldLayoutChg chg="add del">
+          <pc:chgData name="laura-gombaud@laposte.net" userId="S::urn:spo:guest#laura-gombaud@laposte.net::" providerId="AD" clId="Web-{0742D8F1-C8EC-CBD2-0A67-A18EC1223D1D}" dt="2025-08-21T18:20:15.890" v="6"/>
+          <pc:sldLayoutMkLst>
+            <pc:docMk/>
+            <pc:sldMasterMk cId="1071176179" sldId="2147483684"/>
+            <pc:sldLayoutMk cId="2315154600" sldId="2147483691"/>
+          </pc:sldLayoutMkLst>
+        </pc:sldLayoutChg>
+        <pc:sldLayoutChg chg="add del">
+          <pc:chgData name="laura-gombaud@laposte.net" userId="S::urn:spo:guest#laura-gombaud@laposte.net::" providerId="AD" clId="Web-{0742D8F1-C8EC-CBD2-0A67-A18EC1223D1D}" dt="2025-08-21T18:20:15.890" v="6"/>
+          <pc:sldLayoutMkLst>
+            <pc:docMk/>
+            <pc:sldMasterMk cId="1071176179" sldId="2147483684"/>
+            <pc:sldLayoutMk cId="3951693969" sldId="2147483692"/>
+          </pc:sldLayoutMkLst>
+        </pc:sldLayoutChg>
+        <pc:sldLayoutChg chg="add del">
+          <pc:chgData name="laura-gombaud@laposte.net" userId="S::urn:spo:guest#laura-gombaud@laposte.net::" providerId="AD" clId="Web-{0742D8F1-C8EC-CBD2-0A67-A18EC1223D1D}" dt="2025-08-21T18:20:15.890" v="6"/>
+          <pc:sldLayoutMkLst>
+            <pc:docMk/>
+            <pc:sldMasterMk cId="1071176179" sldId="2147483684"/>
+            <pc:sldLayoutMk cId="3333904225" sldId="2147483693"/>
+          </pc:sldLayoutMkLst>
+        </pc:sldLayoutChg>
+        <pc:sldLayoutChg chg="add del">
+          <pc:chgData name="laura-gombaud@laposte.net" userId="S::urn:spo:guest#laura-gombaud@laposte.net::" providerId="AD" clId="Web-{0742D8F1-C8EC-CBD2-0A67-A18EC1223D1D}" dt="2025-08-21T18:20:15.890" v="6"/>
+          <pc:sldLayoutMkLst>
+            <pc:docMk/>
+            <pc:sldMasterMk cId="1071176179" sldId="2147483684"/>
+            <pc:sldLayoutMk cId="2697030116" sldId="2147483694"/>
+          </pc:sldLayoutMkLst>
+        </pc:sldLayoutChg>
+        <pc:sldLayoutChg chg="add del">
+          <pc:chgData name="laura-gombaud@laposte.net" userId="S::urn:spo:guest#laura-gombaud@laposte.net::" providerId="AD" clId="Web-{0742D8F1-C8EC-CBD2-0A67-A18EC1223D1D}" dt="2025-08-21T18:20:15.890" v="6"/>
+          <pc:sldLayoutMkLst>
+            <pc:docMk/>
+            <pc:sldMasterMk cId="1071176179" sldId="2147483684"/>
+            <pc:sldLayoutMk cId="2346030186" sldId="2147483695"/>
+          </pc:sldLayoutMkLst>
+        </pc:sldLayoutChg>
+      </pc:sldMasterChg>
+      <pc:sldMasterChg chg="add del addSldLayout delSldLayout modSldLayout">
+        <pc:chgData name="laura-gombaud@laposte.net" userId="S::urn:spo:guest#laura-gombaud@laposte.net::" providerId="AD" clId="Web-{0742D8F1-C8EC-CBD2-0A67-A18EC1223D1D}" dt="2025-08-21T18:20:15.890" v="6"/>
+        <pc:sldMasterMkLst>
+          <pc:docMk/>
+          <pc:sldMasterMk cId="1060956117" sldId="2147483696"/>
+        </pc:sldMasterMkLst>
+        <pc:sldLayoutChg chg="add del mod replId">
+          <pc:chgData name="laura-gombaud@laposte.net" userId="S::urn:spo:guest#laura-gombaud@laposte.net::" providerId="AD" clId="Web-{0742D8F1-C8EC-CBD2-0A67-A18EC1223D1D}" dt="2025-08-21T18:20:15.890" v="6"/>
+          <pc:sldLayoutMkLst>
+            <pc:docMk/>
+            <pc:sldMasterMk cId="1060956117" sldId="2147483696"/>
+            <pc:sldLayoutMk cId="830747609" sldId="2147483697"/>
+          </pc:sldLayoutMkLst>
+        </pc:sldLayoutChg>
+        <pc:sldLayoutChg chg="add del mod replId">
+          <pc:chgData name="laura-gombaud@laposte.net" userId="S::urn:spo:guest#laura-gombaud@laposte.net::" providerId="AD" clId="Web-{0742D8F1-C8EC-CBD2-0A67-A18EC1223D1D}" dt="2025-08-21T18:20:15.890" v="6"/>
+          <pc:sldLayoutMkLst>
+            <pc:docMk/>
+            <pc:sldMasterMk cId="1060956117" sldId="2147483696"/>
+            <pc:sldLayoutMk cId="744976579" sldId="2147483698"/>
+          </pc:sldLayoutMkLst>
+        </pc:sldLayoutChg>
+        <pc:sldLayoutChg chg="add del mod replId">
+          <pc:chgData name="laura-gombaud@laposte.net" userId="S::urn:spo:guest#laura-gombaud@laposte.net::" providerId="AD" clId="Web-{0742D8F1-C8EC-CBD2-0A67-A18EC1223D1D}" dt="2025-08-21T18:20:15.890" v="6"/>
+          <pc:sldLayoutMkLst>
+            <pc:docMk/>
+            <pc:sldMasterMk cId="1060956117" sldId="2147483696"/>
+            <pc:sldLayoutMk cId="1702462211" sldId="2147483699"/>
+          </pc:sldLayoutMkLst>
+        </pc:sldLayoutChg>
+        <pc:sldLayoutChg chg="add del mod replId">
+          <pc:chgData name="laura-gombaud@laposte.net" userId="S::urn:spo:guest#laura-gombaud@laposte.net::" providerId="AD" clId="Web-{0742D8F1-C8EC-CBD2-0A67-A18EC1223D1D}" dt="2025-08-21T18:20:15.890" v="6"/>
+          <pc:sldLayoutMkLst>
+            <pc:docMk/>
+            <pc:sldMasterMk cId="1060956117" sldId="2147483696"/>
+            <pc:sldLayoutMk cId="3701878896" sldId="2147483700"/>
+          </pc:sldLayoutMkLst>
+        </pc:sldLayoutChg>
+        <pc:sldLayoutChg chg="add del mod replId">
+          <pc:chgData name="laura-gombaud@laposte.net" userId="S::urn:spo:guest#laura-gombaud@laposte.net::" providerId="AD" clId="Web-{0742D8F1-C8EC-CBD2-0A67-A18EC1223D1D}" dt="2025-08-21T18:20:15.890" v="6"/>
+          <pc:sldLayoutMkLst>
+            <pc:docMk/>
+            <pc:sldMasterMk cId="1060956117" sldId="2147483696"/>
+            <pc:sldLayoutMk cId="3790215237" sldId="2147483701"/>
+          </pc:sldLayoutMkLst>
+        </pc:sldLayoutChg>
+        <pc:sldLayoutChg chg="add del mod replId">
+          <pc:chgData name="laura-gombaud@laposte.net" userId="S::urn:spo:guest#laura-gombaud@laposte.net::" providerId="AD" clId="Web-{0742D8F1-C8EC-CBD2-0A67-A18EC1223D1D}" dt="2025-08-21T18:20:15.890" v="6"/>
+          <pc:sldLayoutMkLst>
+            <pc:docMk/>
+            <pc:sldMasterMk cId="1060956117" sldId="2147483696"/>
+            <pc:sldLayoutMk cId="2587996616" sldId="2147483702"/>
+          </pc:sldLayoutMkLst>
+        </pc:sldLayoutChg>
+        <pc:sldLayoutChg chg="add del mod replId">
+          <pc:chgData name="laura-gombaud@laposte.net" userId="S::urn:spo:guest#laura-gombaud@laposte.net::" providerId="AD" clId="Web-{0742D8F1-C8EC-CBD2-0A67-A18EC1223D1D}" dt="2025-08-21T18:20:15.890" v="6"/>
+          <pc:sldLayoutMkLst>
+            <pc:docMk/>
+            <pc:sldMasterMk cId="1060956117" sldId="2147483696"/>
+            <pc:sldLayoutMk cId="335606899" sldId="2147483703"/>
+          </pc:sldLayoutMkLst>
+        </pc:sldLayoutChg>
+        <pc:sldLayoutChg chg="add del mod replId">
+          <pc:chgData name="laura-gombaud@laposte.net" userId="S::urn:spo:guest#laura-gombaud@laposte.net::" providerId="AD" clId="Web-{0742D8F1-C8EC-CBD2-0A67-A18EC1223D1D}" dt="2025-08-21T18:20:15.890" v="6"/>
+          <pc:sldLayoutMkLst>
+            <pc:docMk/>
+            <pc:sldMasterMk cId="1060956117" sldId="2147483696"/>
+            <pc:sldLayoutMk cId="1954811631" sldId="2147483704"/>
+          </pc:sldLayoutMkLst>
+        </pc:sldLayoutChg>
+        <pc:sldLayoutChg chg="add del mod replId">
+          <pc:chgData name="laura-gombaud@laposte.net" userId="S::urn:spo:guest#laura-gombaud@laposte.net::" providerId="AD" clId="Web-{0742D8F1-C8EC-CBD2-0A67-A18EC1223D1D}" dt="2025-08-21T18:20:15.890" v="6"/>
+          <pc:sldLayoutMkLst>
+            <pc:docMk/>
+            <pc:sldMasterMk cId="1060956117" sldId="2147483696"/>
+            <pc:sldLayoutMk cId="3964688208" sldId="2147483705"/>
+          </pc:sldLayoutMkLst>
+        </pc:sldLayoutChg>
+        <pc:sldLayoutChg chg="add del mod replId">
+          <pc:chgData name="laura-gombaud@laposte.net" userId="S::urn:spo:guest#laura-gombaud@laposte.net::" providerId="AD" clId="Web-{0742D8F1-C8EC-CBD2-0A67-A18EC1223D1D}" dt="2025-08-21T18:20:15.890" v="6"/>
+          <pc:sldLayoutMkLst>
+            <pc:docMk/>
+            <pc:sldMasterMk cId="1060956117" sldId="2147483696"/>
+            <pc:sldLayoutMk cId="3535512136" sldId="2147483706"/>
+          </pc:sldLayoutMkLst>
+        </pc:sldLayoutChg>
+        <pc:sldLayoutChg chg="add del mod replId">
+          <pc:chgData name="laura-gombaud@laposte.net" userId="S::urn:spo:guest#laura-gombaud@laposte.net::" providerId="AD" clId="Web-{0742D8F1-C8EC-CBD2-0A67-A18EC1223D1D}" dt="2025-08-21T18:20:15.890" v="6"/>
+          <pc:sldLayoutMkLst>
+            <pc:docMk/>
+            <pc:sldMasterMk cId="1060956117" sldId="2147483696"/>
+            <pc:sldLayoutMk cId="4066079691" sldId="2147483707"/>
+          </pc:sldLayoutMkLst>
+        </pc:sldLayoutChg>
+      </pc:sldMasterChg>
+    </pc:docChg>
+  </pc:docChgLst>
+  <pc:docChgLst>
+    <pc:chgData name="Laura GOMBAUD" userId="95dfd7b3-193d-40a4-ae58-03a5f77a8c61" providerId="ADAL" clId="{A8172031-A439-46C0-A83D-2CCB1D10560F}"/>
+    <pc:docChg chg="undo custSel modSld">
+      <pc:chgData name="Laura GOMBAUD" userId="95dfd7b3-193d-40a4-ae58-03a5f77a8c61" providerId="ADAL" clId="{A8172031-A439-46C0-A83D-2CCB1D10560F}" dt="2025-08-22T18:42:38.319" v="63" actId="20577"/>
+      <pc:docMkLst>
+        <pc:docMk/>
+      </pc:docMkLst>
+      <pc:sldChg chg="modSp mod">
+        <pc:chgData name="Laura GOMBAUD" userId="95dfd7b3-193d-40a4-ae58-03a5f77a8c61" providerId="ADAL" clId="{A8172031-A439-46C0-A83D-2CCB1D10560F}" dt="2025-08-19T16:25:39.720" v="0" actId="14100"/>
         <pc:sldMkLst>
           <pc:docMk/>
           <pc:sldMk cId="2733612999" sldId="272"/>
         </pc:sldMkLst>
       </pc:sldChg>
-      <pc:sldChg chg="modSp mod modClrScheme chgLayout">
-        <pc:chgData name="laura-gombaud@laposte.net" userId="S::urn:spo:guest#laura-gombaud@laposte.net::" providerId="AD" clId="Web-{7F47BDAB-011E-5D79-3290-E5E115CA5DED}" dt="2025-08-19T11:04:11.206" v="63"/>
+      <pc:sldChg chg="modSp mod">
+        <pc:chgData name="Laura GOMBAUD" userId="95dfd7b3-193d-40a4-ae58-03a5f77a8c61" providerId="ADAL" clId="{A8172031-A439-46C0-A83D-2CCB1D10560F}" dt="2025-08-22T18:33:25.351" v="60" actId="27636"/>
         <pc:sldMkLst>
           <pc:docMk/>
           <pc:sldMk cId="2599946661" sldId="273"/>
         </pc:sldMkLst>
-        <pc:spChg chg="mod ord">
-          <ac:chgData name="laura-gombaud@laposte.net" userId="S::urn:spo:guest#laura-gombaud@laposte.net::" providerId="AD" clId="Web-{7F47BDAB-011E-5D79-3290-E5E115CA5DED}" dt="2025-08-19T11:04:11.206" v="63"/>
+        <pc:spChg chg="mod">
+          <ac:chgData name="Laura GOMBAUD" userId="95dfd7b3-193d-40a4-ae58-03a5f77a8c61" providerId="ADAL" clId="{A8172031-A439-46C0-A83D-2CCB1D10560F}" dt="2025-08-22T18:33:25.351" v="60" actId="27636"/>
           <ac:spMkLst>
             <pc:docMk/>
             <pc:sldMk cId="2599946661" sldId="273"/>
             <ac:spMk id="2" creationId="{DC1DF8FD-9FF0-61DB-77A9-2F32CA22D0D4}"/>
           </ac:spMkLst>
         </pc:spChg>
-        <pc:spChg chg="mod ord">
-          <ac:chgData name="laura-gombaud@laposte.net" userId="S::urn:spo:guest#laura-gombaud@laposte.net::" providerId="AD" clId="Web-{7F47BDAB-011E-5D79-3290-E5E115CA5DED}" dt="2025-08-19T11:04:11.206" v="63"/>
+      </pc:sldChg>
+      <pc:sldChg chg="modSp mod">
+        <pc:chgData name="Laura GOMBAUD" userId="95dfd7b3-193d-40a4-ae58-03a5f77a8c61" providerId="ADAL" clId="{A8172031-A439-46C0-A83D-2CCB1D10560F}" dt="2025-08-19T16:26:34.284" v="58" actId="20577"/>
+        <pc:sldMkLst>
+          <pc:docMk/>
+          <pc:sldMk cId="844782001" sldId="280"/>
+        </pc:sldMkLst>
+      </pc:sldChg>
+      <pc:sldChg chg="modSp mod">
+        <pc:chgData name="Laura GOMBAUD" userId="95dfd7b3-193d-40a4-ae58-03a5f77a8c61" providerId="ADAL" clId="{A8172031-A439-46C0-A83D-2CCB1D10560F}" dt="2025-08-22T18:42:38.319" v="63" actId="20577"/>
+        <pc:sldMkLst>
+          <pc:docMk/>
+          <pc:sldMk cId="3071230549" sldId="285"/>
+        </pc:sldMkLst>
+        <pc:spChg chg="mod">
+          <ac:chgData name="Laura GOMBAUD" userId="95dfd7b3-193d-40a4-ae58-03a5f77a8c61" providerId="ADAL" clId="{A8172031-A439-46C0-A83D-2CCB1D10560F}" dt="2025-08-22T18:42:38.319" v="63" actId="20577"/>
           <ac:spMkLst>
             <pc:docMk/>
-            <pc:sldMk cId="2599946661" sldId="273"/>
-            <ac:spMk id="3" creationId="{CB90D3A8-56AE-B719-6344-49E017294879}"/>
+            <pc:sldMk cId="3071230549" sldId="285"/>
+            <ac:spMk id="21" creationId="{4EBC8FF8-5B81-B538-F8CB-ECDA604415DF}"/>
           </ac:spMkLst>
         </pc:spChg>
       </pc:sldChg>
-      <pc:sldChg chg="modSp mod modClrScheme chgLayout">
-        <pc:chgData name="laura-gombaud@laposte.net" userId="S::urn:spo:guest#laura-gombaud@laposte.net::" providerId="AD" clId="Web-{7F47BDAB-011E-5D79-3290-E5E115CA5DED}" dt="2025-08-19T11:04:11.206" v="63"/>
-        <pc:sldMkLst>
-          <pc:docMk/>
-          <pc:sldMk cId="1019502620" sldId="274"/>
-        </pc:sldMkLst>
-      </pc:sldChg>
-      <pc:sldChg chg="modSp mod modClrScheme chgLayout">
-        <pc:chgData name="laura-gombaud@laposte.net" userId="S::urn:spo:guest#laura-gombaud@laposte.net::" providerId="AD" clId="Web-{7F47BDAB-011E-5D79-3290-E5E115CA5DED}" dt="2025-08-19T11:04:11.206" v="63"/>
-        <pc:sldMkLst>
-          <pc:docMk/>
-          <pc:sldMk cId="914568548" sldId="275"/>
-        </pc:sldMkLst>
-      </pc:sldChg>
-      <pc:sldChg chg="addSp delSp modSp del mod modClrScheme delDesignElem chgLayout">
-        <pc:chgData name="laura-gombaud@laposte.net" userId="S::urn:spo:guest#laura-gombaud@laposte.net::" providerId="AD" clId="Web-{7F47BDAB-011E-5D79-3290-E5E115CA5DED}" dt="2025-08-19T11:05:31.865" v="85"/>
-        <pc:sldMkLst>
-          <pc:docMk/>
-          <pc:sldMk cId="619538879" sldId="277"/>
-        </pc:sldMkLst>
-      </pc:sldChg>
-      <pc:sldChg chg="addSp delSp modSp new">
-        <pc:chgData name="laura-gombaud@laposte.net" userId="S::urn:spo:guest#laura-gombaud@laposte.net::" providerId="AD" clId="Web-{7F47BDAB-011E-5D79-3290-E5E115CA5DED}" dt="2025-08-19T11:06:27.960" v="108"/>
-        <pc:sldMkLst>
-          <pc:docMk/>
-          <pc:sldMk cId="3107800595" sldId="278"/>
-        </pc:sldMkLst>
-      </pc:sldChg>
-      <pc:sldMasterChg chg="del delSldLayout">
-        <pc:chgData name="laura-gombaud@laposte.net" userId="S::urn:spo:guest#laura-gombaud@laposte.net::" providerId="AD" clId="Web-{7F47BDAB-011E-5D79-3290-E5E115CA5DED}" dt="2025-08-19T11:04:08.596" v="62"/>
-        <pc:sldMasterMkLst>
-          <pc:docMk/>
-          <pc:sldMasterMk cId="474013707" sldId="2147483660"/>
-        </pc:sldMasterMkLst>
-        <pc:sldLayoutChg chg="del">
-          <pc:chgData name="laura-gombaud@laposte.net" userId="S::urn:spo:guest#laura-gombaud@laposte.net::" providerId="AD" clId="Web-{7F47BDAB-011E-5D79-3290-E5E115CA5DED}" dt="2025-08-19T11:04:08.596" v="62"/>
-          <pc:sldLayoutMkLst>
-            <pc:docMk/>
-            <pc:sldMasterMk cId="474013707" sldId="2147483660"/>
-            <pc:sldLayoutMk cId="1052586614" sldId="2147483661"/>
-          </pc:sldLayoutMkLst>
-        </pc:sldLayoutChg>
-        <pc:sldLayoutChg chg="del">
-          <pc:chgData name="laura-gombaud@laposte.net" userId="S::urn:spo:guest#laura-gombaud@laposte.net::" providerId="AD" clId="Web-{7F47BDAB-011E-5D79-3290-E5E115CA5DED}" dt="2025-08-19T11:04:08.596" v="62"/>
-          <pc:sldLayoutMkLst>
-            <pc:docMk/>
-            <pc:sldMasterMk cId="474013707" sldId="2147483660"/>
-            <pc:sldLayoutMk cId="1689560760" sldId="2147483662"/>
-          </pc:sldLayoutMkLst>
-        </pc:sldLayoutChg>
-        <pc:sldLayoutChg chg="del">
-          <pc:chgData name="laura-gombaud@laposte.net" userId="S::urn:spo:guest#laura-gombaud@laposte.net::" providerId="AD" clId="Web-{7F47BDAB-011E-5D79-3290-E5E115CA5DED}" dt="2025-08-19T11:04:08.596" v="62"/>
-          <pc:sldLayoutMkLst>
-            <pc:docMk/>
-            <pc:sldMasterMk cId="474013707" sldId="2147483660"/>
-            <pc:sldLayoutMk cId="1654917337" sldId="2147483663"/>
-          </pc:sldLayoutMkLst>
-        </pc:sldLayoutChg>
-        <pc:sldLayoutChg chg="del">
-          <pc:chgData name="laura-gombaud@laposte.net" userId="S::urn:spo:guest#laura-gombaud@laposte.net::" providerId="AD" clId="Web-{7F47BDAB-011E-5D79-3290-E5E115CA5DED}" dt="2025-08-19T11:04:08.596" v="62"/>
-          <pc:sldLayoutMkLst>
-            <pc:docMk/>
-            <pc:sldMasterMk cId="474013707" sldId="2147483660"/>
-            <pc:sldLayoutMk cId="843323884" sldId="2147483664"/>
-          </pc:sldLayoutMkLst>
-        </pc:sldLayoutChg>
-        <pc:sldLayoutChg chg="del">
-          <pc:chgData name="laura-gombaud@laposte.net" userId="S::urn:spo:guest#laura-gombaud@laposte.net::" providerId="AD" clId="Web-{7F47BDAB-011E-5D79-3290-E5E115CA5DED}" dt="2025-08-19T11:04:08.596" v="62"/>
-          <pc:sldLayoutMkLst>
-            <pc:docMk/>
-            <pc:sldMasterMk cId="474013707" sldId="2147483660"/>
-            <pc:sldLayoutMk cId="2827557155" sldId="2147483665"/>
-          </pc:sldLayoutMkLst>
-        </pc:sldLayoutChg>
-        <pc:sldLayoutChg chg="del">
-          <pc:chgData name="laura-gombaud@laposte.net" userId="S::urn:spo:guest#laura-gombaud@laposte.net::" providerId="AD" clId="Web-{7F47BDAB-011E-5D79-3290-E5E115CA5DED}" dt="2025-08-19T11:04:08.596" v="62"/>
-          <pc:sldLayoutMkLst>
-            <pc:docMk/>
-            <pc:sldMasterMk cId="474013707" sldId="2147483660"/>
-            <pc:sldLayoutMk cId="2626983362" sldId="2147483666"/>
-          </pc:sldLayoutMkLst>
-        </pc:sldLayoutChg>
-        <pc:sldLayoutChg chg="del">
-          <pc:chgData name="laura-gombaud@laposte.net" userId="S::urn:spo:guest#laura-gombaud@laposte.net::" providerId="AD" clId="Web-{7F47BDAB-011E-5D79-3290-E5E115CA5DED}" dt="2025-08-19T11:04:08.596" v="62"/>
-          <pc:sldLayoutMkLst>
-            <pc:docMk/>
-            <pc:sldMasterMk cId="474013707" sldId="2147483660"/>
-            <pc:sldLayoutMk cId="920100566" sldId="2147483667"/>
-          </pc:sldLayoutMkLst>
-        </pc:sldLayoutChg>
-        <pc:sldLayoutChg chg="del">
-          <pc:chgData name="laura-gombaud@laposte.net" userId="S::urn:spo:guest#laura-gombaud@laposte.net::" providerId="AD" clId="Web-{7F47BDAB-011E-5D79-3290-E5E115CA5DED}" dt="2025-08-19T11:04:08.596" v="62"/>
-          <pc:sldLayoutMkLst>
-            <pc:docMk/>
-            <pc:sldMasterMk cId="474013707" sldId="2147483660"/>
-            <pc:sldLayoutMk cId="3555684344" sldId="2147483668"/>
-          </pc:sldLayoutMkLst>
-        </pc:sldLayoutChg>
-        <pc:sldLayoutChg chg="del">
-          <pc:chgData name="laura-gombaud@laposte.net" userId="S::urn:spo:guest#laura-gombaud@laposte.net::" providerId="AD" clId="Web-{7F47BDAB-011E-5D79-3290-E5E115CA5DED}" dt="2025-08-19T11:04:08.596" v="62"/>
-          <pc:sldLayoutMkLst>
-            <pc:docMk/>
-            <pc:sldMasterMk cId="474013707" sldId="2147483660"/>
-            <pc:sldLayoutMk cId="4058517375" sldId="2147483669"/>
-          </pc:sldLayoutMkLst>
-        </pc:sldLayoutChg>
-        <pc:sldLayoutChg chg="del">
-          <pc:chgData name="laura-gombaud@laposte.net" userId="S::urn:spo:guest#laura-gombaud@laposte.net::" providerId="AD" clId="Web-{7F47BDAB-011E-5D79-3290-E5E115CA5DED}" dt="2025-08-19T11:04:08.596" v="62"/>
-          <pc:sldLayoutMkLst>
-            <pc:docMk/>
-            <pc:sldMasterMk cId="474013707" sldId="2147483660"/>
-            <pc:sldLayoutMk cId="1834758841" sldId="2147483670"/>
-          </pc:sldLayoutMkLst>
-        </pc:sldLayoutChg>
-        <pc:sldLayoutChg chg="del">
-          <pc:chgData name="laura-gombaud@laposte.net" userId="S::urn:spo:guest#laura-gombaud@laposte.net::" providerId="AD" clId="Web-{7F47BDAB-011E-5D79-3290-E5E115CA5DED}" dt="2025-08-19T11:04:08.596" v="62"/>
-          <pc:sldLayoutMkLst>
-            <pc:docMk/>
-            <pc:sldMasterMk cId="474013707" sldId="2147483660"/>
-            <pc:sldLayoutMk cId="4175619599" sldId="2147483671"/>
-          </pc:sldLayoutMkLst>
-        </pc:sldLayoutChg>
-      </pc:sldMasterChg>
-      <pc:sldMasterChg chg="add del addSldLayout delSldLayout modSldLayout">
-        <pc:chgData name="laura-gombaud@laposte.net" userId="S::urn:spo:guest#laura-gombaud@laposte.net::" providerId="AD" clId="Web-{7F47BDAB-011E-5D79-3290-E5E115CA5DED}" dt="2025-08-19T11:04:11.206" v="63"/>
-        <pc:sldMasterMkLst>
-          <pc:docMk/>
-          <pc:sldMasterMk cId="3773155301" sldId="2147483672"/>
-        </pc:sldMasterMkLst>
-        <pc:sldLayoutChg chg="add del mod replId">
-          <pc:chgData name="laura-gombaud@laposte.net" userId="S::urn:spo:guest#laura-gombaud@laposte.net::" providerId="AD" clId="Web-{7F47BDAB-011E-5D79-3290-E5E115CA5DED}" dt="2025-08-19T11:04:11.206" v="63"/>
-          <pc:sldLayoutMkLst>
-            <pc:docMk/>
-            <pc:sldMasterMk cId="3773155301" sldId="2147483672"/>
-            <pc:sldLayoutMk cId="1763883658" sldId="2147483673"/>
-          </pc:sldLayoutMkLst>
-        </pc:sldLayoutChg>
-        <pc:sldLayoutChg chg="add del mod replId">
-          <pc:chgData name="laura-gombaud@laposte.net" userId="S::urn:spo:guest#laura-gombaud@laposte.net::" providerId="AD" clId="Web-{7F47BDAB-011E-5D79-3290-E5E115CA5DED}" dt="2025-08-19T11:04:11.206" v="63"/>
-          <pc:sldLayoutMkLst>
-            <pc:docMk/>
-            <pc:sldMasterMk cId="3773155301" sldId="2147483672"/>
-            <pc:sldLayoutMk cId="2202918692" sldId="2147483674"/>
-          </pc:sldLayoutMkLst>
-        </pc:sldLayoutChg>
-        <pc:sldLayoutChg chg="add del mod replId">
-          <pc:chgData name="laura-gombaud@laposte.net" userId="S::urn:spo:guest#laura-gombaud@laposte.net::" providerId="AD" clId="Web-{7F47BDAB-011E-5D79-3290-E5E115CA5DED}" dt="2025-08-19T11:04:11.206" v="63"/>
-          <pc:sldLayoutMkLst>
-            <pc:docMk/>
-            <pc:sldMasterMk cId="3773155301" sldId="2147483672"/>
-            <pc:sldLayoutMk cId="1430894656" sldId="2147483675"/>
-          </pc:sldLayoutMkLst>
-        </pc:sldLayoutChg>
-        <pc:sldLayoutChg chg="add del mod replId">
-          <pc:chgData name="laura-gombaud@laposte.net" userId="S::urn:spo:guest#laura-gombaud@laposte.net::" providerId="AD" clId="Web-{7F47BDAB-011E-5D79-3290-E5E115CA5DED}" dt="2025-08-19T11:04:11.206" v="63"/>
-          <pc:sldLayoutMkLst>
-            <pc:docMk/>
-            <pc:sldMasterMk cId="3773155301" sldId="2147483672"/>
-            <pc:sldLayoutMk cId="597991087" sldId="2147483676"/>
-          </pc:sldLayoutMkLst>
-        </pc:sldLayoutChg>
-        <pc:sldLayoutChg chg="add del mod replId">
-          <pc:chgData name="laura-gombaud@laposte.net" userId="S::urn:spo:guest#laura-gombaud@laposte.net::" providerId="AD" clId="Web-{7F47BDAB-011E-5D79-3290-E5E115CA5DED}" dt="2025-08-19T11:04:11.206" v="63"/>
-          <pc:sldLayoutMkLst>
-            <pc:docMk/>
-            <pc:sldMasterMk cId="3773155301" sldId="2147483672"/>
-            <pc:sldLayoutMk cId="2726229127" sldId="2147483677"/>
-          </pc:sldLayoutMkLst>
-        </pc:sldLayoutChg>
-        <pc:sldLayoutChg chg="add del mod replId">
-          <pc:chgData name="laura-gombaud@laposte.net" userId="S::urn:spo:guest#laura-gombaud@laposte.net::" providerId="AD" clId="Web-{7F47BDAB-011E-5D79-3290-E5E115CA5DED}" dt="2025-08-19T11:04:11.206" v="63"/>
-          <pc:sldLayoutMkLst>
-            <pc:docMk/>
-            <pc:sldMasterMk cId="3773155301" sldId="2147483672"/>
-            <pc:sldLayoutMk cId="3881688595" sldId="2147483678"/>
-          </pc:sldLayoutMkLst>
-        </pc:sldLayoutChg>
-        <pc:sldLayoutChg chg="add del mod replId">
-          <pc:chgData name="laura-gombaud@laposte.net" userId="S::urn:spo:guest#laura-gombaud@laposte.net::" providerId="AD" clId="Web-{7F47BDAB-011E-5D79-3290-E5E115CA5DED}" dt="2025-08-19T11:04:11.206" v="63"/>
-          <pc:sldLayoutMkLst>
-            <pc:docMk/>
-            <pc:sldMasterMk cId="3773155301" sldId="2147483672"/>
-            <pc:sldLayoutMk cId="2943244586" sldId="2147483679"/>
-          </pc:sldLayoutMkLst>
-        </pc:sldLayoutChg>
-        <pc:sldLayoutChg chg="add del mod replId">
-          <pc:chgData name="laura-gombaud@laposte.net" userId="S::urn:spo:guest#laura-gombaud@laposte.net::" providerId="AD" clId="Web-{7F47BDAB-011E-5D79-3290-E5E115CA5DED}" dt="2025-08-19T11:04:11.206" v="63"/>
-          <pc:sldLayoutMkLst>
-            <pc:docMk/>
-            <pc:sldMasterMk cId="3773155301" sldId="2147483672"/>
-            <pc:sldLayoutMk cId="3725803445" sldId="2147483680"/>
-          </pc:sldLayoutMkLst>
-        </pc:sldLayoutChg>
-        <pc:sldLayoutChg chg="add del mod replId">
-          <pc:chgData name="laura-gombaud@laposte.net" userId="S::urn:spo:guest#laura-gombaud@laposte.net::" providerId="AD" clId="Web-{7F47BDAB-011E-5D79-3290-E5E115CA5DED}" dt="2025-08-19T11:04:11.206" v="63"/>
-          <pc:sldLayoutMkLst>
-            <pc:docMk/>
-            <pc:sldMasterMk cId="3773155301" sldId="2147483672"/>
-            <pc:sldLayoutMk cId="1544053724" sldId="2147483681"/>
-          </pc:sldLayoutMkLst>
-        </pc:sldLayoutChg>
-        <pc:sldLayoutChg chg="add del mod replId">
-          <pc:chgData name="laura-gombaud@laposte.net" userId="S::urn:spo:guest#laura-gombaud@laposte.net::" providerId="AD" clId="Web-{7F47BDAB-011E-5D79-3290-E5E115CA5DED}" dt="2025-08-19T11:04:11.206" v="63"/>
-          <pc:sldLayoutMkLst>
-            <pc:docMk/>
-            <pc:sldMasterMk cId="3773155301" sldId="2147483672"/>
-            <pc:sldLayoutMk cId="4170312196" sldId="2147483682"/>
-          </pc:sldLayoutMkLst>
-        </pc:sldLayoutChg>
-        <pc:sldLayoutChg chg="add del mod replId">
-          <pc:chgData name="laura-gombaud@laposte.net" userId="S::urn:spo:guest#laura-gombaud@laposte.net::" providerId="AD" clId="Web-{7F47BDAB-011E-5D79-3290-E5E115CA5DED}" dt="2025-08-19T11:04:11.206" v="63"/>
-          <pc:sldLayoutMkLst>
-            <pc:docMk/>
-            <pc:sldMasterMk cId="3773155301" sldId="2147483672"/>
-            <pc:sldLayoutMk cId="1028813439" sldId="2147483683"/>
-          </pc:sldLayoutMkLst>
-        </pc:sldLayoutChg>
-      </pc:sldMasterChg>
-      <pc:sldMasterChg chg="add addSldLayout modSldLayout">
-        <pc:chgData name="laura-gombaud@laposte.net" userId="S::urn:spo:guest#laura-gombaud@laposte.net::" providerId="AD" clId="Web-{7F47BDAB-011E-5D79-3290-E5E115CA5DED}" dt="2025-08-19T11:04:11.206" v="63"/>
-        <pc:sldMasterMkLst>
-          <pc:docMk/>
-          <pc:sldMasterMk cId="1071176179" sldId="2147483684"/>
-        </pc:sldMasterMkLst>
-        <pc:sldLayoutChg chg="add mod replId">
-          <pc:chgData name="laura-gombaud@laposte.net" userId="S::urn:spo:guest#laura-gombaud@laposte.net::" providerId="AD" clId="Web-{7F47BDAB-011E-5D79-3290-E5E115CA5DED}" dt="2025-08-19T11:04:11.206" v="63"/>
-          <pc:sldLayoutMkLst>
-            <pc:docMk/>
-            <pc:sldMasterMk cId="1071176179" sldId="2147483684"/>
-            <pc:sldLayoutMk cId="2223560165" sldId="2147483685"/>
-          </pc:sldLayoutMkLst>
-        </pc:sldLayoutChg>
-        <pc:sldLayoutChg chg="add mod replId">
-          <pc:chgData name="laura-gombaud@laposte.net" userId="S::urn:spo:guest#laura-gombaud@laposte.net::" providerId="AD" clId="Web-{7F47BDAB-011E-5D79-3290-E5E115CA5DED}" dt="2025-08-19T11:04:11.206" v="63"/>
-          <pc:sldLayoutMkLst>
-            <pc:docMk/>
-            <pc:sldMasterMk cId="1071176179" sldId="2147483684"/>
-            <pc:sldLayoutMk cId="4241953847" sldId="2147483686"/>
-          </pc:sldLayoutMkLst>
-        </pc:sldLayoutChg>
-        <pc:sldLayoutChg chg="add mod replId">
-          <pc:chgData name="laura-gombaud@laposte.net" userId="S::urn:spo:guest#laura-gombaud@laposte.net::" providerId="AD" clId="Web-{7F47BDAB-011E-5D79-3290-E5E115CA5DED}" dt="2025-08-19T11:04:11.206" v="63"/>
-          <pc:sldLayoutMkLst>
-            <pc:docMk/>
-            <pc:sldMasterMk cId="1071176179" sldId="2147483684"/>
-            <pc:sldLayoutMk cId="745167963" sldId="2147483687"/>
-          </pc:sldLayoutMkLst>
-        </pc:sldLayoutChg>
-        <pc:sldLayoutChg chg="add mod replId">
-          <pc:chgData name="laura-gombaud@laposte.net" userId="S::urn:spo:guest#laura-gombaud@laposte.net::" providerId="AD" clId="Web-{7F47BDAB-011E-5D79-3290-E5E115CA5DED}" dt="2025-08-19T11:04:11.206" v="63"/>
-          <pc:sldLayoutMkLst>
-            <pc:docMk/>
-            <pc:sldMasterMk cId="1071176179" sldId="2147483684"/>
-            <pc:sldLayoutMk cId="655063213" sldId="2147483688"/>
-          </pc:sldLayoutMkLst>
-        </pc:sldLayoutChg>
-        <pc:sldLayoutChg chg="add mod replId">
-          <pc:chgData name="laura-gombaud@laposte.net" userId="S::urn:spo:guest#laura-gombaud@laposte.net::" providerId="AD" clId="Web-{7F47BDAB-011E-5D79-3290-E5E115CA5DED}" dt="2025-08-19T11:04:11.206" v="63"/>
-          <pc:sldLayoutMkLst>
-            <pc:docMk/>
-            <pc:sldMasterMk cId="1071176179" sldId="2147483684"/>
-            <pc:sldLayoutMk cId="1665030633" sldId="2147483689"/>
-          </pc:sldLayoutMkLst>
-        </pc:sldLayoutChg>
-        <pc:sldLayoutChg chg="add mod replId">
-          <pc:chgData name="laura-gombaud@laposte.net" userId="S::urn:spo:guest#laura-gombaud@laposte.net::" providerId="AD" clId="Web-{7F47BDAB-011E-5D79-3290-E5E115CA5DED}" dt="2025-08-19T11:04:11.206" v="63"/>
-          <pc:sldLayoutMkLst>
-            <pc:docMk/>
-            <pc:sldMasterMk cId="1071176179" sldId="2147483684"/>
-            <pc:sldLayoutMk cId="3429243626" sldId="2147483690"/>
-          </pc:sldLayoutMkLst>
-        </pc:sldLayoutChg>
-        <pc:sldLayoutChg chg="add mod replId">
-          <pc:chgData name="laura-gombaud@laposte.net" userId="S::urn:spo:guest#laura-gombaud@laposte.net::" providerId="AD" clId="Web-{7F47BDAB-011E-5D79-3290-E5E115CA5DED}" dt="2025-08-19T11:04:11.206" v="63"/>
-          <pc:sldLayoutMkLst>
-            <pc:docMk/>
-            <pc:sldMasterMk cId="1071176179" sldId="2147483684"/>
-            <pc:sldLayoutMk cId="2315154600" sldId="2147483691"/>
-          </pc:sldLayoutMkLst>
-        </pc:sldLayoutChg>
-        <pc:sldLayoutChg chg="add mod replId">
-          <pc:chgData name="laura-gombaud@laposte.net" userId="S::urn:spo:guest#laura-gombaud@laposte.net::" providerId="AD" clId="Web-{7F47BDAB-011E-5D79-3290-E5E115CA5DED}" dt="2025-08-19T11:04:11.206" v="63"/>
-          <pc:sldLayoutMkLst>
-            <pc:docMk/>
-            <pc:sldMasterMk cId="1071176179" sldId="2147483684"/>
-            <pc:sldLayoutMk cId="3951693969" sldId="2147483692"/>
-          </pc:sldLayoutMkLst>
-        </pc:sldLayoutChg>
-        <pc:sldLayoutChg chg="add mod replId">
-          <pc:chgData name="laura-gombaud@laposte.net" userId="S::urn:spo:guest#laura-gombaud@laposte.net::" providerId="AD" clId="Web-{7F47BDAB-011E-5D79-3290-E5E115CA5DED}" dt="2025-08-19T11:04:11.206" v="63"/>
-          <pc:sldLayoutMkLst>
-            <pc:docMk/>
-            <pc:sldMasterMk cId="1071176179" sldId="2147483684"/>
-            <pc:sldLayoutMk cId="3333904225" sldId="2147483693"/>
-          </pc:sldLayoutMkLst>
-        </pc:sldLayoutChg>
-        <pc:sldLayoutChg chg="add mod replId">
-          <pc:chgData name="laura-gombaud@laposte.net" userId="S::urn:spo:guest#laura-gombaud@laposte.net::" providerId="AD" clId="Web-{7F47BDAB-011E-5D79-3290-E5E115CA5DED}" dt="2025-08-19T11:04:11.206" v="63"/>
-          <pc:sldLayoutMkLst>
-            <pc:docMk/>
-            <pc:sldMasterMk cId="1071176179" sldId="2147483684"/>
-            <pc:sldLayoutMk cId="2697030116" sldId="2147483694"/>
-          </pc:sldLayoutMkLst>
-        </pc:sldLayoutChg>
-        <pc:sldLayoutChg chg="add mod replId">
-          <pc:chgData name="laura-gombaud@laposte.net" userId="S::urn:spo:guest#laura-gombaud@laposte.net::" providerId="AD" clId="Web-{7F47BDAB-011E-5D79-3290-E5E115CA5DED}" dt="2025-08-19T11:04:11.206" v="63"/>
-          <pc:sldLayoutMkLst>
-            <pc:docMk/>
-            <pc:sldMasterMk cId="1071176179" sldId="2147483684"/>
-            <pc:sldLayoutMk cId="2346030186" sldId="2147483695"/>
-          </pc:sldLayoutMkLst>
-        </pc:sldLayoutChg>
-      </pc:sldMasterChg>
     </pc:docChg>
   </pc:docChgLst>
   <pc:docChgLst>
@@ -2871,45 +2910,6 @@
         <pc:sldMkLst>
           <pc:docMk/>
           <pc:sldMk cId="2084924560" sldId="262"/>
-        </pc:sldMkLst>
-      </pc:sldChg>
-    </pc:docChg>
-  </pc:docChgLst>
-  <pc:docChgLst>
-    <pc:chgData name="laura-gombaud@laposte.net" userId="S::urn:spo:guest#laura-gombaud@laposte.net::" providerId="AD" clId="Web-{5ACEC877-7D39-7A54-C39B-54ECD281951E}"/>
-    <pc:docChg chg="modSld">
-      <pc:chgData name="laura-gombaud@laposte.net" userId="S::urn:spo:guest#laura-gombaud@laposte.net::" providerId="AD" clId="Web-{5ACEC877-7D39-7A54-C39B-54ECD281951E}" dt="2025-08-15T18:44:35.295" v="88"/>
-      <pc:docMkLst>
-        <pc:docMk/>
-      </pc:docMkLst>
-      <pc:sldChg chg="modSp">
-        <pc:chgData name="laura-gombaud@laposte.net" userId="S::urn:spo:guest#laura-gombaud@laposte.net::" providerId="AD" clId="Web-{5ACEC877-7D39-7A54-C39B-54ECD281951E}" dt="2025-08-15T18:35:05.053" v="0" actId="20577"/>
-        <pc:sldMkLst>
-          <pc:docMk/>
-          <pc:sldMk cId="2928013113" sldId="256"/>
-        </pc:sldMkLst>
-      </pc:sldChg>
-      <pc:sldChg chg="modSp">
-        <pc:chgData name="laura-gombaud@laposte.net" userId="S::urn:spo:guest#laura-gombaud@laposte.net::" providerId="AD" clId="Web-{5ACEC877-7D39-7A54-C39B-54ECD281951E}" dt="2025-08-15T18:44:35.295" v="88"/>
-        <pc:sldMkLst>
-          <pc:docMk/>
-          <pc:sldMk cId="1333340679" sldId="259"/>
-        </pc:sldMkLst>
-      </pc:sldChg>
-    </pc:docChg>
-  </pc:docChgLst>
-  <pc:docChgLst>
-    <pc:chgData clId="Web-{4FB8EDA9-CBAD-8CE5-D628-D1D0C3F7579D}"/>
-    <pc:docChg chg="addSld">
-      <pc:chgData name="" userId="" providerId="" clId="Web-{4FB8EDA9-CBAD-8CE5-D628-D1D0C3F7579D}" dt="2025-08-19T11:16:45.258" v="0"/>
-      <pc:docMkLst>
-        <pc:docMk/>
-      </pc:docMkLst>
-      <pc:sldChg chg="add">
-        <pc:chgData name="" userId="" providerId="" clId="Web-{4FB8EDA9-CBAD-8CE5-D628-D1D0C3F7579D}" dt="2025-08-19T11:16:45.258" v="0"/>
-        <pc:sldMkLst>
-          <pc:docMk/>
-          <pc:sldMk cId="2688854622" sldId="279"/>
         </pc:sldMkLst>
       </pc:sldChg>
     </pc:docChg>
@@ -2999,7 +2999,7 @@
           <a:p>
             <a:fld id="{479ACCD6-879A-48D5-8BC6-3FA852F6C244}" type="datetimeFigureOut">
               <a:rPr lang="fr-FR" smtClean="0"/>
-              <a:t>22/08/2025</a:t>
+              <a:t>07/09/2025</a:t>
             </a:fld>
             <a:endParaRPr lang="fr-FR"/>
           </a:p>
@@ -3417,7 +3417,7 @@
           <a:p>
             <a:fld id="{77CA0979-F579-4E9B-A675-1F5ABBFF00DB}" type="datetimeFigureOut">
               <a:rPr lang="en-US" dirty="0"/>
-              <a:t>8/22/2025</a:t>
+              <a:t>9/7/2025</a:t>
             </a:fld>
             <a:endParaRPr lang="en-US"/>
           </a:p>
@@ -3645,7 +3645,7 @@
           <a:p>
             <a:fld id="{F7E76D0F-5A12-4D0A-80B0-1A6122B61E7B}" type="datetimeFigureOut">
               <a:rPr lang="en-US" dirty="0"/>
-              <a:t>8/22/2025</a:t>
+              <a:t>9/7/2025</a:t>
             </a:fld>
             <a:endParaRPr lang="en-US"/>
           </a:p>
@@ -3857,7 +3857,7 @@
           <a:p>
             <a:fld id="{8B9E8C84-89CA-44AB-B0BE-5C91BAF75478}" type="datetimeFigureOut">
               <a:rPr lang="en-US" dirty="0"/>
-              <a:t>8/22/2025</a:t>
+              <a:t>9/7/2025</a:t>
             </a:fld>
             <a:endParaRPr lang="en-US"/>
           </a:p>
@@ -4059,7 +4059,7 @@
           <a:p>
             <a:fld id="{73E7156E-175E-4DBA-9D21-B772C320F342}" type="datetimeFigureOut">
               <a:rPr lang="en-US" dirty="0"/>
-              <a:t>8/22/2025</a:t>
+              <a:t>9/7/2025</a:t>
             </a:fld>
             <a:endParaRPr lang="en-US"/>
           </a:p>
@@ -4340,7 +4340,7 @@
           <a:p>
             <a:fld id="{04895F6E-3D02-4292-95D1-C62B3126321B}" type="datetimeFigureOut">
               <a:rPr lang="en-US" dirty="0"/>
-              <a:t>8/22/2025</a:t>
+              <a:t>9/7/2025</a:t>
             </a:fld>
             <a:endParaRPr lang="en-US"/>
           </a:p>
@@ -4614,7 +4614,7 @@
           <a:p>
             <a:fld id="{EDCB5ACB-D10C-44A8-9570-124370F4CB38}" type="datetimeFigureOut">
               <a:rPr lang="en-US" dirty="0"/>
-              <a:t>8/22/2025</a:t>
+              <a:t>9/7/2025</a:t>
             </a:fld>
             <a:endParaRPr lang="en-US"/>
           </a:p>
@@ -5040,7 +5040,7 @@
           <a:p>
             <a:fld id="{AB8D84F4-0E7A-4BDE-98C6-AE68FB974645}" type="datetimeFigureOut">
               <a:rPr lang="en-US" dirty="0"/>
-              <a:t>8/22/2025</a:t>
+              <a:t>9/7/2025</a:t>
             </a:fld>
             <a:endParaRPr lang="en-US"/>
           </a:p>
@@ -5185,7 +5185,7 @@
           <a:p>
             <a:fld id="{CBEFF1D8-9801-4C4B-92F3-66C9A863BD74}" type="datetimeFigureOut">
               <a:rPr lang="en-US" dirty="0"/>
-              <a:t>8/22/2025</a:t>
+              <a:t>9/7/2025</a:t>
             </a:fld>
             <a:endParaRPr lang="en-US"/>
           </a:p>
@@ -5302,7 +5302,7 @@
           <a:p>
             <a:fld id="{961FE8FD-B23E-4E1A-83EF-0847EBEA0105}" type="datetimeFigureOut">
               <a:rPr lang="en-US" dirty="0"/>
-              <a:t>8/22/2025</a:t>
+              <a:t>9/7/2025</a:t>
             </a:fld>
             <a:endParaRPr lang="en-US"/>
           </a:p>
@@ -5623,7 +5623,7 @@
           <a:p>
             <a:fld id="{8DDF891E-A7C2-465C-AD39-8EDCB0F58E3C}" type="datetimeFigureOut">
               <a:rPr lang="en-US" dirty="0"/>
-              <a:t>8/22/2025</a:t>
+              <a:t>9/7/2025</a:t>
             </a:fld>
             <a:endParaRPr lang="en-US"/>
           </a:p>
@@ -5917,7 +5917,7 @@
           <a:p>
             <a:fld id="{F39F93E5-AFB6-485C-8E3C-32F92A07875F}" type="datetimeFigureOut">
               <a:rPr lang="en-US" dirty="0"/>
-              <a:t>8/22/2025</a:t>
+              <a:t>9/7/2025</a:t>
             </a:fld>
             <a:endParaRPr lang="en-US"/>
           </a:p>
@@ -6160,7 +6160,7 @@
           <a:p>
             <a:fld id="{3A332BE1-279E-4118-9FE3-7952B079A510}" type="datetimeFigureOut">
               <a:rPr lang="en-US" dirty="0"/>
-              <a:t>8/22/2025</a:t>
+              <a:t>9/7/2025</a:t>
             </a:fld>
             <a:endParaRPr lang="en-US"/>
           </a:p>
@@ -7068,7 +7068,7 @@
         </p:nvSpPr>
         <p:spPr>
           <a:xfrm>
-            <a:off x="8581179" y="1590627"/>
+            <a:off x="8176165" y="2427842"/>
             <a:ext cx="2748531" cy="2531818"/>
           </a:xfrm>
           <a:prstGeom prst="roundRect">
@@ -7098,7 +7098,7 @@
           <a:p>
             <a:pPr algn="ctr"/>
             <a:r>
-              <a:rPr lang="fr-FR" sz="4000">
+              <a:rPr lang="fr-FR" sz="4000" dirty="0">
                 <a:solidFill>
                   <a:srgbClr val="000000"/>
                 </a:solidFill>
@@ -7108,7 +7108,7 @@
               </a:rPr>
               <a:t>[Logo]</a:t>
             </a:r>
-            <a:endParaRPr lang="fr-FR" sz="4000">
+            <a:endParaRPr lang="fr-FR" sz="4000" dirty="0">
               <a:latin typeface="Calibri"/>
               <a:ea typeface="Calibri"/>
               <a:cs typeface="Calibri"/>
@@ -7116,7 +7116,7 @@
           </a:p>
           <a:p>
             <a:pPr algn="ctr"/>
-            <a:endParaRPr lang="fr-FR"/>
+            <a:endParaRPr lang="fr-FR" dirty="0"/>
           </a:p>
         </p:txBody>
       </p:sp>
@@ -7461,13 +7461,13 @@
         </p:nvSpPr>
         <p:spPr>
           <a:xfrm>
-            <a:off x="1055202" y="3026978"/>
-            <a:ext cx="9656324" cy="2584734"/>
+            <a:off x="1055202" y="1947986"/>
+            <a:ext cx="9656324" cy="3291526"/>
           </a:xfrm>
         </p:spPr>
         <p:txBody>
           <a:bodyPr vert="horz" lIns="91440" tIns="45720" rIns="91440" bIns="45720" rtlCol="0" anchor="t">
-            <a:normAutofit fontScale="77500" lnSpcReduction="20000"/>
+            <a:normAutofit fontScale="85000" lnSpcReduction="10000"/>
           </a:bodyPr>
           <a:lstStyle/>
           <a:p>
@@ -7476,7 +7476,7 @@
               <a:buChar char="•"/>
             </a:pPr>
             <a:r>
-              <a:rPr lang="fr-FR" sz="4400">
+              <a:rPr lang="fr-FR" sz="4400" dirty="0">
                 <a:latin typeface="Calibri"/>
                 <a:ea typeface="Calibri"/>
                 <a:cs typeface="Calibri"/>
@@ -7489,14 +7489,14 @@
               <a:buFont typeface="Arial"/>
             </a:pPr>
             <a:r>
-              <a:rPr lang="fr-FR" sz="4400">
+              <a:rPr lang="fr-FR" sz="4400" dirty="0">
                 <a:latin typeface="Calibri"/>
                 <a:ea typeface="Calibri"/>
                 <a:cs typeface="Calibri"/>
               </a:rPr>
               <a:t>[introduire la perspective de la nouvelle année]</a:t>
             </a:r>
-            <a:endParaRPr lang="en-US" sz="4400">
+            <a:endParaRPr lang="en-US" sz="4400" dirty="0">
               <a:latin typeface="Calibri"/>
               <a:ea typeface="Calibri"/>
               <a:cs typeface="Calibri"/>
@@ -7506,7 +7506,7 @@
             <a:pPr>
               <a:buFont typeface="Arial"/>
             </a:pPr>
-            <a:endParaRPr lang="fr-FR" sz="4400">
+            <a:endParaRPr lang="fr-FR" sz="4400" dirty="0">
               <a:latin typeface="Calibri"/>
               <a:ea typeface="Calibri"/>
               <a:cs typeface="Calibri"/>
@@ -7517,14 +7517,14 @@
               <a:buNone/>
             </a:pPr>
             <a:r>
-              <a:rPr lang="fr-FR" sz="4400">
+              <a:rPr lang="fr-FR" sz="4400" dirty="0">
                 <a:latin typeface="Calibri"/>
                 <a:ea typeface="Calibri"/>
                 <a:cs typeface="Calibri"/>
               </a:rPr>
               <a:t>Des questions?</a:t>
             </a:r>
-            <a:endParaRPr lang="en-US" sz="4400">
+            <a:endParaRPr lang="en-US" sz="4400" dirty="0">
               <a:latin typeface="Calibri" panose="020F0502020204030204" pitchFamily="34" charset="0"/>
               <a:ea typeface="Calibri" panose="020F0502020204030204" pitchFamily="34" charset="0"/>
               <a:cs typeface="Calibri" panose="020F0502020204030204" pitchFamily="34" charset="0"/>
@@ -7534,7 +7534,7 @@
             <a:pPr marL="0" indent="0">
               <a:buNone/>
             </a:pPr>
-            <a:endParaRPr lang="fr-FR" sz="2400">
+            <a:endParaRPr lang="fr-FR" sz="2400" dirty="0">
               <a:latin typeface="Calibri" panose="020F0502020204030204" pitchFamily="34" charset="0"/>
               <a:ea typeface="Calibri" panose="020F0502020204030204" pitchFamily="34" charset="0"/>
               <a:cs typeface="Calibri" panose="020F0502020204030204" pitchFamily="34" charset="0"/>
@@ -7804,7 +7804,7 @@
           <a:lstStyle/>
           <a:p>
             <a:r>
-              <a:rPr lang="fr-FR" sz="5000">
+              <a:rPr lang="fr-FR" sz="5000" dirty="0">
                 <a:solidFill>
                   <a:srgbClr val="404040"/>
                 </a:solidFill>
@@ -7815,13 +7815,13 @@
               <a:t>Sommaire</a:t>
             </a:r>
             <a:br>
-              <a:rPr lang="fr-FR" sz="5000">
+              <a:rPr lang="fr-FR" sz="5000" dirty="0">
                 <a:latin typeface="Calibri" panose="020F0502020204030204" pitchFamily="34" charset="0"/>
                 <a:ea typeface="Calibri" panose="020F0502020204030204" pitchFamily="34" charset="0"/>
                 <a:cs typeface="Calibri" panose="020F0502020204030204" pitchFamily="34" charset="0"/>
               </a:rPr>
             </a:br>
-            <a:endParaRPr lang="fr-FR" sz="5000">
+            <a:endParaRPr lang="fr-FR" sz="5000" dirty="0">
               <a:latin typeface="Calibri" panose="020F0502020204030204" pitchFamily="34" charset="0"/>
               <a:ea typeface="Calibri" panose="020F0502020204030204" pitchFamily="34" charset="0"/>
               <a:cs typeface="Calibri" panose="020F0502020204030204" pitchFamily="34" charset="0"/>
@@ -8289,8 +8289,8 @@
         </p:nvSpPr>
         <p:spPr>
           <a:xfrm>
-            <a:off x="1285240" y="1050595"/>
-            <a:ext cx="8074815" cy="1618489"/>
+            <a:off x="1285241" y="1050595"/>
+            <a:ext cx="7776464" cy="787349"/>
           </a:xfrm>
         </p:spPr>
         <p:txBody>
@@ -8300,7 +8300,7 @@
           <a:lstStyle/>
           <a:p>
             <a:r>
-              <a:rPr lang="fr-FR" sz="5000">
+              <a:rPr lang="fr-FR" sz="5000" dirty="0">
                 <a:solidFill>
                   <a:srgbClr val="404040"/>
                 </a:solidFill>
@@ -8591,8 +8591,8 @@
         </p:nvSpPr>
         <p:spPr>
           <a:xfrm>
-            <a:off x="8581179" y="1590627"/>
-            <a:ext cx="2748531" cy="2531818"/>
+            <a:off x="6491351" y="2386155"/>
+            <a:ext cx="4541314" cy="3383709"/>
           </a:xfrm>
           <a:prstGeom prst="roundRect">
             <a:avLst/>
@@ -8621,7 +8621,7 @@
           <a:p>
             <a:pPr algn="ctr"/>
             <a:r>
-              <a:rPr lang="fr-FR" sz="4000">
+              <a:rPr lang="fr-FR" sz="4000" dirty="0">
                 <a:solidFill>
                   <a:srgbClr val="000000"/>
                 </a:solidFill>
@@ -8635,7 +8635,7 @@
           <a:p>
             <a:pPr algn="ctr"/>
             <a:r>
-              <a:rPr lang="fr-FR" sz="4000">
+              <a:rPr lang="fr-FR" sz="4000" dirty="0">
                 <a:solidFill>
                   <a:srgbClr val="000000"/>
                 </a:solidFill>
@@ -8645,7 +8645,7 @@
               </a:rPr>
               <a:t>école/équipe]</a:t>
             </a:r>
-            <a:endParaRPr lang="fr-FR" sz="4000">
+            <a:endParaRPr lang="fr-FR" sz="4000" dirty="0">
               <a:latin typeface="Calibri"/>
               <a:ea typeface="Calibri"/>
               <a:cs typeface="Calibri"/>
@@ -8653,7 +8653,7 @@
           </a:p>
           <a:p>
             <a:pPr algn="ctr"/>
-            <a:endParaRPr lang="fr-FR"/>
+            <a:endParaRPr lang="fr-FR" dirty="0"/>
           </a:p>
         </p:txBody>
       </p:sp>
@@ -8919,7 +8919,7 @@
           <a:lstStyle/>
           <a:p>
             <a:r>
-              <a:rPr lang="fr-FR" sz="5000">
+              <a:rPr lang="fr-FR" sz="5000" dirty="0">
                 <a:solidFill>
                   <a:srgbClr val="404040"/>
                 </a:solidFill>
@@ -8997,7 +8997,7 @@
         </p:nvSpPr>
         <p:spPr>
           <a:xfrm>
-            <a:off x="1285240" y="2969469"/>
+            <a:off x="1285240" y="2119077"/>
             <a:ext cx="8074815" cy="2800395"/>
           </a:xfrm>
         </p:spPr>
@@ -9011,14 +9011,14 @@
               <a:buNone/>
             </a:pPr>
             <a:r>
-              <a:rPr lang="fr-FR" sz="2600">
+              <a:rPr lang="fr-FR" sz="2600" dirty="0">
                 <a:latin typeface="Calibri"/>
                 <a:ea typeface="Calibri"/>
                 <a:cs typeface="Calibri"/>
               </a:rPr>
               <a:t>[Année présentée] en bref :</a:t>
             </a:r>
-            <a:endParaRPr lang="en-US" sz="2600">
+            <a:endParaRPr lang="en-US" sz="2600" dirty="0">
               <a:latin typeface="Calibri"/>
               <a:ea typeface="Calibri"/>
               <a:cs typeface="Calibri"/>
@@ -9026,14 +9026,14 @@
           </a:p>
           <a:p>
             <a:r>
-              <a:rPr lang="fr-FR" sz="2600">
+              <a:rPr lang="fr-FR" sz="2600" dirty="0">
                 <a:latin typeface="Calibri"/>
                 <a:ea typeface="Calibri"/>
                 <a:cs typeface="Calibri"/>
               </a:rPr>
               <a:t>[Nombre de classes] </a:t>
             </a:r>
-            <a:endParaRPr lang="en-US" sz="2600">
+            <a:endParaRPr lang="en-US" sz="2600" dirty="0">
               <a:latin typeface="Calibri"/>
               <a:ea typeface="Calibri"/>
               <a:cs typeface="Calibri"/>
@@ -9041,14 +9041,14 @@
           </a:p>
           <a:p>
             <a:r>
-              <a:rPr lang="fr-FR" sz="2600">
+              <a:rPr lang="fr-FR" sz="2600" dirty="0">
                 <a:latin typeface="Calibri"/>
                 <a:ea typeface="Calibri"/>
                 <a:cs typeface="Calibri"/>
               </a:rPr>
               <a:t>[Nombre total d'élèves]</a:t>
             </a:r>
-            <a:endParaRPr lang="fr-FR" sz="2600">
+            <a:endParaRPr lang="fr-FR" sz="2600" dirty="0">
               <a:latin typeface="Calibri" panose="020F0502020204030204" pitchFamily="34" charset="0"/>
               <a:ea typeface="Calibri" panose="020F0502020204030204" pitchFamily="34" charset="0"/>
               <a:cs typeface="Calibri" panose="020F0502020204030204" pitchFamily="34" charset="0"/>
@@ -9056,14 +9056,14 @@
           </a:p>
           <a:p>
             <a:r>
-              <a:rPr lang="fr-FR" sz="2600">
+              <a:rPr lang="fr-FR" sz="2600" dirty="0">
                 <a:latin typeface="Calibri"/>
                 <a:ea typeface="Calibri"/>
                 <a:cs typeface="Calibri"/>
               </a:rPr>
               <a:t>Préparation au diplôme de [Nom diplôme] ([années] ans d’étude)</a:t>
             </a:r>
-            <a:endParaRPr lang="en-US" sz="2600">
+            <a:endParaRPr lang="en-US" sz="2600" dirty="0">
               <a:latin typeface="Calibri" panose="020F0502020204030204" pitchFamily="34" charset="0"/>
               <a:ea typeface="Calibri" panose="020F0502020204030204" pitchFamily="34" charset="0"/>
               <a:cs typeface="Calibri" panose="020F0502020204030204" pitchFamily="34" charset="0"/>
@@ -9071,14 +9071,14 @@
           </a:p>
           <a:p>
             <a:r>
-              <a:rPr lang="fr-FR" sz="2600">
+              <a:rPr lang="fr-FR" sz="2600" dirty="0">
                 <a:latin typeface="Calibri"/>
                 <a:ea typeface="Calibri"/>
                 <a:cs typeface="Calibri"/>
               </a:rPr>
               <a:t>[Décrire s'il y a eu des événements significatifs sur le dernier exercice]</a:t>
             </a:r>
-            <a:endParaRPr lang="en-US" sz="2600">
+            <a:endParaRPr lang="en-US" sz="2600" dirty="0">
               <a:latin typeface="Calibri" panose="020F0502020204030204" pitchFamily="34" charset="0"/>
               <a:ea typeface="Calibri" panose="020F0502020204030204" pitchFamily="34" charset="0"/>
               <a:cs typeface="Calibri" panose="020F0502020204030204" pitchFamily="34" charset="0"/>
@@ -9090,7 +9090,7 @@
                 <a:spcPct val="110000"/>
               </a:lnSpc>
             </a:pPr>
-            <a:endParaRPr lang="fr-FR" sz="1600">
+            <a:endParaRPr lang="fr-FR" sz="1600" dirty="0">
               <a:latin typeface="Calibri" panose="020F0502020204030204" pitchFamily="34" charset="0"/>
               <a:ea typeface="Calibri" panose="020F0502020204030204" pitchFamily="34" charset="0"/>
               <a:cs typeface="Calibri" panose="020F0502020204030204" pitchFamily="34" charset="0"/>
@@ -9360,7 +9360,7 @@
           <a:lstStyle/>
           <a:p>
             <a:r>
-              <a:rPr lang="fr-FR" sz="5000">
+              <a:rPr lang="fr-FR" sz="5000" dirty="0">
                 <a:solidFill>
                   <a:srgbClr val="404040"/>
                 </a:solidFill>
@@ -9370,7 +9370,7 @@
               </a:rPr>
               <a:t>Bilan financier</a:t>
             </a:r>
-            <a:endParaRPr lang="fr-FR">
+            <a:endParaRPr lang="fr-FR" dirty="0">
               <a:solidFill>
                 <a:srgbClr val="404040"/>
               </a:solidFill>
